--- a/class.pptx
+++ b/class.pptx
@@ -7,22 +7,22 @@
   <p:sldIdLst>
     <p:sldId id="256" r:id="rId2"/>
     <p:sldId id="257" r:id="rId3"/>
-    <p:sldId id="258" r:id="rId4"/>
-    <p:sldId id="259" r:id="rId5"/>
-    <p:sldId id="263" r:id="rId6"/>
-    <p:sldId id="264" r:id="rId7"/>
-    <p:sldId id="265" r:id="rId8"/>
-    <p:sldId id="266" r:id="rId9"/>
-    <p:sldId id="260" r:id="rId10"/>
-    <p:sldId id="267" r:id="rId11"/>
-    <p:sldId id="268" r:id="rId12"/>
-    <p:sldId id="269" r:id="rId13"/>
-    <p:sldId id="270" r:id="rId14"/>
-    <p:sldId id="272" r:id="rId15"/>
-    <p:sldId id="273" r:id="rId16"/>
-    <p:sldId id="274" r:id="rId17"/>
-    <p:sldId id="275" r:id="rId18"/>
-    <p:sldId id="276" r:id="rId19"/>
+    <p:sldId id="277" r:id="rId4"/>
+    <p:sldId id="278" r:id="rId5"/>
+    <p:sldId id="274" r:id="rId6"/>
+    <p:sldId id="275" r:id="rId7"/>
+    <p:sldId id="259" r:id="rId8"/>
+    <p:sldId id="263" r:id="rId9"/>
+    <p:sldId id="279" r:id="rId10"/>
+    <p:sldId id="266" r:id="rId11"/>
+    <p:sldId id="265" r:id="rId12"/>
+    <p:sldId id="260" r:id="rId13"/>
+    <p:sldId id="267" r:id="rId14"/>
+    <p:sldId id="268" r:id="rId15"/>
+    <p:sldId id="270" r:id="rId16"/>
+    <p:sldId id="273" r:id="rId17"/>
+    <p:sldId id="276" r:id="rId18"/>
+    <p:sldId id="258" r:id="rId19"/>
   </p:sldIdLst>
   <p:sldSz cx="12192000" cy="6858000"/>
   <p:notesSz cx="6858000" cy="9144000"/>
@@ -121,6 +121,11 @@
       </a:defRPr>
     </a:lvl9pPr>
   </p:defaultTextStyle>
+  <p:extLst>
+    <p:ext uri="{EFAFB233-063F-42B5-8137-9DF3F51BA10A}">
+      <p15:sldGuideLst xmlns:p15="http://schemas.microsoft.com/office/powerpoint/2012/main"/>
+    </p:ext>
+  </p:extLst>
 </p:presentation>
 </file>
 
@@ -271,7 +276,7 @@
           <a:p>
             <a:fld id="{8F3D9EDE-FDFF-1341-BE21-1778BA43CC8F}" type="datetimeFigureOut">
               <a:rPr lang="en-US" smtClean="0"/>
-              <a:t>7/21/25</a:t>
+              <a:t>7/26/25</a:t>
             </a:fld>
             <a:endParaRPr lang="en-US"/>
           </a:p>
@@ -469,7 +474,7 @@
           <a:p>
             <a:fld id="{8F3D9EDE-FDFF-1341-BE21-1778BA43CC8F}" type="datetimeFigureOut">
               <a:rPr lang="en-US" smtClean="0"/>
-              <a:t>7/21/25</a:t>
+              <a:t>7/26/25</a:t>
             </a:fld>
             <a:endParaRPr lang="en-US"/>
           </a:p>
@@ -677,7 +682,7 @@
           <a:p>
             <a:fld id="{8F3D9EDE-FDFF-1341-BE21-1778BA43CC8F}" type="datetimeFigureOut">
               <a:rPr lang="en-US" smtClean="0"/>
-              <a:t>7/21/25</a:t>
+              <a:t>7/26/25</a:t>
             </a:fld>
             <a:endParaRPr lang="en-US"/>
           </a:p>
@@ -875,7 +880,7 @@
           <a:p>
             <a:fld id="{8F3D9EDE-FDFF-1341-BE21-1778BA43CC8F}" type="datetimeFigureOut">
               <a:rPr lang="en-US" smtClean="0"/>
-              <a:t>7/21/25</a:t>
+              <a:t>7/26/25</a:t>
             </a:fld>
             <a:endParaRPr lang="en-US"/>
           </a:p>
@@ -1150,7 +1155,7 @@
           <a:p>
             <a:fld id="{8F3D9EDE-FDFF-1341-BE21-1778BA43CC8F}" type="datetimeFigureOut">
               <a:rPr lang="en-US" smtClean="0"/>
-              <a:t>7/21/25</a:t>
+              <a:t>7/26/25</a:t>
             </a:fld>
             <a:endParaRPr lang="en-US"/>
           </a:p>
@@ -1415,7 +1420,7 @@
           <a:p>
             <a:fld id="{8F3D9EDE-FDFF-1341-BE21-1778BA43CC8F}" type="datetimeFigureOut">
               <a:rPr lang="en-US" smtClean="0"/>
-              <a:t>7/21/25</a:t>
+              <a:t>7/26/25</a:t>
             </a:fld>
             <a:endParaRPr lang="en-US"/>
           </a:p>
@@ -1827,7 +1832,7 @@
           <a:p>
             <a:fld id="{8F3D9EDE-FDFF-1341-BE21-1778BA43CC8F}" type="datetimeFigureOut">
               <a:rPr lang="en-US" smtClean="0"/>
-              <a:t>7/21/25</a:t>
+              <a:t>7/26/25</a:t>
             </a:fld>
             <a:endParaRPr lang="en-US"/>
           </a:p>
@@ -1968,7 +1973,7 @@
           <a:p>
             <a:fld id="{8F3D9EDE-FDFF-1341-BE21-1778BA43CC8F}" type="datetimeFigureOut">
               <a:rPr lang="en-US" smtClean="0"/>
-              <a:t>7/21/25</a:t>
+              <a:t>7/26/25</a:t>
             </a:fld>
             <a:endParaRPr lang="en-US"/>
           </a:p>
@@ -2081,7 +2086,7 @@
           <a:p>
             <a:fld id="{8F3D9EDE-FDFF-1341-BE21-1778BA43CC8F}" type="datetimeFigureOut">
               <a:rPr lang="en-US" smtClean="0"/>
-              <a:t>7/21/25</a:t>
+              <a:t>7/26/25</a:t>
             </a:fld>
             <a:endParaRPr lang="en-US"/>
           </a:p>
@@ -2392,7 +2397,7 @@
           <a:p>
             <a:fld id="{8F3D9EDE-FDFF-1341-BE21-1778BA43CC8F}" type="datetimeFigureOut">
               <a:rPr lang="en-US" smtClean="0"/>
-              <a:t>7/21/25</a:t>
+              <a:t>7/26/25</a:t>
             </a:fld>
             <a:endParaRPr lang="en-US"/>
           </a:p>
@@ -2680,7 +2685,7 @@
           <a:p>
             <a:fld id="{8F3D9EDE-FDFF-1341-BE21-1778BA43CC8F}" type="datetimeFigureOut">
               <a:rPr lang="en-US" smtClean="0"/>
-              <a:t>7/21/25</a:t>
+              <a:t>7/26/25</a:t>
             </a:fld>
             <a:endParaRPr lang="en-US"/>
           </a:p>
@@ -2775,6 +2780,36 @@
           <a:chExt cx="0" cy="0"/>
         </a:xfrm>
       </p:grpSpPr>
+      <p:pic>
+        <p:nvPicPr>
+          <p:cNvPr id="8" name="Picture 7" descr="A close-up of a card game&#10;&#10;AI-generated content may be incorrect.">
+            <a:extLst>
+              <a:ext uri="{FF2B5EF4-FFF2-40B4-BE49-F238E27FC236}">
+                <a16:creationId xmlns:a16="http://schemas.microsoft.com/office/drawing/2014/main" id="{ED5DF6B1-0FE7-D358-E796-CAC9B2015B15}"/>
+              </a:ext>
+            </a:extLst>
+          </p:cNvPr>
+          <p:cNvPicPr>
+            <a:picLocks noChangeAspect="1"/>
+          </p:cNvPicPr>
+          <p:nvPr userDrawn="1"/>
+        </p:nvPicPr>
+        <p:blipFill>
+          <a:blip r:embed="rId13"/>
+          <a:stretch>
+            <a:fillRect/>
+          </a:stretch>
+        </p:blipFill>
+        <p:spPr>
+          <a:xfrm>
+            <a:off x="9448800" y="681037"/>
+            <a:ext cx="2743200" cy="6176963"/>
+          </a:xfrm>
+          <a:prstGeom prst="rect">
+            <a:avLst/>
+          </a:prstGeom>
+        </p:spPr>
+      </p:pic>
       <p:sp>
         <p:nvSpPr>
           <p:cNvPr id="2" name="Title Placeholder 1">
@@ -2921,7 +2956,7 @@
           <a:p>
             <a:fld id="{8F3D9EDE-FDFF-1341-BE21-1778BA43CC8F}" type="datetimeFigureOut">
               <a:rPr lang="en-US" smtClean="0"/>
-              <a:t>7/21/25</a:t>
+              <a:t>7/26/25</a:t>
             </a:fld>
             <a:endParaRPr lang="en-US"/>
           </a:p>
@@ -3434,7 +3469,7 @@
           <p:cNvPr id="2" name="Title 1">
             <a:extLst>
               <a:ext uri="{FF2B5EF4-FFF2-40B4-BE49-F238E27FC236}">
-                <a16:creationId xmlns:a16="http://schemas.microsoft.com/office/drawing/2014/main" id="{01B46E46-DBA5-C7E3-723F-FE4D6AAB3B61}"/>
+                <a16:creationId xmlns:a16="http://schemas.microsoft.com/office/drawing/2014/main" id="{3468BC93-B4D0-F6C3-6F82-C49A5ED181C9}"/>
               </a:ext>
             </a:extLst>
           </p:cNvPr>
@@ -3452,832 +3487,63 @@
           <a:p>
             <a:r>
               <a:rPr lang="en-US" dirty="0"/>
-              <a:t>Scoring Practices</a:t>
+              <a:t>Slam/Grand Slam Bonuses</a:t>
             </a:r>
           </a:p>
         </p:txBody>
       </p:sp>
-      <p:graphicFrame>
-        <p:nvGraphicFramePr>
-          <p:cNvPr id="4" name="Table 3">
-            <a:extLst>
-              <a:ext uri="{FF2B5EF4-FFF2-40B4-BE49-F238E27FC236}">
-                <a16:creationId xmlns:a16="http://schemas.microsoft.com/office/drawing/2014/main" id="{9904C4A4-EAFA-87B4-4B59-D392F9F61326}"/>
-              </a:ext>
-            </a:extLst>
-          </p:cNvPr>
-          <p:cNvGraphicFramePr>
-            <a:graphicFrameLocks noGrp="1"/>
-          </p:cNvGraphicFramePr>
-          <p:nvPr>
-            <p:extLst>
-              <p:ext uri="{D42A27DB-BD31-4B8C-83A1-F6EECF244321}">
-                <p14:modId xmlns:p14="http://schemas.microsoft.com/office/powerpoint/2010/main" val="830067477"/>
-              </p:ext>
-            </p:extLst>
-          </p:nvPr>
-        </p:nvGraphicFramePr>
-        <p:xfrm>
-          <a:off x="1009650" y="1901191"/>
-          <a:ext cx="10172700" cy="3618864"/>
-        </p:xfrm>
-        <a:graphic>
-          <a:graphicData uri="http://schemas.openxmlformats.org/drawingml/2006/table">
-            <a:tbl>
-              <a:tblPr firstRow="1" bandRow="1">
-                <a:tableStyleId>{5C22544A-7EE6-4342-B048-85BDC9FD1C3A}</a:tableStyleId>
-              </a:tblPr>
-              <a:tblGrid>
-                <a:gridCol w="1919663">
-                  <a:extLst>
-                    <a:ext uri="{9D8B030D-6E8A-4147-A177-3AD203B41FA5}">
-                      <a16:colId xmlns:a16="http://schemas.microsoft.com/office/drawing/2014/main" val="4178760446"/>
-                    </a:ext>
-                  </a:extLst>
-                </a:gridCol>
-                <a:gridCol w="1077897">
-                  <a:extLst>
-                    <a:ext uri="{9D8B030D-6E8A-4147-A177-3AD203B41FA5}">
-                      <a16:colId xmlns:a16="http://schemas.microsoft.com/office/drawing/2014/main" val="1744565940"/>
-                    </a:ext>
-                  </a:extLst>
-                </a:gridCol>
-                <a:gridCol w="1793785">
-                  <a:extLst>
-                    <a:ext uri="{9D8B030D-6E8A-4147-A177-3AD203B41FA5}">
-                      <a16:colId xmlns:a16="http://schemas.microsoft.com/office/drawing/2014/main" val="3150104053"/>
-                    </a:ext>
-                  </a:extLst>
-                </a:gridCol>
-                <a:gridCol w="637905">
-                  <a:extLst>
-                    <a:ext uri="{9D8B030D-6E8A-4147-A177-3AD203B41FA5}">
-                      <a16:colId xmlns:a16="http://schemas.microsoft.com/office/drawing/2014/main" val="130454964"/>
-                    </a:ext>
-                  </a:extLst>
-                </a:gridCol>
-                <a:gridCol w="2028825">
-                  <a:extLst>
-                    <a:ext uri="{9D8B030D-6E8A-4147-A177-3AD203B41FA5}">
-                      <a16:colId xmlns:a16="http://schemas.microsoft.com/office/drawing/2014/main" val="2418796973"/>
-                    </a:ext>
-                  </a:extLst>
-                </a:gridCol>
-                <a:gridCol w="2714625">
-                  <a:extLst>
-                    <a:ext uri="{9D8B030D-6E8A-4147-A177-3AD203B41FA5}">
-                      <a16:colId xmlns:a16="http://schemas.microsoft.com/office/drawing/2014/main" val="1307085336"/>
-                    </a:ext>
-                  </a:extLst>
-                </a:gridCol>
-              </a:tblGrid>
-              <a:tr h="652144">
-                <a:tc>
-                  <a:txBody>
-                    <a:bodyPr/>
-                    <a:lstStyle/>
-                    <a:p>
-                      <a:r>
-                        <a:rPr lang="en-US" dirty="0"/>
-                        <a:t>Contract</a:t>
-                      </a:r>
-                    </a:p>
-                  </a:txBody>
-                  <a:tcPr/>
-                </a:tc>
-                <a:tc>
-                  <a:txBody>
-                    <a:bodyPr/>
-                    <a:lstStyle/>
-                    <a:p>
-                      <a:r>
-                        <a:rPr lang="en-US" dirty="0" err="1"/>
-                        <a:t>Vul</a:t>
-                      </a:r>
-                      <a:endParaRPr lang="en-US" dirty="0"/>
-                    </a:p>
-                  </a:txBody>
-                  <a:tcPr/>
-                </a:tc>
-                <a:tc>
-                  <a:txBody>
-                    <a:bodyPr/>
-                    <a:lstStyle/>
-                    <a:p>
-                      <a:r>
-                        <a:rPr lang="en-US" dirty="0"/>
-                        <a:t>By</a:t>
-                      </a:r>
-                    </a:p>
-                  </a:txBody>
-                  <a:tcPr/>
-                </a:tc>
-                <a:tc>
-                  <a:txBody>
-                    <a:bodyPr/>
-                    <a:lstStyle/>
-                    <a:p>
-                      <a:r>
-                        <a:rPr lang="en-US" dirty="0"/>
-                        <a:t>Result</a:t>
-                      </a:r>
-                    </a:p>
-                  </a:txBody>
-                  <a:tcPr/>
-                </a:tc>
-                <a:tc>
-                  <a:txBody>
-                    <a:bodyPr/>
-                    <a:lstStyle/>
-                    <a:p>
-                      <a:r>
-                        <a:rPr lang="en-US" dirty="0"/>
-                        <a:t>NS</a:t>
-                      </a:r>
-                    </a:p>
-                  </a:txBody>
-                  <a:tcPr/>
-                </a:tc>
-                <a:tc>
-                  <a:txBody>
-                    <a:bodyPr/>
-                    <a:lstStyle/>
-                    <a:p>
-                      <a:r>
-                        <a:rPr lang="en-US" dirty="0"/>
-                        <a:t>EW</a:t>
-                      </a:r>
-                    </a:p>
-                  </a:txBody>
-                  <a:tcPr/>
-                </a:tc>
-                <a:extLst>
-                  <a:ext uri="{0D108BD9-81ED-4DB2-BD59-A6C34878D82A}">
-                    <a16:rowId xmlns:a16="http://schemas.microsoft.com/office/drawing/2014/main" val="2704325849"/>
-                  </a:ext>
-                </a:extLst>
-              </a:tr>
-              <a:tr h="370840">
-                <a:tc>
-                  <a:txBody>
-                    <a:bodyPr/>
-                    <a:lstStyle/>
-                    <a:p>
-                      <a:r>
-                        <a:rPr lang="en-US" dirty="0"/>
-                        <a:t>2D</a:t>
-                      </a:r>
-                    </a:p>
-                  </a:txBody>
-                  <a:tcPr/>
-                </a:tc>
-                <a:tc>
-                  <a:txBody>
-                    <a:bodyPr/>
-                    <a:lstStyle/>
-                    <a:p>
-                      <a:r>
-                        <a:rPr lang="en-US" dirty="0"/>
-                        <a:t>NS</a:t>
-                      </a:r>
-                    </a:p>
-                  </a:txBody>
-                  <a:tcPr/>
-                </a:tc>
-                <a:tc>
-                  <a:txBody>
-                    <a:bodyPr/>
-                    <a:lstStyle/>
-                    <a:p>
-                      <a:r>
-                        <a:rPr lang="en-US" dirty="0"/>
-                        <a:t>N</a:t>
-                      </a:r>
-                    </a:p>
-                  </a:txBody>
-                  <a:tcPr/>
-                </a:tc>
-                <a:tc>
-                  <a:txBody>
-                    <a:bodyPr/>
-                    <a:lstStyle/>
-                    <a:p>
-                      <a:r>
-                        <a:rPr lang="en-US" dirty="0"/>
-                        <a:t>+0</a:t>
-                      </a:r>
-                    </a:p>
-                  </a:txBody>
-                  <a:tcPr/>
-                </a:tc>
-                <a:tc>
-                  <a:txBody>
-                    <a:bodyPr/>
-                    <a:lstStyle/>
-                    <a:p>
-                      <a:r>
-                        <a:rPr lang="en-US" dirty="0"/>
-                        <a:t>40+50</a:t>
-                      </a:r>
-                    </a:p>
-                  </a:txBody>
-                  <a:tcPr/>
-                </a:tc>
-                <a:tc>
-                  <a:txBody>
-                    <a:bodyPr/>
-                    <a:lstStyle/>
-                    <a:p>
-                      <a:endParaRPr lang="en-US" dirty="0"/>
-                    </a:p>
-                  </a:txBody>
-                  <a:tcPr/>
-                </a:tc>
-                <a:extLst>
-                  <a:ext uri="{0D108BD9-81ED-4DB2-BD59-A6C34878D82A}">
-                    <a16:rowId xmlns:a16="http://schemas.microsoft.com/office/drawing/2014/main" val="927546614"/>
-                  </a:ext>
-                </a:extLst>
-              </a:tr>
-              <a:tr h="370840">
-                <a:tc>
-                  <a:txBody>
-                    <a:bodyPr/>
-                    <a:lstStyle/>
-                    <a:p>
-                      <a:r>
-                        <a:rPr lang="en-US" dirty="0"/>
-                        <a:t>1NTXX</a:t>
-                      </a:r>
-                    </a:p>
-                  </a:txBody>
-                  <a:tcPr/>
-                </a:tc>
-                <a:tc>
-                  <a:txBody>
-                    <a:bodyPr/>
-                    <a:lstStyle/>
-                    <a:p>
-                      <a:r>
-                        <a:rPr lang="en-US" dirty="0"/>
-                        <a:t>EW</a:t>
-                      </a:r>
-                    </a:p>
-                  </a:txBody>
-                  <a:tcPr/>
-                </a:tc>
-                <a:tc>
-                  <a:txBody>
-                    <a:bodyPr/>
-                    <a:lstStyle/>
-                    <a:p>
-                      <a:r>
-                        <a:rPr lang="en-US" dirty="0"/>
-                        <a:t>N</a:t>
-                      </a:r>
-                    </a:p>
-                  </a:txBody>
-                  <a:tcPr/>
-                </a:tc>
-                <a:tc>
-                  <a:txBody>
-                    <a:bodyPr/>
-                    <a:lstStyle/>
-                    <a:p>
-                      <a:r>
-                        <a:rPr lang="en-US" dirty="0"/>
-                        <a:t>+2</a:t>
-                      </a:r>
-                    </a:p>
-                  </a:txBody>
-                  <a:tcPr/>
-                </a:tc>
-                <a:tc>
-                  <a:txBody>
-                    <a:bodyPr/>
-                    <a:lstStyle/>
-                    <a:p>
-                      <a:r>
-                        <a:rPr lang="en-US" dirty="0"/>
-                        <a:t>40*4+300+400</a:t>
-                      </a:r>
-                    </a:p>
-                  </a:txBody>
-                  <a:tcPr/>
-                </a:tc>
-                <a:tc>
-                  <a:txBody>
-                    <a:bodyPr/>
-                    <a:lstStyle/>
-                    <a:p>
-                      <a:endParaRPr lang="en-US" dirty="0"/>
-                    </a:p>
-                  </a:txBody>
-                  <a:tcPr/>
-                </a:tc>
-                <a:extLst>
-                  <a:ext uri="{0D108BD9-81ED-4DB2-BD59-A6C34878D82A}">
-                    <a16:rowId xmlns:a16="http://schemas.microsoft.com/office/drawing/2014/main" val="2082163618"/>
-                  </a:ext>
-                </a:extLst>
-              </a:tr>
-              <a:tr h="370840">
-                <a:tc>
-                  <a:txBody>
-                    <a:bodyPr/>
-                    <a:lstStyle/>
-                    <a:p>
-                      <a:r>
-                        <a:rPr lang="en-US" dirty="0"/>
-                        <a:t>3S</a:t>
-                      </a:r>
-                    </a:p>
-                  </a:txBody>
-                  <a:tcPr/>
-                </a:tc>
-                <a:tc>
-                  <a:txBody>
-                    <a:bodyPr/>
-                    <a:lstStyle/>
-                    <a:p>
-                      <a:r>
-                        <a:rPr lang="en-US" dirty="0"/>
-                        <a:t>None</a:t>
-                      </a:r>
-                    </a:p>
-                  </a:txBody>
-                  <a:tcPr/>
-                </a:tc>
-                <a:tc>
-                  <a:txBody>
-                    <a:bodyPr/>
-                    <a:lstStyle/>
-                    <a:p>
-                      <a:r>
-                        <a:rPr lang="en-US" dirty="0"/>
-                        <a:t>E</a:t>
-                      </a:r>
-                    </a:p>
-                  </a:txBody>
-                  <a:tcPr/>
-                </a:tc>
-                <a:tc>
-                  <a:txBody>
-                    <a:bodyPr/>
-                    <a:lstStyle/>
-                    <a:p>
-                      <a:r>
-                        <a:rPr lang="en-US" dirty="0"/>
-                        <a:t>+0</a:t>
-                      </a:r>
-                    </a:p>
-                  </a:txBody>
-                  <a:tcPr/>
-                </a:tc>
-                <a:tc>
-                  <a:txBody>
-                    <a:bodyPr/>
-                    <a:lstStyle/>
-                    <a:p>
-                      <a:endParaRPr lang="en-US" dirty="0"/>
-                    </a:p>
-                  </a:txBody>
-                  <a:tcPr/>
-                </a:tc>
-                <a:tc>
-                  <a:txBody>
-                    <a:bodyPr/>
-                    <a:lstStyle/>
-                    <a:p>
-                      <a:r>
-                        <a:rPr lang="en-US" dirty="0"/>
-                        <a:t>30*3+50</a:t>
-                      </a:r>
-                    </a:p>
-                  </a:txBody>
-                  <a:tcPr/>
-                </a:tc>
-                <a:extLst>
-                  <a:ext uri="{0D108BD9-81ED-4DB2-BD59-A6C34878D82A}">
-                    <a16:rowId xmlns:a16="http://schemas.microsoft.com/office/drawing/2014/main" val="3522478268"/>
-                  </a:ext>
-                </a:extLst>
-              </a:tr>
-              <a:tr h="370840">
-                <a:tc>
-                  <a:txBody>
-                    <a:bodyPr/>
-                    <a:lstStyle/>
-                    <a:p>
-                      <a:r>
-                        <a:rPr lang="en-US" dirty="0"/>
-                        <a:t>5D</a:t>
-                      </a:r>
-                    </a:p>
-                  </a:txBody>
-                  <a:tcPr/>
-                </a:tc>
-                <a:tc>
-                  <a:txBody>
-                    <a:bodyPr/>
-                    <a:lstStyle/>
-                    <a:p>
-                      <a:r>
-                        <a:rPr lang="en-US" dirty="0"/>
-                        <a:t>Both</a:t>
-                      </a:r>
-                    </a:p>
-                  </a:txBody>
-                  <a:tcPr/>
-                </a:tc>
-                <a:tc>
-                  <a:txBody>
-                    <a:bodyPr/>
-                    <a:lstStyle/>
-                    <a:p>
-                      <a:r>
-                        <a:rPr lang="en-US" dirty="0"/>
-                        <a:t>W</a:t>
-                      </a:r>
-                    </a:p>
-                  </a:txBody>
-                  <a:tcPr/>
-                </a:tc>
-                <a:tc>
-                  <a:txBody>
-                    <a:bodyPr/>
-                    <a:lstStyle/>
-                    <a:p>
-                      <a:r>
-                        <a:rPr lang="en-US" dirty="0"/>
-                        <a:t>+0</a:t>
-                      </a:r>
-                    </a:p>
-                  </a:txBody>
-                  <a:tcPr/>
-                </a:tc>
-                <a:tc>
-                  <a:txBody>
-                    <a:bodyPr/>
-                    <a:lstStyle/>
-                    <a:p>
-                      <a:endParaRPr lang="en-US" dirty="0"/>
-                    </a:p>
-                  </a:txBody>
-                  <a:tcPr/>
-                </a:tc>
-                <a:tc>
-                  <a:txBody>
-                    <a:bodyPr/>
-                    <a:lstStyle/>
-                    <a:p>
-                      <a:endParaRPr lang="en-US" dirty="0"/>
-                    </a:p>
-                  </a:txBody>
-                  <a:tcPr/>
-                </a:tc>
-                <a:extLst>
-                  <a:ext uri="{0D108BD9-81ED-4DB2-BD59-A6C34878D82A}">
-                    <a16:rowId xmlns:a16="http://schemas.microsoft.com/office/drawing/2014/main" val="1036006223"/>
-                  </a:ext>
-                </a:extLst>
-              </a:tr>
-              <a:tr h="370840">
-                <a:tc>
-                  <a:txBody>
-                    <a:bodyPr/>
-                    <a:lstStyle/>
-                    <a:p>
-                      <a:r>
-                        <a:rPr lang="en-US" dirty="0"/>
-                        <a:t>3NT</a:t>
-                      </a:r>
-                    </a:p>
-                  </a:txBody>
-                  <a:tcPr/>
-                </a:tc>
-                <a:tc>
-                  <a:txBody>
-                    <a:bodyPr/>
-                    <a:lstStyle/>
-                    <a:p>
-                      <a:r>
-                        <a:rPr lang="en-US" dirty="0"/>
-                        <a:t>NS</a:t>
-                      </a:r>
-                    </a:p>
-                  </a:txBody>
-                  <a:tcPr/>
-                </a:tc>
-                <a:tc>
-                  <a:txBody>
-                    <a:bodyPr/>
-                    <a:lstStyle/>
-                    <a:p>
-                      <a:r>
-                        <a:rPr lang="en-US" dirty="0"/>
-                        <a:t>S</a:t>
-                      </a:r>
-                    </a:p>
-                  </a:txBody>
-                  <a:tcPr/>
-                </a:tc>
-                <a:tc>
-                  <a:txBody>
-                    <a:bodyPr/>
-                    <a:lstStyle/>
-                    <a:p>
-                      <a:r>
-                        <a:rPr lang="en-US" dirty="0"/>
-                        <a:t>+0</a:t>
-                      </a:r>
-                    </a:p>
-                  </a:txBody>
-                  <a:tcPr/>
-                </a:tc>
-                <a:tc>
-                  <a:txBody>
-                    <a:bodyPr/>
-                    <a:lstStyle/>
-                    <a:p>
-                      <a:r>
-                        <a:rPr lang="en-US" dirty="0"/>
-                        <a:t>40+30*2+500</a:t>
-                      </a:r>
-                    </a:p>
-                  </a:txBody>
-                  <a:tcPr/>
-                </a:tc>
-                <a:tc>
-                  <a:txBody>
-                    <a:bodyPr/>
-                    <a:lstStyle/>
-                    <a:p>
-                      <a:endParaRPr lang="en-US" dirty="0"/>
-                    </a:p>
-                  </a:txBody>
-                  <a:tcPr/>
-                </a:tc>
-                <a:extLst>
-                  <a:ext uri="{0D108BD9-81ED-4DB2-BD59-A6C34878D82A}">
-                    <a16:rowId xmlns:a16="http://schemas.microsoft.com/office/drawing/2014/main" val="1349369722"/>
-                  </a:ext>
-                </a:extLst>
-              </a:tr>
-              <a:tr h="370840">
-                <a:tc>
-                  <a:txBody>
-                    <a:bodyPr/>
-                    <a:lstStyle/>
-                    <a:p>
-                      <a:r>
-                        <a:rPr lang="en-US" dirty="0"/>
-                        <a:t>2HX</a:t>
-                      </a:r>
-                    </a:p>
-                  </a:txBody>
-                  <a:tcPr/>
-                </a:tc>
-                <a:tc>
-                  <a:txBody>
-                    <a:bodyPr/>
-                    <a:lstStyle/>
-                    <a:p>
-                      <a:r>
-                        <a:rPr lang="en-US" dirty="0"/>
-                        <a:t>EW</a:t>
-                      </a:r>
-                    </a:p>
-                  </a:txBody>
-                  <a:tcPr/>
-                </a:tc>
-                <a:tc>
-                  <a:txBody>
-                    <a:bodyPr/>
-                    <a:lstStyle/>
-                    <a:p>
-                      <a:r>
-                        <a:rPr lang="en-US" dirty="0"/>
-                        <a:t>W</a:t>
-                      </a:r>
-                    </a:p>
-                  </a:txBody>
-                  <a:tcPr/>
-                </a:tc>
-                <a:tc>
-                  <a:txBody>
-                    <a:bodyPr/>
-                    <a:lstStyle/>
-                    <a:p>
-                      <a:r>
-                        <a:rPr lang="en-US" dirty="0"/>
-                        <a:t>+2</a:t>
-                      </a:r>
-                    </a:p>
-                  </a:txBody>
-                  <a:tcPr/>
-                </a:tc>
-                <a:tc>
-                  <a:txBody>
-                    <a:bodyPr/>
-                    <a:lstStyle/>
-                    <a:p>
-                      <a:endParaRPr lang="en-US" dirty="0"/>
-                    </a:p>
-                  </a:txBody>
-                  <a:tcPr/>
-                </a:tc>
-                <a:tc>
-                  <a:txBody>
-                    <a:bodyPr/>
-                    <a:lstStyle/>
-                    <a:p>
-                      <a:r>
-                        <a:rPr lang="en-US" dirty="0"/>
-                        <a:t>60*2+500+400*2</a:t>
-                      </a:r>
-                    </a:p>
-                  </a:txBody>
-                  <a:tcPr/>
-                </a:tc>
-                <a:extLst>
-                  <a:ext uri="{0D108BD9-81ED-4DB2-BD59-A6C34878D82A}">
-                    <a16:rowId xmlns:a16="http://schemas.microsoft.com/office/drawing/2014/main" val="200046473"/>
-                  </a:ext>
-                </a:extLst>
-              </a:tr>
-              <a:tr h="370840">
-                <a:tc>
-                  <a:txBody>
-                    <a:bodyPr/>
-                    <a:lstStyle/>
-                    <a:p>
-                      <a:r>
-                        <a:rPr lang="en-US" dirty="0"/>
-                        <a:t>6NT</a:t>
-                      </a:r>
-                    </a:p>
-                  </a:txBody>
-                  <a:tcPr/>
-                </a:tc>
-                <a:tc>
-                  <a:txBody>
-                    <a:bodyPr/>
-                    <a:lstStyle/>
-                    <a:p>
-                      <a:r>
-                        <a:rPr lang="en-US" dirty="0"/>
-                        <a:t>NS</a:t>
-                      </a:r>
-                    </a:p>
-                  </a:txBody>
-                  <a:tcPr/>
-                </a:tc>
-                <a:tc>
-                  <a:txBody>
-                    <a:bodyPr/>
-                    <a:lstStyle/>
-                    <a:p>
-                      <a:r>
-                        <a:rPr lang="en-US" dirty="0"/>
-                        <a:t>N</a:t>
-                      </a:r>
-                    </a:p>
-                  </a:txBody>
-                  <a:tcPr/>
-                </a:tc>
-                <a:tc>
-                  <a:txBody>
-                    <a:bodyPr/>
-                    <a:lstStyle/>
-                    <a:p>
-                      <a:r>
-                        <a:rPr lang="en-US" dirty="0"/>
-                        <a:t>+1</a:t>
-                      </a:r>
-                    </a:p>
-                  </a:txBody>
-                  <a:tcPr/>
-                </a:tc>
-                <a:tc>
-                  <a:txBody>
-                    <a:bodyPr/>
-                    <a:lstStyle/>
-                    <a:p>
-                      <a:r>
-                        <a:rPr lang="en-US" dirty="0"/>
-                        <a:t>40+30*6+500+750</a:t>
-                      </a:r>
-                    </a:p>
-                  </a:txBody>
-                  <a:tcPr/>
-                </a:tc>
-                <a:tc>
-                  <a:txBody>
-                    <a:bodyPr/>
-                    <a:lstStyle/>
-                    <a:p>
-                      <a:endParaRPr lang="en-US" dirty="0"/>
-                    </a:p>
-                  </a:txBody>
-                  <a:tcPr/>
-                </a:tc>
-                <a:extLst>
-                  <a:ext uri="{0D108BD9-81ED-4DB2-BD59-A6C34878D82A}">
-                    <a16:rowId xmlns:a16="http://schemas.microsoft.com/office/drawing/2014/main" val="1953710296"/>
-                  </a:ext>
-                </a:extLst>
-              </a:tr>
-              <a:tr h="370840">
-                <a:tc>
-                  <a:txBody>
-                    <a:bodyPr/>
-                    <a:lstStyle/>
-                    <a:p>
-                      <a:r>
-                        <a:rPr lang="en-US" dirty="0"/>
-                        <a:t>7S</a:t>
-                      </a:r>
-                    </a:p>
-                  </a:txBody>
-                  <a:tcPr/>
-                </a:tc>
-                <a:tc>
-                  <a:txBody>
-                    <a:bodyPr/>
-                    <a:lstStyle/>
-                    <a:p>
-                      <a:r>
-                        <a:rPr lang="en-US" dirty="0"/>
-                        <a:t>EW</a:t>
-                      </a:r>
-                    </a:p>
-                  </a:txBody>
-                  <a:tcPr/>
-                </a:tc>
-                <a:tc>
-                  <a:txBody>
-                    <a:bodyPr/>
-                    <a:lstStyle/>
-                    <a:p>
-                      <a:r>
-                        <a:rPr lang="en-US" dirty="0"/>
-                        <a:t>N</a:t>
-                      </a:r>
-                    </a:p>
-                  </a:txBody>
-                  <a:tcPr/>
-                </a:tc>
-                <a:tc>
-                  <a:txBody>
-                    <a:bodyPr/>
-                    <a:lstStyle/>
-                    <a:p>
-                      <a:r>
-                        <a:rPr lang="en-US" dirty="0"/>
-                        <a:t>0</a:t>
-                      </a:r>
-                    </a:p>
-                  </a:txBody>
-                  <a:tcPr/>
-                </a:tc>
-                <a:tc>
-                  <a:txBody>
-                    <a:bodyPr/>
-                    <a:lstStyle/>
-                    <a:p>
-                      <a:r>
-                        <a:rPr lang="en-US" dirty="0"/>
-                        <a:t>30*7+300+1000</a:t>
-                      </a:r>
-                    </a:p>
-                  </a:txBody>
-                  <a:tcPr/>
-                </a:tc>
-                <a:tc>
-                  <a:txBody>
-                    <a:bodyPr/>
-                    <a:lstStyle/>
-                    <a:p>
-                      <a:endParaRPr lang="en-US" dirty="0"/>
-                    </a:p>
-                  </a:txBody>
-                  <a:tcPr/>
-                </a:tc>
-                <a:extLst>
-                  <a:ext uri="{0D108BD9-81ED-4DB2-BD59-A6C34878D82A}">
-                    <a16:rowId xmlns:a16="http://schemas.microsoft.com/office/drawing/2014/main" val="3274387070"/>
-                  </a:ext>
-                </a:extLst>
-              </a:tr>
-            </a:tbl>
-          </a:graphicData>
-        </a:graphic>
-      </p:graphicFrame>
+      <p:sp>
+        <p:nvSpPr>
+          <p:cNvPr id="3" name="Content Placeholder 2">
+            <a:extLst>
+              <a:ext uri="{FF2B5EF4-FFF2-40B4-BE49-F238E27FC236}">
+                <a16:creationId xmlns:a16="http://schemas.microsoft.com/office/drawing/2014/main" id="{DCC99491-784D-FEBB-A09F-376B16D42F60}"/>
+              </a:ext>
+            </a:extLst>
+          </p:cNvPr>
+          <p:cNvSpPr>
+            <a:spLocks noGrp="1"/>
+          </p:cNvSpPr>
+          <p:nvPr>
+            <p:ph idx="1"/>
+          </p:nvPr>
+        </p:nvSpPr>
+        <p:spPr/>
+        <p:txBody>
+          <a:bodyPr/>
+          <a:lstStyle/>
+          <a:p>
+            <a:r>
+              <a:rPr lang="en-US" dirty="0"/>
+              <a:t>Slam: bid and made a contract at 6 level (need 12 tricks)</a:t>
+            </a:r>
+          </a:p>
+          <a:p>
+            <a:pPr lvl="1"/>
+            <a:r>
+              <a:rPr lang="en-US" dirty="0"/>
+              <a:t>500/750 by vulnerability, in addition to game bonuses</a:t>
+            </a:r>
+          </a:p>
+          <a:p>
+            <a:r>
+              <a:rPr lang="en-US" dirty="0"/>
+              <a:t>Grand Slam: bid and made at 7 level (need 13 tricks)</a:t>
+            </a:r>
+          </a:p>
+          <a:p>
+            <a:pPr lvl="1"/>
+            <a:r>
+              <a:rPr lang="en-US" dirty="0"/>
+              <a:t>1000/1500 by vulnerability, in addition the game</a:t>
+            </a:r>
+          </a:p>
+        </p:txBody>
+      </p:sp>
     </p:spTree>
     <p:extLst>
       <p:ext uri="{BB962C8B-B14F-4D97-AF65-F5344CB8AC3E}">
-        <p14:creationId xmlns:p14="http://schemas.microsoft.com/office/powerpoint/2010/main" val="1037304928"/>
+        <p14:creationId xmlns:p14="http://schemas.microsoft.com/office/powerpoint/2010/main" val="1914994529"/>
       </p:ext>
     </p:extLst>
   </p:cSld>
@@ -4309,7 +3575,7 @@
           <p:cNvPr id="2" name="Title 1">
             <a:extLst>
               <a:ext uri="{FF2B5EF4-FFF2-40B4-BE49-F238E27FC236}">
-                <a16:creationId xmlns:a16="http://schemas.microsoft.com/office/drawing/2014/main" id="{98829A36-C3A1-99D7-4855-3ABEA626AE59}"/>
+                <a16:creationId xmlns:a16="http://schemas.microsoft.com/office/drawing/2014/main" id="{839F6AC2-3FC6-BB8A-8F9B-A3DCD8A78D05}"/>
               </a:ext>
             </a:extLst>
           </p:cNvPr>
@@ -4327,7 +3593,7 @@
           <a:p>
             <a:r>
               <a:rPr lang="en-US" dirty="0"/>
-              <a:t>What Happens in a Tournament?</a:t>
+              <a:t>Doubled/Redouble</a:t>
             </a:r>
           </a:p>
         </p:txBody>
@@ -4337,7 +3603,7 @@
           <p:cNvPr id="3" name="Content Placeholder 2">
             <a:extLst>
               <a:ext uri="{FF2B5EF4-FFF2-40B4-BE49-F238E27FC236}">
-                <a16:creationId xmlns:a16="http://schemas.microsoft.com/office/drawing/2014/main" id="{D49E195D-A608-ACE8-AC62-5B91CD557D0C}"/>
+                <a16:creationId xmlns:a16="http://schemas.microsoft.com/office/drawing/2014/main" id="{77F20619-3338-47D2-3F6A-966014B6AF88}"/>
               </a:ext>
             </a:extLst>
           </p:cNvPr>
@@ -4350,102 +3616,48 @@
         </p:nvSpPr>
         <p:spPr>
           <a:xfrm>
-            <a:off x="838200" y="1854201"/>
-            <a:ext cx="10515600" cy="4351338"/>
+            <a:off x="838200" y="1856509"/>
+            <a:ext cx="9247909" cy="4320454"/>
           </a:xfrm>
         </p:spPr>
         <p:txBody>
-          <a:bodyPr>
-            <a:normAutofit fontScale="92500" lnSpcReduction="20000"/>
-          </a:bodyPr>
+          <a:bodyPr/>
           <a:lstStyle/>
           <a:p>
             <a:r>
               <a:rPr lang="en-US" dirty="0"/>
-              <a:t>By team:</a:t>
+              <a:t>Twice or quadruple the “above the line” score</a:t>
             </a:r>
           </a:p>
           <a:p>
             <a:pPr lvl="1"/>
             <a:r>
               <a:rPr lang="en-US" dirty="0"/>
-              <a:t>Convert total point difference to “IMP” (International Match Point)</a:t>
-            </a:r>
-          </a:p>
-          <a:p>
-            <a:pPr lvl="2"/>
-            <a:r>
-              <a:rPr lang="en-US" dirty="0"/>
-              <a:t>Team with more IMP wins</a:t>
-            </a:r>
-          </a:p>
-          <a:p>
-            <a:pPr lvl="1"/>
-            <a:r>
-              <a:rPr lang="en-US" dirty="0"/>
-              <a:t>Optionally, convert IMP difference to “VP” (Victory Point) pre-determined before the match</a:t>
-            </a:r>
-          </a:p>
-          <a:p>
-            <a:pPr lvl="2"/>
-            <a:r>
-              <a:rPr lang="en-US" dirty="0"/>
-              <a:t>Team with more VP wins</a:t>
-            </a:r>
-          </a:p>
-          <a:p>
-            <a:r>
-              <a:rPr lang="en-US" dirty="0"/>
-              <a:t>By pairs:</a:t>
-            </a:r>
-          </a:p>
-          <a:p>
-            <a:pPr lvl="1"/>
-            <a:r>
-              <a:rPr lang="en-US" dirty="0"/>
-              <a:t>For pairs who played the same board</a:t>
-            </a:r>
-          </a:p>
-          <a:p>
-            <a:pPr lvl="2"/>
-            <a:r>
-              <a:rPr lang="en-US" dirty="0"/>
-              <a:t>MP:</a:t>
-            </a:r>
-          </a:p>
-          <a:p>
-            <a:pPr lvl="3"/>
-            <a:r>
-              <a:rPr lang="en-US" dirty="0"/>
-              <a:t>Rank them first, convert ranking to %</a:t>
-            </a:r>
-          </a:p>
-          <a:p>
-            <a:pPr lvl="3"/>
-            <a:r>
-              <a:rPr lang="en-US" dirty="0"/>
-              <a:t>Pair with the highest average percentage wins</a:t>
-            </a:r>
-          </a:p>
-          <a:p>
-            <a:pPr lvl="2"/>
-            <a:r>
-              <a:rPr lang="en-US" dirty="0"/>
-              <a:t>IMP:</a:t>
-            </a:r>
-          </a:p>
-          <a:p>
-            <a:pPr lvl="3"/>
-            <a:r>
-              <a:rPr lang="en-US" dirty="0"/>
-              <a:t>Pair-wise convert differences to IMP, average them as the IMP for the board</a:t>
-            </a:r>
-          </a:p>
-          <a:p>
-            <a:pPr lvl="3"/>
-            <a:r>
-              <a:rPr lang="en-US" dirty="0"/>
-              <a:t>Pair with the highest accumulated IMPs wins</a:t>
+              <a:t>Game is achieved whenever “above the line” exceed 100</a:t>
+            </a:r>
+          </a:p>
+          <a:p>
+            <a:r>
+              <a:rPr lang="en-US" dirty="0"/>
+              <a:t>50 points double bonus “for the insult”</a:t>
+            </a:r>
+          </a:p>
+          <a:p>
+            <a:r>
+              <a:rPr lang="en-US" dirty="0"/>
+              <a:t>Overtrick 100/200 each by vulnerability, twice if redoubled</a:t>
+            </a:r>
+          </a:p>
+          <a:p>
+            <a:r>
+              <a:rPr lang="en-US" dirty="0"/>
+              <a:t>No effect for game/slam bonuses</a:t>
+            </a:r>
+          </a:p>
+          <a:p>
+            <a:r>
+              <a:rPr lang="en-US" dirty="0"/>
+              <a:t>Severe penalties for failing the contract</a:t>
             </a:r>
           </a:p>
         </p:txBody>
@@ -4453,7 +3665,7 @@
     </p:spTree>
     <p:extLst>
       <p:ext uri="{BB962C8B-B14F-4D97-AF65-F5344CB8AC3E}">
-        <p14:creationId xmlns:p14="http://schemas.microsoft.com/office/powerpoint/2010/main" val="2207978350"/>
+        <p14:creationId xmlns:p14="http://schemas.microsoft.com/office/powerpoint/2010/main" val="3466651372"/>
       </p:ext>
     </p:extLst>
   </p:cSld>
@@ -4485,7 +3697,7 @@
           <p:cNvPr id="2" name="Title 1">
             <a:extLst>
               <a:ext uri="{FF2B5EF4-FFF2-40B4-BE49-F238E27FC236}">
-                <a16:creationId xmlns:a16="http://schemas.microsoft.com/office/drawing/2014/main" id="{7B79598B-ADBE-FC39-AAE2-950883431F91}"/>
+                <a16:creationId xmlns:a16="http://schemas.microsoft.com/office/drawing/2014/main" id="{4F04A13B-0751-FAF9-6D42-987CB82AFE51}"/>
               </a:ext>
             </a:extLst>
           </p:cNvPr>
@@ -4503,86 +3715,1206 @@
           <a:p>
             <a:r>
               <a:rPr lang="en-US" dirty="0"/>
-              <a:t>IMP v. MP</a:t>
+              <a:t>Penalties (Undertricks)</a:t>
             </a:r>
           </a:p>
         </p:txBody>
       </p:sp>
-      <p:sp>
-        <p:nvSpPr>
-          <p:cNvPr id="3" name="Content Placeholder 2">
-            <a:extLst>
-              <a:ext uri="{FF2B5EF4-FFF2-40B4-BE49-F238E27FC236}">
-                <a16:creationId xmlns:a16="http://schemas.microsoft.com/office/drawing/2014/main" id="{1F46736D-EBBF-F147-1CD3-97287FBC269B}"/>
-              </a:ext>
-            </a:extLst>
-          </p:cNvPr>
-          <p:cNvSpPr>
-            <a:spLocks noGrp="1"/>
-          </p:cNvSpPr>
-          <p:nvPr>
-            <p:ph idx="1"/>
-          </p:nvPr>
-        </p:nvSpPr>
-        <p:spPr/>
-        <p:txBody>
-          <a:bodyPr>
-            <a:normAutofit/>
-          </a:bodyPr>
-          <a:lstStyle/>
-          <a:p>
-            <a:r>
-              <a:rPr lang="en-US" dirty="0"/>
-              <a:t>IMP erases “small” differences</a:t>
-            </a:r>
-          </a:p>
-          <a:p>
-            <a:pPr lvl="1"/>
-            <a:r>
-              <a:rPr lang="en-US" dirty="0"/>
-              <a:t>Penalizes those who “miss game/slam”.</a:t>
-            </a:r>
-          </a:p>
-          <a:p>
-            <a:pPr lvl="1"/>
-            <a:r>
-              <a:rPr lang="en-US" dirty="0"/>
-              <a:t>“Double wins” most rewarded</a:t>
-            </a:r>
-          </a:p>
-          <a:p>
-            <a:pPr lvl="2"/>
-            <a:r>
-              <a:rPr lang="en-US" dirty="0"/>
-              <a:t>The other side most damaged</a:t>
-            </a:r>
-          </a:p>
-          <a:p>
-            <a:r>
-              <a:rPr lang="en-US" dirty="0"/>
-              <a:t>MP</a:t>
-            </a:r>
-          </a:p>
-          <a:p>
-            <a:pPr lvl="1"/>
-            <a:r>
-              <a:rPr lang="en-US" dirty="0"/>
-              <a:t>Small wins make big differences in ranking</a:t>
-            </a:r>
-          </a:p>
-          <a:p>
-            <a:pPr lvl="1"/>
-            <a:r>
-              <a:rPr lang="en-US" dirty="0"/>
-              <a:t>Encourages over-tricks in play and No Trumps in contracts</a:t>
-            </a:r>
-          </a:p>
-        </p:txBody>
-      </p:sp>
+      <p:graphicFrame>
+        <p:nvGraphicFramePr>
+          <p:cNvPr id="5" name="Table 4">
+            <a:extLst>
+              <a:ext uri="{FF2B5EF4-FFF2-40B4-BE49-F238E27FC236}">
+                <a16:creationId xmlns:a16="http://schemas.microsoft.com/office/drawing/2014/main" id="{B137A763-8DBF-480C-FC0C-6FE68B5040A0}"/>
+              </a:ext>
+            </a:extLst>
+          </p:cNvPr>
+          <p:cNvGraphicFramePr>
+            <a:graphicFrameLocks noGrp="1"/>
+          </p:cNvGraphicFramePr>
+          <p:nvPr>
+            <p:extLst>
+              <p:ext uri="{D42A27DB-BD31-4B8C-83A1-F6EECF244321}">
+                <p14:modId xmlns:p14="http://schemas.microsoft.com/office/powerpoint/2010/main" val="881823390"/>
+              </p:ext>
+            </p:extLst>
+          </p:nvPr>
+        </p:nvGraphicFramePr>
+        <p:xfrm>
+          <a:off x="838200" y="1814945"/>
+          <a:ext cx="8998528" cy="3640195"/>
+        </p:xfrm>
+        <a:graphic>
+          <a:graphicData uri="http://schemas.openxmlformats.org/drawingml/2006/table">
+            <a:tbl>
+              <a:tblPr firstRow="1">
+                <a:tableStyleId>{5C22544A-7EE6-4342-B048-85BDC9FD1C3A}</a:tableStyleId>
+              </a:tblPr>
+              <a:tblGrid>
+                <a:gridCol w="990600">
+                  <a:extLst>
+                    <a:ext uri="{9D8B030D-6E8A-4147-A177-3AD203B41FA5}">
+                      <a16:colId xmlns:a16="http://schemas.microsoft.com/office/drawing/2014/main" val="1883544006"/>
+                    </a:ext>
+                  </a:extLst>
+                </a:gridCol>
+                <a:gridCol w="1402892">
+                  <a:extLst>
+                    <a:ext uri="{9D8B030D-6E8A-4147-A177-3AD203B41FA5}">
+                      <a16:colId xmlns:a16="http://schemas.microsoft.com/office/drawing/2014/main" val="427165422"/>
+                    </a:ext>
+                  </a:extLst>
+                </a:gridCol>
+                <a:gridCol w="1363539">
+                  <a:extLst>
+                    <a:ext uri="{9D8B030D-6E8A-4147-A177-3AD203B41FA5}">
+                      <a16:colId xmlns:a16="http://schemas.microsoft.com/office/drawing/2014/main" val="1800089274"/>
+                    </a:ext>
+                  </a:extLst>
+                </a:gridCol>
+                <a:gridCol w="1384984">
+                  <a:extLst>
+                    <a:ext uri="{9D8B030D-6E8A-4147-A177-3AD203B41FA5}">
+                      <a16:colId xmlns:a16="http://schemas.microsoft.com/office/drawing/2014/main" val="1187670247"/>
+                    </a:ext>
+                  </a:extLst>
+                </a:gridCol>
+                <a:gridCol w="1104414">
+                  <a:extLst>
+                    <a:ext uri="{9D8B030D-6E8A-4147-A177-3AD203B41FA5}">
+                      <a16:colId xmlns:a16="http://schemas.microsoft.com/office/drawing/2014/main" val="2250222922"/>
+                    </a:ext>
+                  </a:extLst>
+                </a:gridCol>
+                <a:gridCol w="1213425">
+                  <a:extLst>
+                    <a:ext uri="{9D8B030D-6E8A-4147-A177-3AD203B41FA5}">
+                      <a16:colId xmlns:a16="http://schemas.microsoft.com/office/drawing/2014/main" val="1765295551"/>
+                    </a:ext>
+                  </a:extLst>
+                </a:gridCol>
+                <a:gridCol w="1538674">
+                  <a:extLst>
+                    <a:ext uri="{9D8B030D-6E8A-4147-A177-3AD203B41FA5}">
+                      <a16:colId xmlns:a16="http://schemas.microsoft.com/office/drawing/2014/main" val="3927680432"/>
+                    </a:ext>
+                  </a:extLst>
+                </a:gridCol>
+              </a:tblGrid>
+              <a:tr h="364793">
+                <a:tc>
+                  <a:txBody>
+                    <a:bodyPr/>
+                    <a:lstStyle/>
+                    <a:p>
+                      <a:pPr algn="l" fontAlgn="b"/>
+                      <a:endParaRPr lang="en-US" sz="2400" b="0" i="0" u="none" strike="noStrike" dirty="0">
+                        <a:solidFill>
+                          <a:srgbClr val="000000"/>
+                        </a:solidFill>
+                        <a:effectLst/>
+                        <a:latin typeface="Calibri" panose="020F0502020204030204" pitchFamily="34" charset="0"/>
+                      </a:endParaRPr>
+                    </a:p>
+                  </a:txBody>
+                  <a:tcPr marL="9525" marR="9525" marT="9525" marB="0" anchor="b"/>
+                </a:tc>
+                <a:tc gridSpan="3">
+                  <a:txBody>
+                    <a:bodyPr/>
+                    <a:lstStyle/>
+                    <a:p>
+                      <a:pPr algn="ctr" fontAlgn="b"/>
+                      <a:r>
+                        <a:rPr lang="en-US" sz="2400" u="none" strike="noStrike" dirty="0">
+                          <a:effectLst/>
+                        </a:rPr>
+                        <a:t>Not Vulnerable</a:t>
+                      </a:r>
+                      <a:endParaRPr lang="en-US" sz="2400" b="1" i="0" u="none" strike="noStrike" dirty="0">
+                        <a:solidFill>
+                          <a:srgbClr val="000000"/>
+                        </a:solidFill>
+                        <a:effectLst/>
+                        <a:latin typeface="Calibri" panose="020F0502020204030204" pitchFamily="34" charset="0"/>
+                      </a:endParaRPr>
+                    </a:p>
+                  </a:txBody>
+                  <a:tcPr marL="9525" marR="9525" marT="9525" marB="0" anchor="b"/>
+                </a:tc>
+                <a:tc hMerge="1">
+                  <a:txBody>
+                    <a:bodyPr/>
+                    <a:lstStyle/>
+                    <a:p>
+                      <a:endParaRPr lang="en-US"/>
+                    </a:p>
+                  </a:txBody>
+                  <a:tcPr/>
+                </a:tc>
+                <a:tc hMerge="1">
+                  <a:txBody>
+                    <a:bodyPr/>
+                    <a:lstStyle/>
+                    <a:p>
+                      <a:endParaRPr lang="en-US"/>
+                    </a:p>
+                  </a:txBody>
+                  <a:tcPr/>
+                </a:tc>
+                <a:tc gridSpan="3">
+                  <a:txBody>
+                    <a:bodyPr/>
+                    <a:lstStyle/>
+                    <a:p>
+                      <a:pPr algn="ctr" fontAlgn="b"/>
+                      <a:r>
+                        <a:rPr lang="en-US" sz="2400" u="none" strike="noStrike">
+                          <a:effectLst/>
+                        </a:rPr>
+                        <a:t>Vulnerable</a:t>
+                      </a:r>
+                      <a:endParaRPr lang="en-US" sz="2400" b="1" i="0" u="none" strike="noStrike">
+                        <a:solidFill>
+                          <a:srgbClr val="000000"/>
+                        </a:solidFill>
+                        <a:effectLst/>
+                        <a:latin typeface="Calibri" panose="020F0502020204030204" pitchFamily="34" charset="0"/>
+                      </a:endParaRPr>
+                    </a:p>
+                  </a:txBody>
+                  <a:tcPr marL="9525" marR="9525" marT="9525" marB="0" anchor="b"/>
+                </a:tc>
+                <a:tc hMerge="1">
+                  <a:txBody>
+                    <a:bodyPr/>
+                    <a:lstStyle/>
+                    <a:p>
+                      <a:endParaRPr lang="en-US"/>
+                    </a:p>
+                  </a:txBody>
+                  <a:tcPr/>
+                </a:tc>
+                <a:tc hMerge="1">
+                  <a:txBody>
+                    <a:bodyPr/>
+                    <a:lstStyle/>
+                    <a:p>
+                      <a:endParaRPr lang="en-US"/>
+                    </a:p>
+                  </a:txBody>
+                  <a:tcPr/>
+                </a:tc>
+                <a:extLst>
+                  <a:ext uri="{0D108BD9-81ED-4DB2-BD59-A6C34878D82A}">
+                    <a16:rowId xmlns:a16="http://schemas.microsoft.com/office/drawing/2014/main" val="2045897635"/>
+                  </a:ext>
+                </a:extLst>
+              </a:tr>
+              <a:tr h="364793">
+                <a:tc>
+                  <a:txBody>
+                    <a:bodyPr/>
+                    <a:lstStyle/>
+                    <a:p>
+                      <a:pPr algn="ctr" fontAlgn="b"/>
+                      <a:r>
+                        <a:rPr lang="en-US" sz="2400" u="none" strike="noStrike" dirty="0">
+                          <a:effectLst/>
+                        </a:rPr>
+                        <a:t>Down </a:t>
+                      </a:r>
+                      <a:endParaRPr lang="en-US" sz="2400" b="1" i="0" u="none" strike="noStrike" dirty="0">
+                        <a:solidFill>
+                          <a:srgbClr val="000000"/>
+                        </a:solidFill>
+                        <a:effectLst/>
+                        <a:latin typeface="Calibri" panose="020F0502020204030204" pitchFamily="34" charset="0"/>
+                      </a:endParaRPr>
+                    </a:p>
+                  </a:txBody>
+                  <a:tcPr marL="9525" marR="9525" marT="9525" marB="0" anchor="b"/>
+                </a:tc>
+                <a:tc>
+                  <a:txBody>
+                    <a:bodyPr/>
+                    <a:lstStyle/>
+                    <a:p>
+                      <a:pPr algn="ctr" fontAlgn="b"/>
+                      <a:endParaRPr lang="en-US" sz="2400" b="1" i="0" u="none" strike="noStrike" dirty="0">
+                        <a:solidFill>
+                          <a:srgbClr val="000000"/>
+                        </a:solidFill>
+                        <a:effectLst/>
+                        <a:latin typeface="Calibri" panose="020F0502020204030204" pitchFamily="34" charset="0"/>
+                      </a:endParaRPr>
+                    </a:p>
+                  </a:txBody>
+                  <a:tcPr marL="9525" marR="9525" marT="9525" marB="0" anchor="b"/>
+                </a:tc>
+                <a:tc>
+                  <a:txBody>
+                    <a:bodyPr/>
+                    <a:lstStyle/>
+                    <a:p>
+                      <a:pPr algn="ctr" fontAlgn="b"/>
+                      <a:r>
+                        <a:rPr lang="en-US" sz="2400" u="none" strike="noStrike" dirty="0">
+                          <a:effectLst/>
+                        </a:rPr>
+                        <a:t>X</a:t>
+                      </a:r>
+                      <a:endParaRPr lang="en-US" sz="2400" b="1" i="0" u="none" strike="noStrike" dirty="0">
+                        <a:solidFill>
+                          <a:srgbClr val="000000"/>
+                        </a:solidFill>
+                        <a:effectLst/>
+                        <a:latin typeface="Calibri" panose="020F0502020204030204" pitchFamily="34" charset="0"/>
+                      </a:endParaRPr>
+                    </a:p>
+                  </a:txBody>
+                  <a:tcPr marL="9525" marR="9525" marT="9525" marB="0" anchor="b"/>
+                </a:tc>
+                <a:tc>
+                  <a:txBody>
+                    <a:bodyPr/>
+                    <a:lstStyle/>
+                    <a:p>
+                      <a:pPr algn="ctr" fontAlgn="b"/>
+                      <a:r>
+                        <a:rPr lang="en-US" sz="2400" u="none" strike="noStrike" dirty="0">
+                          <a:effectLst/>
+                        </a:rPr>
+                        <a:t>XX</a:t>
+                      </a:r>
+                      <a:endParaRPr lang="en-US" sz="2400" b="1" i="0" u="none" strike="noStrike" dirty="0">
+                        <a:solidFill>
+                          <a:srgbClr val="000000"/>
+                        </a:solidFill>
+                        <a:effectLst/>
+                        <a:latin typeface="Calibri" panose="020F0502020204030204" pitchFamily="34" charset="0"/>
+                      </a:endParaRPr>
+                    </a:p>
+                  </a:txBody>
+                  <a:tcPr marL="9525" marR="9525" marT="9525" marB="0" anchor="b"/>
+                </a:tc>
+                <a:tc>
+                  <a:txBody>
+                    <a:bodyPr/>
+                    <a:lstStyle/>
+                    <a:p>
+                      <a:pPr algn="ctr" fontAlgn="b"/>
+                      <a:endParaRPr lang="en-US" sz="2400" b="1" i="0" u="none" strike="noStrike" dirty="0">
+                        <a:solidFill>
+                          <a:srgbClr val="000000"/>
+                        </a:solidFill>
+                        <a:effectLst/>
+                        <a:latin typeface="Calibri" panose="020F0502020204030204" pitchFamily="34" charset="0"/>
+                      </a:endParaRPr>
+                    </a:p>
+                  </a:txBody>
+                  <a:tcPr marL="9525" marR="9525" marT="9525" marB="0" anchor="b"/>
+                </a:tc>
+                <a:tc>
+                  <a:txBody>
+                    <a:bodyPr/>
+                    <a:lstStyle/>
+                    <a:p>
+                      <a:pPr algn="ctr" fontAlgn="b"/>
+                      <a:r>
+                        <a:rPr lang="en-US" sz="2400" u="none" strike="noStrike" dirty="0">
+                          <a:effectLst/>
+                        </a:rPr>
+                        <a:t>X</a:t>
+                      </a:r>
+                      <a:endParaRPr lang="en-US" sz="2400" b="1" i="0" u="none" strike="noStrike" dirty="0">
+                        <a:solidFill>
+                          <a:srgbClr val="000000"/>
+                        </a:solidFill>
+                        <a:effectLst/>
+                        <a:latin typeface="Calibri" panose="020F0502020204030204" pitchFamily="34" charset="0"/>
+                      </a:endParaRPr>
+                    </a:p>
+                  </a:txBody>
+                  <a:tcPr marL="9525" marR="9525" marT="9525" marB="0" anchor="b"/>
+                </a:tc>
+                <a:tc>
+                  <a:txBody>
+                    <a:bodyPr/>
+                    <a:lstStyle/>
+                    <a:p>
+                      <a:pPr algn="ctr" fontAlgn="b"/>
+                      <a:r>
+                        <a:rPr lang="en-US" sz="2400" u="none" strike="noStrike" dirty="0">
+                          <a:effectLst/>
+                        </a:rPr>
+                        <a:t>XX</a:t>
+                      </a:r>
+                      <a:endParaRPr lang="en-US" sz="2400" b="1" i="0" u="none" strike="noStrike" dirty="0">
+                        <a:solidFill>
+                          <a:srgbClr val="000000"/>
+                        </a:solidFill>
+                        <a:effectLst/>
+                        <a:latin typeface="Calibri" panose="020F0502020204030204" pitchFamily="34" charset="0"/>
+                      </a:endParaRPr>
+                    </a:p>
+                  </a:txBody>
+                  <a:tcPr marL="9525" marR="9525" marT="9525" marB="0" anchor="b"/>
+                </a:tc>
+                <a:extLst>
+                  <a:ext uri="{0D108BD9-81ED-4DB2-BD59-A6C34878D82A}">
+                    <a16:rowId xmlns:a16="http://schemas.microsoft.com/office/drawing/2014/main" val="2747673368"/>
+                  </a:ext>
+                </a:extLst>
+              </a:tr>
+              <a:tr h="577925">
+                <a:tc>
+                  <a:txBody>
+                    <a:bodyPr/>
+                    <a:lstStyle/>
+                    <a:p>
+                      <a:pPr algn="r" fontAlgn="b"/>
+                      <a:r>
+                        <a:rPr lang="en-US" sz="2400" u="none" strike="noStrike" dirty="0">
+                          <a:effectLst/>
+                        </a:rPr>
+                        <a:t>-1</a:t>
+                      </a:r>
+                      <a:endParaRPr lang="en-US" sz="2400" b="0" i="0" u="none" strike="noStrike" dirty="0">
+                        <a:solidFill>
+                          <a:srgbClr val="000000"/>
+                        </a:solidFill>
+                        <a:effectLst/>
+                        <a:latin typeface="Calibri" panose="020F0502020204030204" pitchFamily="34" charset="0"/>
+                      </a:endParaRPr>
+                    </a:p>
+                  </a:txBody>
+                  <a:tcPr marL="9525" marR="9525" marT="9525" marB="0" anchor="b"/>
+                </a:tc>
+                <a:tc>
+                  <a:txBody>
+                    <a:bodyPr/>
+                    <a:lstStyle/>
+                    <a:p>
+                      <a:pPr algn="r" fontAlgn="b"/>
+                      <a:r>
+                        <a:rPr lang="en-US" sz="2400" u="none" strike="noStrike">
+                          <a:effectLst/>
+                        </a:rPr>
+                        <a:t>-50</a:t>
+                      </a:r>
+                      <a:endParaRPr lang="en-US" sz="2400" b="0" i="0" u="none" strike="noStrike">
+                        <a:solidFill>
+                          <a:srgbClr val="000000"/>
+                        </a:solidFill>
+                        <a:effectLst/>
+                        <a:latin typeface="Calibri" panose="020F0502020204030204" pitchFamily="34" charset="0"/>
+                      </a:endParaRPr>
+                    </a:p>
+                  </a:txBody>
+                  <a:tcPr marL="9525" marR="9525" marT="9525" marB="0" anchor="b"/>
+                </a:tc>
+                <a:tc>
+                  <a:txBody>
+                    <a:bodyPr/>
+                    <a:lstStyle/>
+                    <a:p>
+                      <a:pPr algn="r" fontAlgn="b"/>
+                      <a:r>
+                        <a:rPr lang="en-US" sz="2400" u="none" strike="noStrike" dirty="0">
+                          <a:effectLst/>
+                        </a:rPr>
+                        <a:t>-100</a:t>
+                      </a:r>
+                      <a:endParaRPr lang="en-US" sz="2400" b="0" i="0" u="none" strike="noStrike" dirty="0">
+                        <a:solidFill>
+                          <a:srgbClr val="000000"/>
+                        </a:solidFill>
+                        <a:effectLst/>
+                        <a:latin typeface="Calibri" panose="020F0502020204030204" pitchFamily="34" charset="0"/>
+                      </a:endParaRPr>
+                    </a:p>
+                  </a:txBody>
+                  <a:tcPr marL="9525" marR="9525" marT="9525" marB="0" anchor="b"/>
+                </a:tc>
+                <a:tc>
+                  <a:txBody>
+                    <a:bodyPr/>
+                    <a:lstStyle/>
+                    <a:p>
+                      <a:pPr algn="r" fontAlgn="b"/>
+                      <a:r>
+                        <a:rPr lang="en-US" sz="2400" u="none" strike="noStrike">
+                          <a:effectLst/>
+                        </a:rPr>
+                        <a:t>-200</a:t>
+                      </a:r>
+                      <a:endParaRPr lang="en-US" sz="2400" b="0" i="0" u="none" strike="noStrike">
+                        <a:solidFill>
+                          <a:srgbClr val="000000"/>
+                        </a:solidFill>
+                        <a:effectLst/>
+                        <a:latin typeface="Calibri" panose="020F0502020204030204" pitchFamily="34" charset="0"/>
+                      </a:endParaRPr>
+                    </a:p>
+                  </a:txBody>
+                  <a:tcPr marL="9525" marR="9525" marT="9525" marB="0" anchor="b"/>
+                </a:tc>
+                <a:tc>
+                  <a:txBody>
+                    <a:bodyPr/>
+                    <a:lstStyle/>
+                    <a:p>
+                      <a:pPr algn="r" fontAlgn="b"/>
+                      <a:r>
+                        <a:rPr lang="en-US" sz="2400" u="none" strike="noStrike">
+                          <a:effectLst/>
+                        </a:rPr>
+                        <a:t>-100</a:t>
+                      </a:r>
+                      <a:endParaRPr lang="en-US" sz="2400" b="0" i="0" u="none" strike="noStrike">
+                        <a:solidFill>
+                          <a:srgbClr val="000000"/>
+                        </a:solidFill>
+                        <a:effectLst/>
+                        <a:latin typeface="Calibri" panose="020F0502020204030204" pitchFamily="34" charset="0"/>
+                      </a:endParaRPr>
+                    </a:p>
+                  </a:txBody>
+                  <a:tcPr marL="9525" marR="9525" marT="9525" marB="0" anchor="b"/>
+                </a:tc>
+                <a:tc>
+                  <a:txBody>
+                    <a:bodyPr/>
+                    <a:lstStyle/>
+                    <a:p>
+                      <a:pPr algn="r" fontAlgn="b"/>
+                      <a:r>
+                        <a:rPr lang="en-US" sz="2400" u="none" strike="noStrike" dirty="0">
+                          <a:effectLst/>
+                        </a:rPr>
+                        <a:t>-200</a:t>
+                      </a:r>
+                      <a:endParaRPr lang="en-US" sz="2400" b="0" i="0" u="none" strike="noStrike" dirty="0">
+                        <a:solidFill>
+                          <a:srgbClr val="000000"/>
+                        </a:solidFill>
+                        <a:effectLst/>
+                        <a:latin typeface="Calibri" panose="020F0502020204030204" pitchFamily="34" charset="0"/>
+                      </a:endParaRPr>
+                    </a:p>
+                  </a:txBody>
+                  <a:tcPr marL="9525" marR="9525" marT="9525" marB="0" anchor="b"/>
+                </a:tc>
+                <a:tc>
+                  <a:txBody>
+                    <a:bodyPr/>
+                    <a:lstStyle/>
+                    <a:p>
+                      <a:pPr algn="r" fontAlgn="b"/>
+                      <a:r>
+                        <a:rPr lang="en-US" sz="2400" u="none" strike="noStrike">
+                          <a:effectLst/>
+                        </a:rPr>
+                        <a:t>-400</a:t>
+                      </a:r>
+                      <a:endParaRPr lang="en-US" sz="2400" b="0" i="0" u="none" strike="noStrike">
+                        <a:solidFill>
+                          <a:srgbClr val="000000"/>
+                        </a:solidFill>
+                        <a:effectLst/>
+                        <a:latin typeface="Calibri" panose="020F0502020204030204" pitchFamily="34" charset="0"/>
+                      </a:endParaRPr>
+                    </a:p>
+                  </a:txBody>
+                  <a:tcPr marL="9525" marR="9525" marT="9525" marB="0" anchor="b"/>
+                </a:tc>
+                <a:extLst>
+                  <a:ext uri="{0D108BD9-81ED-4DB2-BD59-A6C34878D82A}">
+                    <a16:rowId xmlns:a16="http://schemas.microsoft.com/office/drawing/2014/main" val="4098098429"/>
+                  </a:ext>
+                </a:extLst>
+              </a:tr>
+              <a:tr h="577925">
+                <a:tc>
+                  <a:txBody>
+                    <a:bodyPr/>
+                    <a:lstStyle/>
+                    <a:p>
+                      <a:pPr algn="r" fontAlgn="b"/>
+                      <a:r>
+                        <a:rPr lang="en-US" sz="2400" u="none" strike="noStrike" dirty="0">
+                          <a:effectLst/>
+                        </a:rPr>
+                        <a:t>-2</a:t>
+                      </a:r>
+                      <a:endParaRPr lang="en-US" sz="2400" b="0" i="0" u="none" strike="noStrike" dirty="0">
+                        <a:solidFill>
+                          <a:srgbClr val="000000"/>
+                        </a:solidFill>
+                        <a:effectLst/>
+                        <a:latin typeface="Calibri" panose="020F0502020204030204" pitchFamily="34" charset="0"/>
+                      </a:endParaRPr>
+                    </a:p>
+                  </a:txBody>
+                  <a:tcPr marL="9525" marR="9525" marT="9525" marB="0" anchor="b"/>
+                </a:tc>
+                <a:tc>
+                  <a:txBody>
+                    <a:bodyPr/>
+                    <a:lstStyle/>
+                    <a:p>
+                      <a:pPr algn="r" fontAlgn="b"/>
+                      <a:r>
+                        <a:rPr lang="en-US" sz="2400" u="none" strike="noStrike">
+                          <a:effectLst/>
+                        </a:rPr>
+                        <a:t>-100</a:t>
+                      </a:r>
+                      <a:endParaRPr lang="en-US" sz="2400" b="0" i="0" u="none" strike="noStrike">
+                        <a:solidFill>
+                          <a:srgbClr val="000000"/>
+                        </a:solidFill>
+                        <a:effectLst/>
+                        <a:latin typeface="Calibri" panose="020F0502020204030204" pitchFamily="34" charset="0"/>
+                      </a:endParaRPr>
+                    </a:p>
+                  </a:txBody>
+                  <a:tcPr marL="9525" marR="9525" marT="9525" marB="0" anchor="b"/>
+                </a:tc>
+                <a:tc>
+                  <a:txBody>
+                    <a:bodyPr/>
+                    <a:lstStyle/>
+                    <a:p>
+                      <a:pPr algn="r" fontAlgn="b"/>
+                      <a:r>
+                        <a:rPr lang="en-US" sz="2400" u="none" strike="noStrike" dirty="0">
+                          <a:effectLst/>
+                        </a:rPr>
+                        <a:t>-300</a:t>
+                      </a:r>
+                      <a:endParaRPr lang="en-US" sz="2400" b="0" i="0" u="none" strike="noStrike" dirty="0">
+                        <a:solidFill>
+                          <a:srgbClr val="000000"/>
+                        </a:solidFill>
+                        <a:effectLst/>
+                        <a:latin typeface="Calibri" panose="020F0502020204030204" pitchFamily="34" charset="0"/>
+                      </a:endParaRPr>
+                    </a:p>
+                  </a:txBody>
+                  <a:tcPr marL="9525" marR="9525" marT="9525" marB="0" anchor="b"/>
+                </a:tc>
+                <a:tc>
+                  <a:txBody>
+                    <a:bodyPr/>
+                    <a:lstStyle/>
+                    <a:p>
+                      <a:pPr algn="r" fontAlgn="b"/>
+                      <a:r>
+                        <a:rPr lang="en-US" sz="2400" u="none" strike="noStrike">
+                          <a:effectLst/>
+                        </a:rPr>
+                        <a:t>-600</a:t>
+                      </a:r>
+                      <a:endParaRPr lang="en-US" sz="2400" b="0" i="0" u="none" strike="noStrike">
+                        <a:solidFill>
+                          <a:srgbClr val="000000"/>
+                        </a:solidFill>
+                        <a:effectLst/>
+                        <a:latin typeface="Calibri" panose="020F0502020204030204" pitchFamily="34" charset="0"/>
+                      </a:endParaRPr>
+                    </a:p>
+                  </a:txBody>
+                  <a:tcPr marL="9525" marR="9525" marT="9525" marB="0" anchor="b"/>
+                </a:tc>
+                <a:tc>
+                  <a:txBody>
+                    <a:bodyPr/>
+                    <a:lstStyle/>
+                    <a:p>
+                      <a:pPr algn="r" fontAlgn="b"/>
+                      <a:r>
+                        <a:rPr lang="en-US" sz="2400" u="none" strike="noStrike">
+                          <a:effectLst/>
+                        </a:rPr>
+                        <a:t>-150</a:t>
+                      </a:r>
+                      <a:endParaRPr lang="en-US" sz="2400" b="0" i="0" u="none" strike="noStrike">
+                        <a:solidFill>
+                          <a:srgbClr val="000000"/>
+                        </a:solidFill>
+                        <a:effectLst/>
+                        <a:latin typeface="Calibri" panose="020F0502020204030204" pitchFamily="34" charset="0"/>
+                      </a:endParaRPr>
+                    </a:p>
+                  </a:txBody>
+                  <a:tcPr marL="9525" marR="9525" marT="9525" marB="0" anchor="b"/>
+                </a:tc>
+                <a:tc>
+                  <a:txBody>
+                    <a:bodyPr/>
+                    <a:lstStyle/>
+                    <a:p>
+                      <a:pPr algn="r" fontAlgn="b"/>
+                      <a:r>
+                        <a:rPr lang="en-US" sz="2400" u="none" strike="noStrike">
+                          <a:effectLst/>
+                        </a:rPr>
+                        <a:t>-400</a:t>
+                      </a:r>
+                      <a:endParaRPr lang="en-US" sz="2400" b="0" i="0" u="none" strike="noStrike">
+                        <a:solidFill>
+                          <a:srgbClr val="000000"/>
+                        </a:solidFill>
+                        <a:effectLst/>
+                        <a:latin typeface="Calibri" panose="020F0502020204030204" pitchFamily="34" charset="0"/>
+                      </a:endParaRPr>
+                    </a:p>
+                  </a:txBody>
+                  <a:tcPr marL="9525" marR="9525" marT="9525" marB="0" anchor="b"/>
+                </a:tc>
+                <a:tc>
+                  <a:txBody>
+                    <a:bodyPr/>
+                    <a:lstStyle/>
+                    <a:p>
+                      <a:pPr algn="r" fontAlgn="b"/>
+                      <a:r>
+                        <a:rPr lang="en-US" sz="2400" u="none" strike="noStrike">
+                          <a:effectLst/>
+                        </a:rPr>
+                        <a:t>-600</a:t>
+                      </a:r>
+                      <a:endParaRPr lang="en-US" sz="2400" b="0" i="0" u="none" strike="noStrike">
+                        <a:solidFill>
+                          <a:srgbClr val="000000"/>
+                        </a:solidFill>
+                        <a:effectLst/>
+                        <a:latin typeface="Calibri" panose="020F0502020204030204" pitchFamily="34" charset="0"/>
+                      </a:endParaRPr>
+                    </a:p>
+                  </a:txBody>
+                  <a:tcPr marL="9525" marR="9525" marT="9525" marB="0" anchor="b"/>
+                </a:tc>
+                <a:extLst>
+                  <a:ext uri="{0D108BD9-81ED-4DB2-BD59-A6C34878D82A}">
+                    <a16:rowId xmlns:a16="http://schemas.microsoft.com/office/drawing/2014/main" val="886555423"/>
+                  </a:ext>
+                </a:extLst>
+              </a:tr>
+              <a:tr h="577925">
+                <a:tc>
+                  <a:txBody>
+                    <a:bodyPr/>
+                    <a:lstStyle/>
+                    <a:p>
+                      <a:pPr algn="r" fontAlgn="b"/>
+                      <a:r>
+                        <a:rPr lang="en-US" sz="2400" u="none" strike="noStrike" dirty="0">
+                          <a:effectLst/>
+                        </a:rPr>
+                        <a:t>-3</a:t>
+                      </a:r>
+                      <a:endParaRPr lang="en-US" sz="2400" b="0" i="0" u="none" strike="noStrike" dirty="0">
+                        <a:solidFill>
+                          <a:srgbClr val="000000"/>
+                        </a:solidFill>
+                        <a:effectLst/>
+                        <a:latin typeface="Calibri" panose="020F0502020204030204" pitchFamily="34" charset="0"/>
+                      </a:endParaRPr>
+                    </a:p>
+                  </a:txBody>
+                  <a:tcPr marL="9525" marR="9525" marT="9525" marB="0" anchor="b"/>
+                </a:tc>
+                <a:tc>
+                  <a:txBody>
+                    <a:bodyPr/>
+                    <a:lstStyle/>
+                    <a:p>
+                      <a:pPr algn="r" fontAlgn="b"/>
+                      <a:r>
+                        <a:rPr lang="en-US" sz="2400" u="none" strike="noStrike">
+                          <a:effectLst/>
+                        </a:rPr>
+                        <a:t>-150</a:t>
+                      </a:r>
+                      <a:endParaRPr lang="en-US" sz="2400" b="0" i="0" u="none" strike="noStrike">
+                        <a:solidFill>
+                          <a:srgbClr val="000000"/>
+                        </a:solidFill>
+                        <a:effectLst/>
+                        <a:latin typeface="Calibri" panose="020F0502020204030204" pitchFamily="34" charset="0"/>
+                      </a:endParaRPr>
+                    </a:p>
+                  </a:txBody>
+                  <a:tcPr marL="9525" marR="9525" marT="9525" marB="0" anchor="b"/>
+                </a:tc>
+                <a:tc>
+                  <a:txBody>
+                    <a:bodyPr/>
+                    <a:lstStyle/>
+                    <a:p>
+                      <a:pPr algn="r" fontAlgn="b"/>
+                      <a:r>
+                        <a:rPr lang="en-US" sz="2400" u="none" strike="noStrike">
+                          <a:effectLst/>
+                        </a:rPr>
+                        <a:t>-500</a:t>
+                      </a:r>
+                      <a:endParaRPr lang="en-US" sz="2400" b="0" i="0" u="none" strike="noStrike">
+                        <a:solidFill>
+                          <a:srgbClr val="000000"/>
+                        </a:solidFill>
+                        <a:effectLst/>
+                        <a:latin typeface="Calibri" panose="020F0502020204030204" pitchFamily="34" charset="0"/>
+                      </a:endParaRPr>
+                    </a:p>
+                  </a:txBody>
+                  <a:tcPr marL="9525" marR="9525" marT="9525" marB="0" anchor="b"/>
+                </a:tc>
+                <a:tc>
+                  <a:txBody>
+                    <a:bodyPr/>
+                    <a:lstStyle/>
+                    <a:p>
+                      <a:pPr algn="r" fontAlgn="b"/>
+                      <a:r>
+                        <a:rPr lang="en-US" sz="2400" u="none" strike="noStrike">
+                          <a:effectLst/>
+                        </a:rPr>
+                        <a:t>-1000</a:t>
+                      </a:r>
+                      <a:endParaRPr lang="en-US" sz="2400" b="0" i="0" u="none" strike="noStrike">
+                        <a:solidFill>
+                          <a:srgbClr val="000000"/>
+                        </a:solidFill>
+                        <a:effectLst/>
+                        <a:latin typeface="Calibri" panose="020F0502020204030204" pitchFamily="34" charset="0"/>
+                      </a:endParaRPr>
+                    </a:p>
+                  </a:txBody>
+                  <a:tcPr marL="9525" marR="9525" marT="9525" marB="0" anchor="b"/>
+                </a:tc>
+                <a:tc>
+                  <a:txBody>
+                    <a:bodyPr/>
+                    <a:lstStyle/>
+                    <a:p>
+                      <a:pPr algn="r" fontAlgn="b"/>
+                      <a:r>
+                        <a:rPr lang="en-US" sz="2400" u="none" strike="noStrike">
+                          <a:effectLst/>
+                        </a:rPr>
+                        <a:t>-200</a:t>
+                      </a:r>
+                      <a:endParaRPr lang="en-US" sz="2400" b="0" i="0" u="none" strike="noStrike">
+                        <a:solidFill>
+                          <a:srgbClr val="000000"/>
+                        </a:solidFill>
+                        <a:effectLst/>
+                        <a:latin typeface="Calibri" panose="020F0502020204030204" pitchFamily="34" charset="0"/>
+                      </a:endParaRPr>
+                    </a:p>
+                  </a:txBody>
+                  <a:tcPr marL="9525" marR="9525" marT="9525" marB="0" anchor="b"/>
+                </a:tc>
+                <a:tc>
+                  <a:txBody>
+                    <a:bodyPr/>
+                    <a:lstStyle/>
+                    <a:p>
+                      <a:pPr algn="r" fontAlgn="b"/>
+                      <a:r>
+                        <a:rPr lang="en-US" sz="2400" u="none" strike="noStrike">
+                          <a:effectLst/>
+                        </a:rPr>
+                        <a:t>-600</a:t>
+                      </a:r>
+                      <a:endParaRPr lang="en-US" sz="2400" b="0" i="0" u="none" strike="noStrike">
+                        <a:solidFill>
+                          <a:srgbClr val="000000"/>
+                        </a:solidFill>
+                        <a:effectLst/>
+                        <a:latin typeface="Calibri" panose="020F0502020204030204" pitchFamily="34" charset="0"/>
+                      </a:endParaRPr>
+                    </a:p>
+                  </a:txBody>
+                  <a:tcPr marL="9525" marR="9525" marT="9525" marB="0" anchor="b"/>
+                </a:tc>
+                <a:tc>
+                  <a:txBody>
+                    <a:bodyPr/>
+                    <a:lstStyle/>
+                    <a:p>
+                      <a:pPr algn="r" fontAlgn="b"/>
+                      <a:r>
+                        <a:rPr lang="en-US" sz="2400" u="none" strike="noStrike">
+                          <a:effectLst/>
+                        </a:rPr>
+                        <a:t>-1000</a:t>
+                      </a:r>
+                      <a:endParaRPr lang="en-US" sz="2400" b="0" i="0" u="none" strike="noStrike">
+                        <a:solidFill>
+                          <a:srgbClr val="000000"/>
+                        </a:solidFill>
+                        <a:effectLst/>
+                        <a:latin typeface="Calibri" panose="020F0502020204030204" pitchFamily="34" charset="0"/>
+                      </a:endParaRPr>
+                    </a:p>
+                  </a:txBody>
+                  <a:tcPr marL="9525" marR="9525" marT="9525" marB="0" anchor="b"/>
+                </a:tc>
+                <a:extLst>
+                  <a:ext uri="{0D108BD9-81ED-4DB2-BD59-A6C34878D82A}">
+                    <a16:rowId xmlns:a16="http://schemas.microsoft.com/office/drawing/2014/main" val="2568742028"/>
+                  </a:ext>
+                </a:extLst>
+              </a:tr>
+              <a:tr h="577925">
+                <a:tc>
+                  <a:txBody>
+                    <a:bodyPr/>
+                    <a:lstStyle/>
+                    <a:p>
+                      <a:pPr algn="r" fontAlgn="b"/>
+                      <a:r>
+                        <a:rPr lang="en-US" sz="2400" u="none" strike="noStrike" dirty="0">
+                          <a:effectLst/>
+                        </a:rPr>
+                        <a:t>-4</a:t>
+                      </a:r>
+                      <a:endParaRPr lang="en-US" sz="2400" b="0" i="0" u="none" strike="noStrike" dirty="0">
+                        <a:solidFill>
+                          <a:srgbClr val="000000"/>
+                        </a:solidFill>
+                        <a:effectLst/>
+                        <a:latin typeface="Calibri" panose="020F0502020204030204" pitchFamily="34" charset="0"/>
+                      </a:endParaRPr>
+                    </a:p>
+                  </a:txBody>
+                  <a:tcPr marL="9525" marR="9525" marT="9525" marB="0" anchor="b"/>
+                </a:tc>
+                <a:tc>
+                  <a:txBody>
+                    <a:bodyPr/>
+                    <a:lstStyle/>
+                    <a:p>
+                      <a:pPr algn="r" fontAlgn="b"/>
+                      <a:r>
+                        <a:rPr lang="en-US" sz="2400" u="none" strike="noStrike">
+                          <a:effectLst/>
+                        </a:rPr>
+                        <a:t>-200</a:t>
+                      </a:r>
+                      <a:endParaRPr lang="en-US" sz="2400" b="0" i="0" u="none" strike="noStrike">
+                        <a:solidFill>
+                          <a:srgbClr val="000000"/>
+                        </a:solidFill>
+                        <a:effectLst/>
+                        <a:latin typeface="Calibri" panose="020F0502020204030204" pitchFamily="34" charset="0"/>
+                      </a:endParaRPr>
+                    </a:p>
+                  </a:txBody>
+                  <a:tcPr marL="9525" marR="9525" marT="9525" marB="0" anchor="b"/>
+                </a:tc>
+                <a:tc>
+                  <a:txBody>
+                    <a:bodyPr/>
+                    <a:lstStyle/>
+                    <a:p>
+                      <a:pPr algn="r" fontAlgn="b"/>
+                      <a:r>
+                        <a:rPr lang="en-US" sz="2400" u="none" strike="noStrike">
+                          <a:effectLst/>
+                        </a:rPr>
+                        <a:t>-800</a:t>
+                      </a:r>
+                      <a:endParaRPr lang="en-US" sz="2400" b="0" i="0" u="none" strike="noStrike">
+                        <a:solidFill>
+                          <a:srgbClr val="000000"/>
+                        </a:solidFill>
+                        <a:effectLst/>
+                        <a:latin typeface="Calibri" panose="020F0502020204030204" pitchFamily="34" charset="0"/>
+                      </a:endParaRPr>
+                    </a:p>
+                  </a:txBody>
+                  <a:tcPr marL="9525" marR="9525" marT="9525" marB="0" anchor="b"/>
+                </a:tc>
+                <a:tc>
+                  <a:txBody>
+                    <a:bodyPr/>
+                    <a:lstStyle/>
+                    <a:p>
+                      <a:pPr algn="r" fontAlgn="b"/>
+                      <a:r>
+                        <a:rPr lang="en-US" sz="2400" u="none" strike="noStrike">
+                          <a:effectLst/>
+                        </a:rPr>
+                        <a:t>-1600</a:t>
+                      </a:r>
+                      <a:endParaRPr lang="en-US" sz="2400" b="0" i="0" u="none" strike="noStrike">
+                        <a:solidFill>
+                          <a:srgbClr val="000000"/>
+                        </a:solidFill>
+                        <a:effectLst/>
+                        <a:latin typeface="Calibri" panose="020F0502020204030204" pitchFamily="34" charset="0"/>
+                      </a:endParaRPr>
+                    </a:p>
+                  </a:txBody>
+                  <a:tcPr marL="9525" marR="9525" marT="9525" marB="0" anchor="b"/>
+                </a:tc>
+                <a:tc>
+                  <a:txBody>
+                    <a:bodyPr/>
+                    <a:lstStyle/>
+                    <a:p>
+                      <a:pPr algn="r" fontAlgn="b"/>
+                      <a:r>
+                        <a:rPr lang="en-US" sz="2400" u="none" strike="noStrike">
+                          <a:effectLst/>
+                        </a:rPr>
+                        <a:t>-250</a:t>
+                      </a:r>
+                      <a:endParaRPr lang="en-US" sz="2400" b="0" i="0" u="none" strike="noStrike">
+                        <a:solidFill>
+                          <a:srgbClr val="000000"/>
+                        </a:solidFill>
+                        <a:effectLst/>
+                        <a:latin typeface="Calibri" panose="020F0502020204030204" pitchFamily="34" charset="0"/>
+                      </a:endParaRPr>
+                    </a:p>
+                  </a:txBody>
+                  <a:tcPr marL="9525" marR="9525" marT="9525" marB="0" anchor="b"/>
+                </a:tc>
+                <a:tc>
+                  <a:txBody>
+                    <a:bodyPr/>
+                    <a:lstStyle/>
+                    <a:p>
+                      <a:pPr algn="r" fontAlgn="b"/>
+                      <a:r>
+                        <a:rPr lang="en-US" sz="2400" u="none" strike="noStrike">
+                          <a:effectLst/>
+                        </a:rPr>
+                        <a:t>-800</a:t>
+                      </a:r>
+                      <a:endParaRPr lang="en-US" sz="2400" b="0" i="0" u="none" strike="noStrike">
+                        <a:solidFill>
+                          <a:srgbClr val="000000"/>
+                        </a:solidFill>
+                        <a:effectLst/>
+                        <a:latin typeface="Calibri" panose="020F0502020204030204" pitchFamily="34" charset="0"/>
+                      </a:endParaRPr>
+                    </a:p>
+                  </a:txBody>
+                  <a:tcPr marL="9525" marR="9525" marT="9525" marB="0" anchor="b"/>
+                </a:tc>
+                <a:tc>
+                  <a:txBody>
+                    <a:bodyPr/>
+                    <a:lstStyle/>
+                    <a:p>
+                      <a:pPr algn="r" fontAlgn="b"/>
+                      <a:r>
+                        <a:rPr lang="en-US" sz="2400" u="none" strike="noStrike">
+                          <a:effectLst/>
+                        </a:rPr>
+                        <a:t>-1600</a:t>
+                      </a:r>
+                      <a:endParaRPr lang="en-US" sz="2400" b="0" i="0" u="none" strike="noStrike">
+                        <a:solidFill>
+                          <a:srgbClr val="000000"/>
+                        </a:solidFill>
+                        <a:effectLst/>
+                        <a:latin typeface="Calibri" panose="020F0502020204030204" pitchFamily="34" charset="0"/>
+                      </a:endParaRPr>
+                    </a:p>
+                  </a:txBody>
+                  <a:tcPr marL="9525" marR="9525" marT="9525" marB="0" anchor="b"/>
+                </a:tc>
+                <a:extLst>
+                  <a:ext uri="{0D108BD9-81ED-4DB2-BD59-A6C34878D82A}">
+                    <a16:rowId xmlns:a16="http://schemas.microsoft.com/office/drawing/2014/main" val="52928896"/>
+                  </a:ext>
+                </a:extLst>
+              </a:tr>
+              <a:tr h="577925">
+                <a:tc>
+                  <a:txBody>
+                    <a:bodyPr/>
+                    <a:lstStyle/>
+                    <a:p>
+                      <a:pPr algn="r" fontAlgn="b"/>
+                      <a:r>
+                        <a:rPr lang="en-US" sz="2400" u="none" strike="noStrike" dirty="0">
+                          <a:effectLst/>
+                        </a:rPr>
+                        <a:t>-5</a:t>
+                      </a:r>
+                      <a:endParaRPr lang="en-US" sz="2400" b="0" i="0" u="none" strike="noStrike" dirty="0">
+                        <a:solidFill>
+                          <a:srgbClr val="000000"/>
+                        </a:solidFill>
+                        <a:effectLst/>
+                        <a:latin typeface="Calibri" panose="020F0502020204030204" pitchFamily="34" charset="0"/>
+                      </a:endParaRPr>
+                    </a:p>
+                  </a:txBody>
+                  <a:tcPr marL="9525" marR="9525" marT="9525" marB="0" anchor="b"/>
+                </a:tc>
+                <a:tc>
+                  <a:txBody>
+                    <a:bodyPr/>
+                    <a:lstStyle/>
+                    <a:p>
+                      <a:pPr algn="r" fontAlgn="b"/>
+                      <a:r>
+                        <a:rPr lang="en-US" sz="2400" u="none" strike="noStrike" dirty="0">
+                          <a:effectLst/>
+                        </a:rPr>
+                        <a:t>-250</a:t>
+                      </a:r>
+                      <a:endParaRPr lang="en-US" sz="2400" b="0" i="0" u="none" strike="noStrike" dirty="0">
+                        <a:solidFill>
+                          <a:srgbClr val="000000"/>
+                        </a:solidFill>
+                        <a:effectLst/>
+                        <a:latin typeface="Calibri" panose="020F0502020204030204" pitchFamily="34" charset="0"/>
+                      </a:endParaRPr>
+                    </a:p>
+                  </a:txBody>
+                  <a:tcPr marL="9525" marR="9525" marT="9525" marB="0" anchor="b"/>
+                </a:tc>
+                <a:tc>
+                  <a:txBody>
+                    <a:bodyPr/>
+                    <a:lstStyle/>
+                    <a:p>
+                      <a:pPr algn="r" fontAlgn="b"/>
+                      <a:r>
+                        <a:rPr lang="en-US" sz="2400" u="none" strike="noStrike" dirty="0">
+                          <a:effectLst/>
+                        </a:rPr>
+                        <a:t>-1100</a:t>
+                      </a:r>
+                      <a:endParaRPr lang="en-US" sz="2400" b="0" i="0" u="none" strike="noStrike" dirty="0">
+                        <a:solidFill>
+                          <a:srgbClr val="000000"/>
+                        </a:solidFill>
+                        <a:effectLst/>
+                        <a:latin typeface="Calibri" panose="020F0502020204030204" pitchFamily="34" charset="0"/>
+                      </a:endParaRPr>
+                    </a:p>
+                  </a:txBody>
+                  <a:tcPr marL="9525" marR="9525" marT="9525" marB="0" anchor="b"/>
+                </a:tc>
+                <a:tc>
+                  <a:txBody>
+                    <a:bodyPr/>
+                    <a:lstStyle/>
+                    <a:p>
+                      <a:pPr algn="r" fontAlgn="b"/>
+                      <a:r>
+                        <a:rPr lang="en-US" sz="2400" u="none" strike="noStrike" dirty="0">
+                          <a:effectLst/>
+                        </a:rPr>
+                        <a:t>-2200</a:t>
+                      </a:r>
+                      <a:endParaRPr lang="en-US" sz="2400" b="0" i="0" u="none" strike="noStrike" dirty="0">
+                        <a:solidFill>
+                          <a:srgbClr val="000000"/>
+                        </a:solidFill>
+                        <a:effectLst/>
+                        <a:latin typeface="Calibri" panose="020F0502020204030204" pitchFamily="34" charset="0"/>
+                      </a:endParaRPr>
+                    </a:p>
+                  </a:txBody>
+                  <a:tcPr marL="9525" marR="9525" marT="9525" marB="0" anchor="b"/>
+                </a:tc>
+                <a:tc>
+                  <a:txBody>
+                    <a:bodyPr/>
+                    <a:lstStyle/>
+                    <a:p>
+                      <a:pPr algn="r" fontAlgn="b"/>
+                      <a:r>
+                        <a:rPr lang="en-US" sz="2400" u="none" strike="noStrike" dirty="0">
+                          <a:effectLst/>
+                        </a:rPr>
+                        <a:t>-300</a:t>
+                      </a:r>
+                      <a:endParaRPr lang="en-US" sz="2400" b="0" i="0" u="none" strike="noStrike" dirty="0">
+                        <a:solidFill>
+                          <a:srgbClr val="000000"/>
+                        </a:solidFill>
+                        <a:effectLst/>
+                        <a:latin typeface="Calibri" panose="020F0502020204030204" pitchFamily="34" charset="0"/>
+                      </a:endParaRPr>
+                    </a:p>
+                  </a:txBody>
+                  <a:tcPr marL="9525" marR="9525" marT="9525" marB="0" anchor="b"/>
+                </a:tc>
+                <a:tc>
+                  <a:txBody>
+                    <a:bodyPr/>
+                    <a:lstStyle/>
+                    <a:p>
+                      <a:pPr algn="r" fontAlgn="b"/>
+                      <a:r>
+                        <a:rPr lang="en-US" sz="2400" u="none" strike="noStrike" dirty="0">
+                          <a:effectLst/>
+                        </a:rPr>
+                        <a:t>-1100</a:t>
+                      </a:r>
+                      <a:endParaRPr lang="en-US" sz="2400" b="0" i="0" u="none" strike="noStrike" dirty="0">
+                        <a:solidFill>
+                          <a:srgbClr val="000000"/>
+                        </a:solidFill>
+                        <a:effectLst/>
+                        <a:latin typeface="Calibri" panose="020F0502020204030204" pitchFamily="34" charset="0"/>
+                      </a:endParaRPr>
+                    </a:p>
+                  </a:txBody>
+                  <a:tcPr marL="9525" marR="9525" marT="9525" marB="0" anchor="b"/>
+                </a:tc>
+                <a:tc>
+                  <a:txBody>
+                    <a:bodyPr/>
+                    <a:lstStyle/>
+                    <a:p>
+                      <a:pPr algn="r" fontAlgn="b"/>
+                      <a:r>
+                        <a:rPr lang="en-US" sz="2400" u="none" strike="noStrike" dirty="0">
+                          <a:effectLst/>
+                        </a:rPr>
+                        <a:t>-2200</a:t>
+                      </a:r>
+                      <a:endParaRPr lang="en-US" sz="2400" b="0" i="0" u="none" strike="noStrike" dirty="0">
+                        <a:solidFill>
+                          <a:srgbClr val="000000"/>
+                        </a:solidFill>
+                        <a:effectLst/>
+                        <a:latin typeface="Calibri" panose="020F0502020204030204" pitchFamily="34" charset="0"/>
+                      </a:endParaRPr>
+                    </a:p>
+                  </a:txBody>
+                  <a:tcPr marL="9525" marR="9525" marT="9525" marB="0" anchor="b"/>
+                </a:tc>
+                <a:extLst>
+                  <a:ext uri="{0D108BD9-81ED-4DB2-BD59-A6C34878D82A}">
+                    <a16:rowId xmlns:a16="http://schemas.microsoft.com/office/drawing/2014/main" val="3464215766"/>
+                  </a:ext>
+                </a:extLst>
+              </a:tr>
+            </a:tbl>
+          </a:graphicData>
+        </a:graphic>
+      </p:graphicFrame>
     </p:spTree>
     <p:extLst>
       <p:ext uri="{BB962C8B-B14F-4D97-AF65-F5344CB8AC3E}">
-        <p14:creationId xmlns:p14="http://schemas.microsoft.com/office/powerpoint/2010/main" val="2173188389"/>
+        <p14:creationId xmlns:p14="http://schemas.microsoft.com/office/powerpoint/2010/main" val="623107434"/>
       </p:ext>
     </p:extLst>
   </p:cSld>
@@ -4614,7 +4946,7 @@
           <p:cNvPr id="2" name="Title 1">
             <a:extLst>
               <a:ext uri="{FF2B5EF4-FFF2-40B4-BE49-F238E27FC236}">
-                <a16:creationId xmlns:a16="http://schemas.microsoft.com/office/drawing/2014/main" id="{43C9BD83-8252-CE98-681F-C1F4464020B2}"/>
+                <a16:creationId xmlns:a16="http://schemas.microsoft.com/office/drawing/2014/main" id="{01B46E46-DBA5-C7E3-723F-FE4D6AAB3B61}"/>
               </a:ext>
             </a:extLst>
           </p:cNvPr>
@@ -4632,95 +4964,838 @@
           <a:p>
             <a:r>
               <a:rPr lang="en-US" dirty="0"/>
-              <a:t>Scoring Summary</a:t>
+              <a:t>Scoring Practices</a:t>
             </a:r>
           </a:p>
         </p:txBody>
       </p:sp>
-      <p:sp>
-        <p:nvSpPr>
-          <p:cNvPr id="3" name="Content Placeholder 2">
-            <a:extLst>
-              <a:ext uri="{FF2B5EF4-FFF2-40B4-BE49-F238E27FC236}">
-                <a16:creationId xmlns:a16="http://schemas.microsoft.com/office/drawing/2014/main" id="{A672E8F8-BDD6-48EE-288B-6B99FEF6EAB5}"/>
-              </a:ext>
-            </a:extLst>
-          </p:cNvPr>
-          <p:cNvSpPr>
-            <a:spLocks noGrp="1"/>
-          </p:cNvSpPr>
-          <p:nvPr>
-            <p:ph idx="1"/>
-          </p:nvPr>
-        </p:nvSpPr>
-        <p:spPr/>
-        <p:txBody>
-          <a:bodyPr/>
-          <a:lstStyle/>
-          <a:p>
-            <a:r>
-              <a:rPr lang="en-US" dirty="0"/>
-              <a:t>Don’t miss game/slam</a:t>
-            </a:r>
-          </a:p>
-          <a:p>
-            <a:r>
-              <a:rPr lang="en-US" dirty="0"/>
-              <a:t>Partials frequently are deciders</a:t>
-            </a:r>
-          </a:p>
-          <a:p>
-            <a:r>
-              <a:rPr lang="en-US" dirty="0"/>
-              <a:t>Goal is to outscore the other side</a:t>
-            </a:r>
-          </a:p>
-          <a:p>
-            <a:pPr lvl="1"/>
-            <a:r>
-              <a:rPr lang="en-US" dirty="0"/>
-              <a:t>Sometimes with negative points</a:t>
-            </a:r>
-          </a:p>
-          <a:p>
-            <a:r>
-              <a:rPr lang="en-US" dirty="0"/>
-              <a:t>IMP bid aggressively, plays conservatively</a:t>
-            </a:r>
-          </a:p>
-          <a:p>
-            <a:pPr lvl="1"/>
-            <a:r>
-              <a:rPr lang="en-US" dirty="0"/>
-              <a:t>Missing game/slam carries big penalties</a:t>
-            </a:r>
-          </a:p>
-          <a:p>
-            <a:pPr lvl="1"/>
-            <a:r>
-              <a:rPr lang="en-US" dirty="0"/>
-              <a:t>Risk taking in play is not rewarded</a:t>
-            </a:r>
-          </a:p>
-          <a:p>
-            <a:r>
-              <a:rPr lang="en-US" dirty="0"/>
-              <a:t>MP plays aggressively</a:t>
-            </a:r>
-          </a:p>
-          <a:p>
-            <a:pPr lvl="1"/>
-            <a:r>
-              <a:rPr lang="en-US" dirty="0"/>
-              <a:t>Over by 1 trick may win big</a:t>
-            </a:r>
-          </a:p>
-        </p:txBody>
-      </p:sp>
+      <p:graphicFrame>
+        <p:nvGraphicFramePr>
+          <p:cNvPr id="4" name="Table 3">
+            <a:extLst>
+              <a:ext uri="{FF2B5EF4-FFF2-40B4-BE49-F238E27FC236}">
+                <a16:creationId xmlns:a16="http://schemas.microsoft.com/office/drawing/2014/main" id="{9904C4A4-EAFA-87B4-4B59-D392F9F61326}"/>
+              </a:ext>
+            </a:extLst>
+          </p:cNvPr>
+          <p:cNvGraphicFramePr>
+            <a:graphicFrameLocks noGrp="1"/>
+          </p:cNvGraphicFramePr>
+          <p:nvPr>
+            <p:extLst>
+              <p:ext uri="{D42A27DB-BD31-4B8C-83A1-F6EECF244321}">
+                <p14:modId xmlns:p14="http://schemas.microsoft.com/office/powerpoint/2010/main" val="1626798802"/>
+              </p:ext>
+            </p:extLst>
+          </p:nvPr>
+        </p:nvGraphicFramePr>
+        <p:xfrm>
+          <a:off x="1009650" y="1870364"/>
+          <a:ext cx="9228859" cy="3649691"/>
+        </p:xfrm>
+        <a:graphic>
+          <a:graphicData uri="http://schemas.openxmlformats.org/drawingml/2006/table">
+            <a:tbl>
+              <a:tblPr firstRow="1" bandRow="1">
+                <a:tableStyleId>{5C22544A-7EE6-4342-B048-85BDC9FD1C3A}</a:tableStyleId>
+              </a:tblPr>
+              <a:tblGrid>
+                <a:gridCol w="1345623">
+                  <a:extLst>
+                    <a:ext uri="{9D8B030D-6E8A-4147-A177-3AD203B41FA5}">
+                      <a16:colId xmlns:a16="http://schemas.microsoft.com/office/drawing/2014/main" val="4178760446"/>
+                    </a:ext>
+                  </a:extLst>
+                </a:gridCol>
+                <a:gridCol w="1025236">
+                  <a:extLst>
+                    <a:ext uri="{9D8B030D-6E8A-4147-A177-3AD203B41FA5}">
+                      <a16:colId xmlns:a16="http://schemas.microsoft.com/office/drawing/2014/main" val="1744565940"/>
+                    </a:ext>
+                  </a:extLst>
+                </a:gridCol>
+                <a:gridCol w="678873">
+                  <a:extLst>
+                    <a:ext uri="{9D8B030D-6E8A-4147-A177-3AD203B41FA5}">
+                      <a16:colId xmlns:a16="http://schemas.microsoft.com/office/drawing/2014/main" val="3150104053"/>
+                    </a:ext>
+                  </a:extLst>
+                </a:gridCol>
+                <a:gridCol w="955963">
+                  <a:extLst>
+                    <a:ext uri="{9D8B030D-6E8A-4147-A177-3AD203B41FA5}">
+                      <a16:colId xmlns:a16="http://schemas.microsoft.com/office/drawing/2014/main" val="130454964"/>
+                    </a:ext>
+                  </a:extLst>
+                </a:gridCol>
+                <a:gridCol w="2452255">
+                  <a:extLst>
+                    <a:ext uri="{9D8B030D-6E8A-4147-A177-3AD203B41FA5}">
+                      <a16:colId xmlns:a16="http://schemas.microsoft.com/office/drawing/2014/main" val="2418796973"/>
+                    </a:ext>
+                  </a:extLst>
+                </a:gridCol>
+                <a:gridCol w="2770909">
+                  <a:extLst>
+                    <a:ext uri="{9D8B030D-6E8A-4147-A177-3AD203B41FA5}">
+                      <a16:colId xmlns:a16="http://schemas.microsoft.com/office/drawing/2014/main" val="1307085336"/>
+                    </a:ext>
+                  </a:extLst>
+                </a:gridCol>
+              </a:tblGrid>
+              <a:tr h="682971">
+                <a:tc>
+                  <a:txBody>
+                    <a:bodyPr/>
+                    <a:lstStyle/>
+                    <a:p>
+                      <a:pPr algn="ctr"/>
+                      <a:r>
+                        <a:rPr lang="en-US" dirty="0"/>
+                        <a:t>Contract</a:t>
+                      </a:r>
+                    </a:p>
+                  </a:txBody>
+                  <a:tcPr/>
+                </a:tc>
+                <a:tc>
+                  <a:txBody>
+                    <a:bodyPr/>
+                    <a:lstStyle/>
+                    <a:p>
+                      <a:pPr algn="ctr"/>
+                      <a:r>
+                        <a:rPr lang="en-US" dirty="0" err="1"/>
+                        <a:t>Vul</a:t>
+                      </a:r>
+                      <a:endParaRPr lang="en-US" dirty="0"/>
+                    </a:p>
+                  </a:txBody>
+                  <a:tcPr/>
+                </a:tc>
+                <a:tc>
+                  <a:txBody>
+                    <a:bodyPr/>
+                    <a:lstStyle/>
+                    <a:p>
+                      <a:pPr algn="ctr"/>
+                      <a:r>
+                        <a:rPr lang="en-US" dirty="0"/>
+                        <a:t>By</a:t>
+                      </a:r>
+                    </a:p>
+                  </a:txBody>
+                  <a:tcPr/>
+                </a:tc>
+                <a:tc>
+                  <a:txBody>
+                    <a:bodyPr/>
+                    <a:lstStyle/>
+                    <a:p>
+                      <a:pPr algn="ctr"/>
+                      <a:r>
+                        <a:rPr lang="en-US" dirty="0"/>
+                        <a:t>Result</a:t>
+                      </a:r>
+                    </a:p>
+                  </a:txBody>
+                  <a:tcPr/>
+                </a:tc>
+                <a:tc>
+                  <a:txBody>
+                    <a:bodyPr/>
+                    <a:lstStyle/>
+                    <a:p>
+                      <a:pPr algn="ctr"/>
+                      <a:r>
+                        <a:rPr lang="en-US" dirty="0"/>
+                        <a:t>NS</a:t>
+                      </a:r>
+                    </a:p>
+                  </a:txBody>
+                  <a:tcPr/>
+                </a:tc>
+                <a:tc>
+                  <a:txBody>
+                    <a:bodyPr/>
+                    <a:lstStyle/>
+                    <a:p>
+                      <a:pPr algn="ctr"/>
+                      <a:r>
+                        <a:rPr lang="en-US" dirty="0"/>
+                        <a:t>EW</a:t>
+                      </a:r>
+                    </a:p>
+                  </a:txBody>
+                  <a:tcPr/>
+                </a:tc>
+                <a:extLst>
+                  <a:ext uri="{0D108BD9-81ED-4DB2-BD59-A6C34878D82A}">
+                    <a16:rowId xmlns:a16="http://schemas.microsoft.com/office/drawing/2014/main" val="2704325849"/>
+                  </a:ext>
+                </a:extLst>
+              </a:tr>
+              <a:tr h="370840">
+                <a:tc>
+                  <a:txBody>
+                    <a:bodyPr/>
+                    <a:lstStyle/>
+                    <a:p>
+                      <a:r>
+                        <a:rPr lang="en-US" dirty="0"/>
+                        <a:t>2D</a:t>
+                      </a:r>
+                    </a:p>
+                  </a:txBody>
+                  <a:tcPr/>
+                </a:tc>
+                <a:tc>
+                  <a:txBody>
+                    <a:bodyPr/>
+                    <a:lstStyle/>
+                    <a:p>
+                      <a:r>
+                        <a:rPr lang="en-US" dirty="0"/>
+                        <a:t>NS</a:t>
+                      </a:r>
+                    </a:p>
+                  </a:txBody>
+                  <a:tcPr/>
+                </a:tc>
+                <a:tc>
+                  <a:txBody>
+                    <a:bodyPr/>
+                    <a:lstStyle/>
+                    <a:p>
+                      <a:r>
+                        <a:rPr lang="en-US" dirty="0"/>
+                        <a:t>N</a:t>
+                      </a:r>
+                    </a:p>
+                  </a:txBody>
+                  <a:tcPr/>
+                </a:tc>
+                <a:tc>
+                  <a:txBody>
+                    <a:bodyPr/>
+                    <a:lstStyle/>
+                    <a:p>
+                      <a:r>
+                        <a:rPr lang="en-US" dirty="0"/>
+                        <a:t>+0</a:t>
+                      </a:r>
+                    </a:p>
+                  </a:txBody>
+                  <a:tcPr/>
+                </a:tc>
+                <a:tc>
+                  <a:txBody>
+                    <a:bodyPr/>
+                    <a:lstStyle/>
+                    <a:p>
+                      <a:r>
+                        <a:rPr lang="en-US" dirty="0"/>
+                        <a:t>40+50</a:t>
+                      </a:r>
+                    </a:p>
+                  </a:txBody>
+                  <a:tcPr/>
+                </a:tc>
+                <a:tc>
+                  <a:txBody>
+                    <a:bodyPr/>
+                    <a:lstStyle/>
+                    <a:p>
+                      <a:endParaRPr lang="en-US" dirty="0"/>
+                    </a:p>
+                  </a:txBody>
+                  <a:tcPr/>
+                </a:tc>
+                <a:extLst>
+                  <a:ext uri="{0D108BD9-81ED-4DB2-BD59-A6C34878D82A}">
+                    <a16:rowId xmlns:a16="http://schemas.microsoft.com/office/drawing/2014/main" val="927546614"/>
+                  </a:ext>
+                </a:extLst>
+              </a:tr>
+              <a:tr h="370840">
+                <a:tc>
+                  <a:txBody>
+                    <a:bodyPr/>
+                    <a:lstStyle/>
+                    <a:p>
+                      <a:r>
+                        <a:rPr lang="en-US" dirty="0"/>
+                        <a:t>1NTXX</a:t>
+                      </a:r>
+                    </a:p>
+                  </a:txBody>
+                  <a:tcPr/>
+                </a:tc>
+                <a:tc>
+                  <a:txBody>
+                    <a:bodyPr/>
+                    <a:lstStyle/>
+                    <a:p>
+                      <a:r>
+                        <a:rPr lang="en-US" dirty="0"/>
+                        <a:t>EW</a:t>
+                      </a:r>
+                    </a:p>
+                  </a:txBody>
+                  <a:tcPr/>
+                </a:tc>
+                <a:tc>
+                  <a:txBody>
+                    <a:bodyPr/>
+                    <a:lstStyle/>
+                    <a:p>
+                      <a:r>
+                        <a:rPr lang="en-US" dirty="0"/>
+                        <a:t>N</a:t>
+                      </a:r>
+                    </a:p>
+                  </a:txBody>
+                  <a:tcPr/>
+                </a:tc>
+                <a:tc>
+                  <a:txBody>
+                    <a:bodyPr/>
+                    <a:lstStyle/>
+                    <a:p>
+                      <a:r>
+                        <a:rPr lang="en-US" dirty="0"/>
+                        <a:t>+2</a:t>
+                      </a:r>
+                    </a:p>
+                  </a:txBody>
+                  <a:tcPr/>
+                </a:tc>
+                <a:tc>
+                  <a:txBody>
+                    <a:bodyPr/>
+                    <a:lstStyle/>
+                    <a:p>
+                      <a:r>
+                        <a:rPr lang="en-US" dirty="0"/>
+                        <a:t>40*4+300+400</a:t>
+                      </a:r>
+                    </a:p>
+                  </a:txBody>
+                  <a:tcPr/>
+                </a:tc>
+                <a:tc>
+                  <a:txBody>
+                    <a:bodyPr/>
+                    <a:lstStyle/>
+                    <a:p>
+                      <a:endParaRPr lang="en-US" dirty="0"/>
+                    </a:p>
+                  </a:txBody>
+                  <a:tcPr/>
+                </a:tc>
+                <a:extLst>
+                  <a:ext uri="{0D108BD9-81ED-4DB2-BD59-A6C34878D82A}">
+                    <a16:rowId xmlns:a16="http://schemas.microsoft.com/office/drawing/2014/main" val="2082163618"/>
+                  </a:ext>
+                </a:extLst>
+              </a:tr>
+              <a:tr h="370840">
+                <a:tc>
+                  <a:txBody>
+                    <a:bodyPr/>
+                    <a:lstStyle/>
+                    <a:p>
+                      <a:r>
+                        <a:rPr lang="en-US" dirty="0"/>
+                        <a:t>3S</a:t>
+                      </a:r>
+                    </a:p>
+                  </a:txBody>
+                  <a:tcPr/>
+                </a:tc>
+                <a:tc>
+                  <a:txBody>
+                    <a:bodyPr/>
+                    <a:lstStyle/>
+                    <a:p>
+                      <a:r>
+                        <a:rPr lang="en-US" dirty="0"/>
+                        <a:t>None</a:t>
+                      </a:r>
+                    </a:p>
+                  </a:txBody>
+                  <a:tcPr/>
+                </a:tc>
+                <a:tc>
+                  <a:txBody>
+                    <a:bodyPr/>
+                    <a:lstStyle/>
+                    <a:p>
+                      <a:r>
+                        <a:rPr lang="en-US" dirty="0"/>
+                        <a:t>E</a:t>
+                      </a:r>
+                    </a:p>
+                  </a:txBody>
+                  <a:tcPr/>
+                </a:tc>
+                <a:tc>
+                  <a:txBody>
+                    <a:bodyPr/>
+                    <a:lstStyle/>
+                    <a:p>
+                      <a:r>
+                        <a:rPr lang="en-US" dirty="0"/>
+                        <a:t>+0</a:t>
+                      </a:r>
+                    </a:p>
+                  </a:txBody>
+                  <a:tcPr/>
+                </a:tc>
+                <a:tc>
+                  <a:txBody>
+                    <a:bodyPr/>
+                    <a:lstStyle/>
+                    <a:p>
+                      <a:endParaRPr lang="en-US" dirty="0"/>
+                    </a:p>
+                  </a:txBody>
+                  <a:tcPr/>
+                </a:tc>
+                <a:tc>
+                  <a:txBody>
+                    <a:bodyPr/>
+                    <a:lstStyle/>
+                    <a:p>
+                      <a:r>
+                        <a:rPr lang="en-US" dirty="0"/>
+                        <a:t>30*3+50</a:t>
+                      </a:r>
+                    </a:p>
+                  </a:txBody>
+                  <a:tcPr/>
+                </a:tc>
+                <a:extLst>
+                  <a:ext uri="{0D108BD9-81ED-4DB2-BD59-A6C34878D82A}">
+                    <a16:rowId xmlns:a16="http://schemas.microsoft.com/office/drawing/2014/main" val="3522478268"/>
+                  </a:ext>
+                </a:extLst>
+              </a:tr>
+              <a:tr h="370840">
+                <a:tc>
+                  <a:txBody>
+                    <a:bodyPr/>
+                    <a:lstStyle/>
+                    <a:p>
+                      <a:r>
+                        <a:rPr lang="en-US" dirty="0"/>
+                        <a:t>5D</a:t>
+                      </a:r>
+                    </a:p>
+                  </a:txBody>
+                  <a:tcPr/>
+                </a:tc>
+                <a:tc>
+                  <a:txBody>
+                    <a:bodyPr/>
+                    <a:lstStyle/>
+                    <a:p>
+                      <a:r>
+                        <a:rPr lang="en-US" dirty="0"/>
+                        <a:t>Both</a:t>
+                      </a:r>
+                    </a:p>
+                  </a:txBody>
+                  <a:tcPr/>
+                </a:tc>
+                <a:tc>
+                  <a:txBody>
+                    <a:bodyPr/>
+                    <a:lstStyle/>
+                    <a:p>
+                      <a:r>
+                        <a:rPr lang="en-US" dirty="0"/>
+                        <a:t>W</a:t>
+                      </a:r>
+                    </a:p>
+                  </a:txBody>
+                  <a:tcPr/>
+                </a:tc>
+                <a:tc>
+                  <a:txBody>
+                    <a:bodyPr/>
+                    <a:lstStyle/>
+                    <a:p>
+                      <a:r>
+                        <a:rPr lang="en-US" dirty="0"/>
+                        <a:t>+0</a:t>
+                      </a:r>
+                    </a:p>
+                  </a:txBody>
+                  <a:tcPr/>
+                </a:tc>
+                <a:tc>
+                  <a:txBody>
+                    <a:bodyPr/>
+                    <a:lstStyle/>
+                    <a:p>
+                      <a:endParaRPr lang="en-US" dirty="0"/>
+                    </a:p>
+                  </a:txBody>
+                  <a:tcPr/>
+                </a:tc>
+                <a:tc>
+                  <a:txBody>
+                    <a:bodyPr/>
+                    <a:lstStyle/>
+                    <a:p>
+                      <a:endParaRPr lang="en-US" dirty="0"/>
+                    </a:p>
+                  </a:txBody>
+                  <a:tcPr/>
+                </a:tc>
+                <a:extLst>
+                  <a:ext uri="{0D108BD9-81ED-4DB2-BD59-A6C34878D82A}">
+                    <a16:rowId xmlns:a16="http://schemas.microsoft.com/office/drawing/2014/main" val="1036006223"/>
+                  </a:ext>
+                </a:extLst>
+              </a:tr>
+              <a:tr h="370840">
+                <a:tc>
+                  <a:txBody>
+                    <a:bodyPr/>
+                    <a:lstStyle/>
+                    <a:p>
+                      <a:r>
+                        <a:rPr lang="en-US" dirty="0"/>
+                        <a:t>3NT</a:t>
+                      </a:r>
+                    </a:p>
+                  </a:txBody>
+                  <a:tcPr/>
+                </a:tc>
+                <a:tc>
+                  <a:txBody>
+                    <a:bodyPr/>
+                    <a:lstStyle/>
+                    <a:p>
+                      <a:r>
+                        <a:rPr lang="en-US" dirty="0"/>
+                        <a:t>NS</a:t>
+                      </a:r>
+                    </a:p>
+                  </a:txBody>
+                  <a:tcPr/>
+                </a:tc>
+                <a:tc>
+                  <a:txBody>
+                    <a:bodyPr/>
+                    <a:lstStyle/>
+                    <a:p>
+                      <a:r>
+                        <a:rPr lang="en-US" dirty="0"/>
+                        <a:t>S</a:t>
+                      </a:r>
+                    </a:p>
+                  </a:txBody>
+                  <a:tcPr/>
+                </a:tc>
+                <a:tc>
+                  <a:txBody>
+                    <a:bodyPr/>
+                    <a:lstStyle/>
+                    <a:p>
+                      <a:r>
+                        <a:rPr lang="en-US" dirty="0"/>
+                        <a:t>+0</a:t>
+                      </a:r>
+                    </a:p>
+                  </a:txBody>
+                  <a:tcPr/>
+                </a:tc>
+                <a:tc>
+                  <a:txBody>
+                    <a:bodyPr/>
+                    <a:lstStyle/>
+                    <a:p>
+                      <a:r>
+                        <a:rPr lang="en-US" dirty="0"/>
+                        <a:t>40+30*2+500</a:t>
+                      </a:r>
+                    </a:p>
+                  </a:txBody>
+                  <a:tcPr/>
+                </a:tc>
+                <a:tc>
+                  <a:txBody>
+                    <a:bodyPr/>
+                    <a:lstStyle/>
+                    <a:p>
+                      <a:endParaRPr lang="en-US" dirty="0"/>
+                    </a:p>
+                  </a:txBody>
+                  <a:tcPr/>
+                </a:tc>
+                <a:extLst>
+                  <a:ext uri="{0D108BD9-81ED-4DB2-BD59-A6C34878D82A}">
+                    <a16:rowId xmlns:a16="http://schemas.microsoft.com/office/drawing/2014/main" val="1349369722"/>
+                  </a:ext>
+                </a:extLst>
+              </a:tr>
+              <a:tr h="370840">
+                <a:tc>
+                  <a:txBody>
+                    <a:bodyPr/>
+                    <a:lstStyle/>
+                    <a:p>
+                      <a:r>
+                        <a:rPr lang="en-US" dirty="0"/>
+                        <a:t>2HX</a:t>
+                      </a:r>
+                    </a:p>
+                  </a:txBody>
+                  <a:tcPr/>
+                </a:tc>
+                <a:tc>
+                  <a:txBody>
+                    <a:bodyPr/>
+                    <a:lstStyle/>
+                    <a:p>
+                      <a:r>
+                        <a:rPr lang="en-US" dirty="0"/>
+                        <a:t>EW</a:t>
+                      </a:r>
+                    </a:p>
+                  </a:txBody>
+                  <a:tcPr/>
+                </a:tc>
+                <a:tc>
+                  <a:txBody>
+                    <a:bodyPr/>
+                    <a:lstStyle/>
+                    <a:p>
+                      <a:r>
+                        <a:rPr lang="en-US" dirty="0"/>
+                        <a:t>W</a:t>
+                      </a:r>
+                    </a:p>
+                  </a:txBody>
+                  <a:tcPr/>
+                </a:tc>
+                <a:tc>
+                  <a:txBody>
+                    <a:bodyPr/>
+                    <a:lstStyle/>
+                    <a:p>
+                      <a:r>
+                        <a:rPr lang="en-US" dirty="0"/>
+                        <a:t>+2</a:t>
+                      </a:r>
+                    </a:p>
+                  </a:txBody>
+                  <a:tcPr/>
+                </a:tc>
+                <a:tc>
+                  <a:txBody>
+                    <a:bodyPr/>
+                    <a:lstStyle/>
+                    <a:p>
+                      <a:endParaRPr lang="en-US" dirty="0"/>
+                    </a:p>
+                  </a:txBody>
+                  <a:tcPr/>
+                </a:tc>
+                <a:tc>
+                  <a:txBody>
+                    <a:bodyPr/>
+                    <a:lstStyle/>
+                    <a:p>
+                      <a:r>
+                        <a:rPr lang="en-US" dirty="0"/>
+                        <a:t>60*2+500+400*2</a:t>
+                      </a:r>
+                    </a:p>
+                  </a:txBody>
+                  <a:tcPr/>
+                </a:tc>
+                <a:extLst>
+                  <a:ext uri="{0D108BD9-81ED-4DB2-BD59-A6C34878D82A}">
+                    <a16:rowId xmlns:a16="http://schemas.microsoft.com/office/drawing/2014/main" val="200046473"/>
+                  </a:ext>
+                </a:extLst>
+              </a:tr>
+              <a:tr h="370840">
+                <a:tc>
+                  <a:txBody>
+                    <a:bodyPr/>
+                    <a:lstStyle/>
+                    <a:p>
+                      <a:r>
+                        <a:rPr lang="en-US" dirty="0"/>
+                        <a:t>6NT</a:t>
+                      </a:r>
+                    </a:p>
+                  </a:txBody>
+                  <a:tcPr/>
+                </a:tc>
+                <a:tc>
+                  <a:txBody>
+                    <a:bodyPr/>
+                    <a:lstStyle/>
+                    <a:p>
+                      <a:r>
+                        <a:rPr lang="en-US" dirty="0"/>
+                        <a:t>NS</a:t>
+                      </a:r>
+                    </a:p>
+                  </a:txBody>
+                  <a:tcPr/>
+                </a:tc>
+                <a:tc>
+                  <a:txBody>
+                    <a:bodyPr/>
+                    <a:lstStyle/>
+                    <a:p>
+                      <a:r>
+                        <a:rPr lang="en-US" dirty="0"/>
+                        <a:t>N</a:t>
+                      </a:r>
+                    </a:p>
+                  </a:txBody>
+                  <a:tcPr/>
+                </a:tc>
+                <a:tc>
+                  <a:txBody>
+                    <a:bodyPr/>
+                    <a:lstStyle/>
+                    <a:p>
+                      <a:r>
+                        <a:rPr lang="en-US" dirty="0"/>
+                        <a:t>+1</a:t>
+                      </a:r>
+                    </a:p>
+                  </a:txBody>
+                  <a:tcPr/>
+                </a:tc>
+                <a:tc>
+                  <a:txBody>
+                    <a:bodyPr/>
+                    <a:lstStyle/>
+                    <a:p>
+                      <a:r>
+                        <a:rPr lang="en-US" dirty="0"/>
+                        <a:t>40+30*6+500+750</a:t>
+                      </a:r>
+                    </a:p>
+                  </a:txBody>
+                  <a:tcPr/>
+                </a:tc>
+                <a:tc>
+                  <a:txBody>
+                    <a:bodyPr/>
+                    <a:lstStyle/>
+                    <a:p>
+                      <a:endParaRPr lang="en-US" dirty="0"/>
+                    </a:p>
+                  </a:txBody>
+                  <a:tcPr/>
+                </a:tc>
+                <a:extLst>
+                  <a:ext uri="{0D108BD9-81ED-4DB2-BD59-A6C34878D82A}">
+                    <a16:rowId xmlns:a16="http://schemas.microsoft.com/office/drawing/2014/main" val="1953710296"/>
+                  </a:ext>
+                </a:extLst>
+              </a:tr>
+              <a:tr h="370840">
+                <a:tc>
+                  <a:txBody>
+                    <a:bodyPr/>
+                    <a:lstStyle/>
+                    <a:p>
+                      <a:r>
+                        <a:rPr lang="en-US" dirty="0"/>
+                        <a:t>7S</a:t>
+                      </a:r>
+                    </a:p>
+                  </a:txBody>
+                  <a:tcPr/>
+                </a:tc>
+                <a:tc>
+                  <a:txBody>
+                    <a:bodyPr/>
+                    <a:lstStyle/>
+                    <a:p>
+                      <a:r>
+                        <a:rPr lang="en-US" dirty="0"/>
+                        <a:t>EW</a:t>
+                      </a:r>
+                    </a:p>
+                  </a:txBody>
+                  <a:tcPr/>
+                </a:tc>
+                <a:tc>
+                  <a:txBody>
+                    <a:bodyPr/>
+                    <a:lstStyle/>
+                    <a:p>
+                      <a:r>
+                        <a:rPr lang="en-US" dirty="0"/>
+                        <a:t>N</a:t>
+                      </a:r>
+                    </a:p>
+                  </a:txBody>
+                  <a:tcPr/>
+                </a:tc>
+                <a:tc>
+                  <a:txBody>
+                    <a:bodyPr/>
+                    <a:lstStyle/>
+                    <a:p>
+                      <a:r>
+                        <a:rPr lang="en-US" dirty="0"/>
+                        <a:t>0</a:t>
+                      </a:r>
+                    </a:p>
+                  </a:txBody>
+                  <a:tcPr/>
+                </a:tc>
+                <a:tc>
+                  <a:txBody>
+                    <a:bodyPr/>
+                    <a:lstStyle/>
+                    <a:p>
+                      <a:r>
+                        <a:rPr lang="en-US" dirty="0"/>
+                        <a:t>30*7+300+1000</a:t>
+                      </a:r>
+                    </a:p>
+                  </a:txBody>
+                  <a:tcPr/>
+                </a:tc>
+                <a:tc>
+                  <a:txBody>
+                    <a:bodyPr/>
+                    <a:lstStyle/>
+                    <a:p>
+                      <a:endParaRPr lang="en-US" dirty="0"/>
+                    </a:p>
+                  </a:txBody>
+                  <a:tcPr/>
+                </a:tc>
+                <a:extLst>
+                  <a:ext uri="{0D108BD9-81ED-4DB2-BD59-A6C34878D82A}">
+                    <a16:rowId xmlns:a16="http://schemas.microsoft.com/office/drawing/2014/main" val="3274387070"/>
+                  </a:ext>
+                </a:extLst>
+              </a:tr>
+            </a:tbl>
+          </a:graphicData>
+        </a:graphic>
+      </p:graphicFrame>
     </p:spTree>
     <p:extLst>
       <p:ext uri="{BB962C8B-B14F-4D97-AF65-F5344CB8AC3E}">
-        <p14:creationId xmlns:p14="http://schemas.microsoft.com/office/powerpoint/2010/main" val="3152056824"/>
+        <p14:creationId xmlns:p14="http://schemas.microsoft.com/office/powerpoint/2010/main" val="1037304928"/>
       </p:ext>
     </p:extLst>
   </p:cSld>
@@ -4752,7 +5827,7 @@
           <p:cNvPr id="2" name="Title 1">
             <a:extLst>
               <a:ext uri="{FF2B5EF4-FFF2-40B4-BE49-F238E27FC236}">
-                <a16:creationId xmlns:a16="http://schemas.microsoft.com/office/drawing/2014/main" id="{41F759E8-539C-3474-A2F5-E084FD6FAEB0}"/>
+                <a16:creationId xmlns:a16="http://schemas.microsoft.com/office/drawing/2014/main" id="{98829A36-C3A1-99D7-4855-3ABEA626AE59}"/>
               </a:ext>
             </a:extLst>
           </p:cNvPr>
@@ -4760,7 +5835,7 @@
             <a:spLocks noGrp="1"/>
           </p:cNvSpPr>
           <p:nvPr>
-            <p:ph type="ctrTitle"/>
+            <p:ph type="title"/>
           </p:nvPr>
         </p:nvSpPr>
         <p:spPr/>
@@ -4770,17 +5845,17 @@
           <a:p>
             <a:r>
               <a:rPr lang="en-US" dirty="0"/>
-              <a:t>“Natural” Bidding</a:t>
+              <a:t>What Happens in a Tournament?</a:t>
             </a:r>
           </a:p>
         </p:txBody>
       </p:sp>
       <p:sp>
         <p:nvSpPr>
-          <p:cNvPr id="3" name="Subtitle 2">
-            <a:extLst>
-              <a:ext uri="{FF2B5EF4-FFF2-40B4-BE49-F238E27FC236}">
-                <a16:creationId xmlns:a16="http://schemas.microsoft.com/office/drawing/2014/main" id="{4F5B085A-1D3A-B7F9-3673-5199D98F142C}"/>
+          <p:cNvPr id="3" name="Content Placeholder 2">
+            <a:extLst>
+              <a:ext uri="{FF2B5EF4-FFF2-40B4-BE49-F238E27FC236}">
+                <a16:creationId xmlns:a16="http://schemas.microsoft.com/office/drawing/2014/main" id="{D49E195D-A608-ACE8-AC62-5B91CD557D0C}"/>
               </a:ext>
             </a:extLst>
           </p:cNvPr>
@@ -4788,22 +5863,137 @@
             <a:spLocks noGrp="1"/>
           </p:cNvSpPr>
           <p:nvPr>
-            <p:ph type="subTitle" idx="1"/>
+            <p:ph idx="1"/>
           </p:nvPr>
         </p:nvSpPr>
-        <p:spPr/>
+        <p:spPr>
+          <a:xfrm>
+            <a:off x="838200" y="1854201"/>
+            <a:ext cx="10515600" cy="4351338"/>
+          </a:xfrm>
+        </p:spPr>
         <p:txBody>
-          <a:bodyPr/>
+          <a:bodyPr>
+            <a:normAutofit fontScale="85000" lnSpcReduction="20000"/>
+          </a:bodyPr>
           <a:lstStyle/>
           <a:p>
-            <a:endParaRPr lang="en-US"/>
+            <a:r>
+              <a:rPr lang="en-US" dirty="0"/>
+              <a:t>Team Tournament:</a:t>
+            </a:r>
+          </a:p>
+          <a:p>
+            <a:pPr lvl="1"/>
+            <a:r>
+              <a:rPr lang="en-US" dirty="0"/>
+              <a:t>4-player from a team to play another team</a:t>
+            </a:r>
+          </a:p>
+          <a:p>
+            <a:pPr lvl="1"/>
+            <a:r>
+              <a:rPr lang="en-US" dirty="0"/>
+              <a:t>Both tables play the same boards</a:t>
+            </a:r>
+          </a:p>
+          <a:p>
+            <a:pPr lvl="1"/>
+            <a:r>
+              <a:rPr lang="en-US" dirty="0"/>
+              <a:t>Score difference convert to “IMP” (International Match Point)</a:t>
+            </a:r>
+          </a:p>
+          <a:p>
+            <a:pPr lvl="1"/>
+            <a:r>
+              <a:rPr lang="en-US" dirty="0"/>
+              <a:t>Team with more IMP wins</a:t>
+            </a:r>
+          </a:p>
+          <a:p>
+            <a:r>
+              <a:rPr lang="en-US" dirty="0"/>
+              <a:t>Pair Tournament:</a:t>
+            </a:r>
+          </a:p>
+          <a:p>
+            <a:pPr lvl="1"/>
+            <a:r>
+              <a:rPr lang="en-US" dirty="0"/>
+              <a:t>Two players, as a pair, play against other pairs</a:t>
+            </a:r>
+          </a:p>
+          <a:p>
+            <a:pPr lvl="2"/>
+            <a:r>
+              <a:rPr lang="en-US" dirty="0"/>
+              <a:t>Single winner (Howell) v. multiple winners (Mitchell) tournaments</a:t>
+            </a:r>
+          </a:p>
+          <a:p>
+            <a:pPr lvl="1"/>
+            <a:r>
+              <a:rPr lang="en-US" dirty="0"/>
+              <a:t>Pairs play the same boards against different opponents</a:t>
+            </a:r>
+          </a:p>
+          <a:p>
+            <a:pPr lvl="1"/>
+            <a:r>
+              <a:rPr lang="en-US" dirty="0"/>
+              <a:t>MP (Match Point) Tournaments:</a:t>
+            </a:r>
+          </a:p>
+          <a:p>
+            <a:pPr lvl="2"/>
+            <a:r>
+              <a:rPr lang="en-US" dirty="0"/>
+              <a:t>Rank each pair’s score, convert </a:t>
+            </a:r>
+            <a:r>
+              <a:rPr lang="en-US" dirty="0" err="1"/>
+              <a:t>rankngs</a:t>
+            </a:r>
+            <a:r>
+              <a:rPr lang="en-US" dirty="0"/>
+              <a:t> to %</a:t>
+            </a:r>
+          </a:p>
+          <a:p>
+            <a:pPr lvl="2"/>
+            <a:r>
+              <a:rPr lang="en-US" dirty="0"/>
+              <a:t>Pair with the highest average % wins</a:t>
+            </a:r>
+          </a:p>
+          <a:p>
+            <a:pPr lvl="1"/>
+            <a:r>
+              <a:rPr lang="en-US" dirty="0"/>
+              <a:t>IMP Tournaments:</a:t>
+            </a:r>
+          </a:p>
+          <a:p>
+            <a:pPr lvl="2"/>
+            <a:r>
+              <a:rPr lang="en-US" dirty="0"/>
+              <a:t>For each board, Pair-wise convert score differences to IMPs, obtain average</a:t>
+            </a:r>
+          </a:p>
+          <a:p>
+            <a:pPr lvl="2"/>
+            <a:r>
+              <a:rPr lang="en-US" dirty="0"/>
+              <a:t>Pair with the highest accumulated IMPs wins</a:t>
+            </a:r>
           </a:p>
         </p:txBody>
       </p:sp>
     </p:spTree>
     <p:extLst>
       <p:ext uri="{BB962C8B-B14F-4D97-AF65-F5344CB8AC3E}">
-        <p14:creationId xmlns:p14="http://schemas.microsoft.com/office/powerpoint/2010/main" val="2791147153"/>
+        <p14:creationId xmlns:p14="http://schemas.microsoft.com/office/powerpoint/2010/main" val="2207978350"/>
       </p:ext>
     </p:extLst>
   </p:cSld>
@@ -4835,7 +6025,7 @@
           <p:cNvPr id="2" name="Title 1">
             <a:extLst>
               <a:ext uri="{FF2B5EF4-FFF2-40B4-BE49-F238E27FC236}">
-                <a16:creationId xmlns:a16="http://schemas.microsoft.com/office/drawing/2014/main" id="{B08A2913-1E7D-49E7-9D52-8DE618890733}"/>
+                <a16:creationId xmlns:a16="http://schemas.microsoft.com/office/drawing/2014/main" id="{43C9BD83-8252-CE98-681F-C1F4464020B2}"/>
               </a:ext>
             </a:extLst>
           </p:cNvPr>
@@ -4853,7 +6043,7 @@
           <a:p>
             <a:r>
               <a:rPr lang="en-US" dirty="0"/>
-              <a:t>Natural = Bid what you are willing to play</a:t>
+              <a:t>Scoring Summary</a:t>
             </a:r>
           </a:p>
         </p:txBody>
@@ -4863,7 +6053,7 @@
           <p:cNvPr id="3" name="Content Placeholder 2">
             <a:extLst>
               <a:ext uri="{FF2B5EF4-FFF2-40B4-BE49-F238E27FC236}">
-                <a16:creationId xmlns:a16="http://schemas.microsoft.com/office/drawing/2014/main" id="{C636648D-6756-902C-5865-F27FE17AA538}"/>
+                <a16:creationId xmlns:a16="http://schemas.microsoft.com/office/drawing/2014/main" id="{A672E8F8-BDD6-48EE-288B-6B99FEF6EAB5}"/>
               </a:ext>
             </a:extLst>
           </p:cNvPr>
@@ -4874,66 +6064,38 @@
             <p:ph idx="1"/>
           </p:nvPr>
         </p:nvSpPr>
-        <p:spPr/>
+        <p:spPr>
+          <a:xfrm>
+            <a:off x="838200" y="1825625"/>
+            <a:ext cx="9192491" cy="4351338"/>
+          </a:xfrm>
+        </p:spPr>
         <p:txBody>
           <a:bodyPr/>
           <a:lstStyle/>
           <a:p>
             <a:r>
               <a:rPr lang="en-US" dirty="0"/>
-              <a:t>Suit bid: strength and length</a:t>
-            </a:r>
-          </a:p>
-          <a:p>
-            <a:r>
-              <a:rPr lang="en-US" dirty="0"/>
-              <a:t>Jump: extra strength and/or length, usually forcing</a:t>
-            </a:r>
-          </a:p>
-          <a:p>
-            <a:r>
-              <a:rPr lang="en-US" dirty="0"/>
-              <a:t>New Suit: generally considered forcing, or semi-forcing</a:t>
-            </a:r>
-          </a:p>
-          <a:p>
-            <a:r>
-              <a:rPr lang="en-US" dirty="0"/>
-              <a:t>Weak: retreat to same suit or NT</a:t>
-            </a:r>
-          </a:p>
-          <a:p>
-            <a:r>
-              <a:rPr lang="en-US" dirty="0"/>
-              <a:t>Once trump suit agreed, new suits are about control and forcing</a:t>
+              <a:t>Goal is to outscore the competitors, not the opponents</a:t>
             </a:r>
           </a:p>
           <a:p>
             <a:pPr lvl="1"/>
             <a:r>
               <a:rPr lang="en-US" dirty="0"/>
-              <a:t>Agreed when a suit has 8 or more cards combined</a:t>
-            </a:r>
-          </a:p>
-          <a:p>
-            <a:pPr lvl="1"/>
-            <a:r>
-              <a:rPr lang="en-US" dirty="0"/>
-              <a:t>Minimally 7 (</a:t>
-            </a:r>
-            <a:r>
-              <a:rPr lang="en-US" dirty="0" err="1"/>
-              <a:t>Moysian</a:t>
-            </a:r>
-            <a:r>
-              <a:rPr lang="en-US" dirty="0"/>
-              <a:t> contract)</a:t>
-            </a:r>
-          </a:p>
-          <a:p>
-            <a:r>
-              <a:rPr lang="en-US" dirty="0"/>
-              <a:t>If no suitable bid, just pass.</a:t>
+              <a:t>Sometimes with negative points</a:t>
+            </a:r>
+          </a:p>
+          <a:p>
+            <a:r>
+              <a:rPr lang="en-US" dirty="0"/>
+              <a:t>Don’t miss game/slam</a:t>
+            </a:r>
+          </a:p>
+          <a:p>
+            <a:r>
+              <a:rPr lang="en-US" dirty="0"/>
+              <a:t>Partials frequently are deciders</a:t>
             </a:r>
           </a:p>
         </p:txBody>
@@ -4941,7 +6103,7 @@
     </p:spTree>
     <p:extLst>
       <p:ext uri="{BB962C8B-B14F-4D97-AF65-F5344CB8AC3E}">
-        <p14:creationId xmlns:p14="http://schemas.microsoft.com/office/powerpoint/2010/main" val="3446700826"/>
+        <p14:creationId xmlns:p14="http://schemas.microsoft.com/office/powerpoint/2010/main" val="3152056824"/>
       </p:ext>
     </p:extLst>
   </p:cSld>
@@ -4973,7 +6135,7 @@
           <p:cNvPr id="2" name="Title 1">
             <a:extLst>
               <a:ext uri="{FF2B5EF4-FFF2-40B4-BE49-F238E27FC236}">
-                <a16:creationId xmlns:a16="http://schemas.microsoft.com/office/drawing/2014/main" id="{68546065-CAF9-A18C-CCC5-633751220D61}"/>
+                <a16:creationId xmlns:a16="http://schemas.microsoft.com/office/drawing/2014/main" id="{B08A2913-1E7D-49E7-9D52-8DE618890733}"/>
               </a:ext>
             </a:extLst>
           </p:cNvPr>
@@ -4991,7 +6153,7 @@
           <a:p>
             <a:r>
               <a:rPr lang="en-US" dirty="0"/>
-              <a:t>Framework</a:t>
+              <a:t>“Natural” is a set of logic, not a system</a:t>
             </a:r>
           </a:p>
         </p:txBody>
@@ -5001,7 +6163,7 @@
           <p:cNvPr id="3" name="Content Placeholder 2">
             <a:extLst>
               <a:ext uri="{FF2B5EF4-FFF2-40B4-BE49-F238E27FC236}">
-                <a16:creationId xmlns:a16="http://schemas.microsoft.com/office/drawing/2014/main" id="{FAAEC57D-35DB-E53C-9AFA-32A90A339277}"/>
+                <a16:creationId xmlns:a16="http://schemas.microsoft.com/office/drawing/2014/main" id="{C636648D-6756-902C-5865-F27FE17AA538}"/>
               </a:ext>
             </a:extLst>
           </p:cNvPr>
@@ -5012,295 +6174,87 @@
             <p:ph idx="1"/>
           </p:nvPr>
         </p:nvSpPr>
-        <p:spPr/>
+        <p:spPr>
+          <a:xfrm>
+            <a:off x="838200" y="1825625"/>
+            <a:ext cx="10009909" cy="4351338"/>
+          </a:xfrm>
+        </p:spPr>
         <p:txBody>
-          <a:bodyPr/>
+          <a:bodyPr>
+            <a:normAutofit/>
+          </a:bodyPr>
           <a:lstStyle/>
           <a:p>
             <a:r>
               <a:rPr lang="en-US" dirty="0"/>
-              <a:t>Always seek 4S/4H first, then 3NT, last 5D/5C</a:t>
-            </a:r>
-          </a:p>
-          <a:p>
-            <a:r>
-              <a:rPr lang="en-US" dirty="0"/>
-              <a:t>Then a partial contract with no strong trump preference</a:t>
-            </a:r>
-          </a:p>
-          <a:p>
-            <a:r>
-              <a:rPr lang="en-US" dirty="0"/>
-              <a:t>Makable contracts are correlated to combined HCP/DP.</a:t>
-            </a:r>
-          </a:p>
-          <a:p>
-            <a:endParaRPr lang="en-US" dirty="0"/>
+              <a:t>Suit bid: strength or length</a:t>
+            </a:r>
+          </a:p>
+          <a:p>
+            <a:r>
+              <a:rPr lang="en-US" dirty="0"/>
+              <a:t>Jump to show power, usually forcing</a:t>
+            </a:r>
+          </a:p>
+          <a:p>
+            <a:r>
+              <a:rPr lang="en-US" dirty="0"/>
+              <a:t>New Suit: 2</a:t>
+            </a:r>
+            <a:r>
+              <a:rPr lang="en-US" baseline="30000" dirty="0"/>
+              <a:t>nd</a:t>
+            </a:r>
+            <a:r>
+              <a:rPr lang="en-US" dirty="0"/>
+              <a:t> best suit</a:t>
+            </a:r>
+          </a:p>
+          <a:p>
+            <a:r>
+              <a:rPr lang="en-US" dirty="0"/>
+              <a:t>Opener bid higher suit first</a:t>
+            </a:r>
+          </a:p>
+          <a:p>
+            <a:pPr lvl="1"/>
+            <a:r>
+              <a:rPr lang="en-US" dirty="0"/>
+              <a:t>Reverse: partner need to choose at 3 level</a:t>
+            </a:r>
+          </a:p>
+          <a:p>
+            <a:r>
+              <a:rPr lang="en-US" dirty="0"/>
+              <a:t>Responder “climb the ladder”</a:t>
+            </a:r>
+          </a:p>
+          <a:p>
+            <a:r>
+              <a:rPr lang="en-US" dirty="0"/>
+              <a:t>Weak: retreat to same suit or NT</a:t>
+            </a:r>
+          </a:p>
+          <a:p>
+            <a:r>
+              <a:rPr lang="en-US" dirty="0"/>
+              <a:t>Once trump agreed</a:t>
+            </a:r>
+          </a:p>
+          <a:p>
+            <a:pPr lvl="1"/>
+            <a:r>
+              <a:rPr lang="en-US" dirty="0"/>
+              <a:t>New suits are about control</a:t>
+            </a:r>
           </a:p>
         </p:txBody>
       </p:sp>
-      <p:graphicFrame>
-        <p:nvGraphicFramePr>
-          <p:cNvPr id="4" name="Table 3">
-            <a:extLst>
-              <a:ext uri="{FF2B5EF4-FFF2-40B4-BE49-F238E27FC236}">
-                <a16:creationId xmlns:a16="http://schemas.microsoft.com/office/drawing/2014/main" id="{6189F6A5-ECBE-9A5E-0DC8-9157E65BE2DE}"/>
-              </a:ext>
-            </a:extLst>
-          </p:cNvPr>
-          <p:cNvGraphicFramePr>
-            <a:graphicFrameLocks noGrp="1"/>
-          </p:cNvGraphicFramePr>
-          <p:nvPr>
-            <p:extLst>
-              <p:ext uri="{D42A27DB-BD31-4B8C-83A1-F6EECF244321}">
-                <p14:modId xmlns:p14="http://schemas.microsoft.com/office/powerpoint/2010/main" val="179352534"/>
-              </p:ext>
-            </p:extLst>
-          </p:nvPr>
-        </p:nvGraphicFramePr>
-        <p:xfrm>
-          <a:off x="2889250" y="3705752"/>
-          <a:ext cx="5383213" cy="2225040"/>
-        </p:xfrm>
-        <a:graphic>
-          <a:graphicData uri="http://schemas.openxmlformats.org/drawingml/2006/table">
-            <a:tbl>
-              <a:tblPr firstRow="1" bandRow="1">
-                <a:tableStyleId>{5C22544A-7EE6-4342-B048-85BDC9FD1C3A}</a:tableStyleId>
-              </a:tblPr>
-              <a:tblGrid>
-                <a:gridCol w="2574101">
-                  <a:extLst>
-                    <a:ext uri="{9D8B030D-6E8A-4147-A177-3AD203B41FA5}">
-                      <a16:colId xmlns:a16="http://schemas.microsoft.com/office/drawing/2014/main" val="1597434591"/>
-                    </a:ext>
-                  </a:extLst>
-                </a:gridCol>
-                <a:gridCol w="2809112">
-                  <a:extLst>
-                    <a:ext uri="{9D8B030D-6E8A-4147-A177-3AD203B41FA5}">
-                      <a16:colId xmlns:a16="http://schemas.microsoft.com/office/drawing/2014/main" val="1652212928"/>
-                    </a:ext>
-                  </a:extLst>
-                </a:gridCol>
-              </a:tblGrid>
-              <a:tr h="370840">
-                <a:tc>
-                  <a:txBody>
-                    <a:bodyPr/>
-                    <a:lstStyle/>
-                    <a:p>
-                      <a:r>
-                        <a:rPr lang="en-US" dirty="0"/>
-                        <a:t>Combined HCP/DP</a:t>
-                      </a:r>
-                    </a:p>
-                  </a:txBody>
-                  <a:tcPr/>
-                </a:tc>
-                <a:tc>
-                  <a:txBody>
-                    <a:bodyPr/>
-                    <a:lstStyle/>
-                    <a:p>
-                      <a:r>
-                        <a:rPr lang="en-US" dirty="0"/>
-                        <a:t>65% chance to make...</a:t>
-                      </a:r>
-                    </a:p>
-                  </a:txBody>
-                  <a:tcPr/>
-                </a:tc>
-                <a:extLst>
-                  <a:ext uri="{0D108BD9-81ED-4DB2-BD59-A6C34878D82A}">
-                    <a16:rowId xmlns:a16="http://schemas.microsoft.com/office/drawing/2014/main" val="3177569653"/>
-                  </a:ext>
-                </a:extLst>
-              </a:tr>
-              <a:tr h="370840">
-                <a:tc>
-                  <a:txBody>
-                    <a:bodyPr/>
-                    <a:lstStyle/>
-                    <a:p>
-                      <a:pPr algn="ctr"/>
-                      <a:r>
-                        <a:rPr lang="en-US" dirty="0"/>
-                        <a:t>25</a:t>
-                      </a:r>
-                    </a:p>
-                  </a:txBody>
-                  <a:tcPr/>
-                </a:tc>
-                <a:tc>
-                  <a:txBody>
-                    <a:bodyPr/>
-                    <a:lstStyle/>
-                    <a:p>
-                      <a:pPr algn="ctr"/>
-                      <a:r>
-                        <a:rPr lang="en-US" dirty="0"/>
-                        <a:t>3</a:t>
-                      </a:r>
-                    </a:p>
-                  </a:txBody>
-                  <a:tcPr/>
-                </a:tc>
-                <a:extLst>
-                  <a:ext uri="{0D108BD9-81ED-4DB2-BD59-A6C34878D82A}">
-                    <a16:rowId xmlns:a16="http://schemas.microsoft.com/office/drawing/2014/main" val="3897348464"/>
-                  </a:ext>
-                </a:extLst>
-              </a:tr>
-              <a:tr h="370840">
-                <a:tc>
-                  <a:txBody>
-                    <a:bodyPr/>
-                    <a:lstStyle/>
-                    <a:p>
-                      <a:pPr algn="ctr"/>
-                      <a:r>
-                        <a:rPr lang="en-US" dirty="0"/>
-                        <a:t>27</a:t>
-                      </a:r>
-                    </a:p>
-                  </a:txBody>
-                  <a:tcPr/>
-                </a:tc>
-                <a:tc>
-                  <a:txBody>
-                    <a:bodyPr/>
-                    <a:lstStyle/>
-                    <a:p>
-                      <a:pPr algn="ctr"/>
-                      <a:r>
-                        <a:rPr lang="en-US" dirty="0"/>
-                        <a:t>4</a:t>
-                      </a:r>
-                    </a:p>
-                  </a:txBody>
-                  <a:tcPr/>
-                </a:tc>
-                <a:extLst>
-                  <a:ext uri="{0D108BD9-81ED-4DB2-BD59-A6C34878D82A}">
-                    <a16:rowId xmlns:a16="http://schemas.microsoft.com/office/drawing/2014/main" val="2035276624"/>
-                  </a:ext>
-                </a:extLst>
-              </a:tr>
-              <a:tr h="370840">
-                <a:tc>
-                  <a:txBody>
-                    <a:bodyPr/>
-                    <a:lstStyle/>
-                    <a:p>
-                      <a:pPr algn="ctr"/>
-                      <a:r>
-                        <a:rPr lang="en-US" dirty="0"/>
-                        <a:t>29</a:t>
-                      </a:r>
-                    </a:p>
-                  </a:txBody>
-                  <a:tcPr/>
-                </a:tc>
-                <a:tc>
-                  <a:txBody>
-                    <a:bodyPr/>
-                    <a:lstStyle/>
-                    <a:p>
-                      <a:pPr algn="ctr"/>
-                      <a:r>
-                        <a:rPr lang="en-US" dirty="0"/>
-                        <a:t>5</a:t>
-                      </a:r>
-                    </a:p>
-                  </a:txBody>
-                  <a:tcPr/>
-                </a:tc>
-                <a:extLst>
-                  <a:ext uri="{0D108BD9-81ED-4DB2-BD59-A6C34878D82A}">
-                    <a16:rowId xmlns:a16="http://schemas.microsoft.com/office/drawing/2014/main" val="753183109"/>
-                  </a:ext>
-                </a:extLst>
-              </a:tr>
-              <a:tr h="370840">
-                <a:tc>
-                  <a:txBody>
-                    <a:bodyPr/>
-                    <a:lstStyle/>
-                    <a:p>
-                      <a:pPr algn="ctr"/>
-                      <a:r>
-                        <a:rPr lang="en-US" dirty="0"/>
-                        <a:t>33</a:t>
-                      </a:r>
-                    </a:p>
-                  </a:txBody>
-                  <a:tcPr/>
-                </a:tc>
-                <a:tc>
-                  <a:txBody>
-                    <a:bodyPr/>
-                    <a:lstStyle/>
-                    <a:p>
-                      <a:pPr algn="ctr"/>
-                      <a:r>
-                        <a:rPr lang="en-US" dirty="0"/>
-                        <a:t>6</a:t>
-                      </a:r>
-                    </a:p>
-                  </a:txBody>
-                  <a:tcPr/>
-                </a:tc>
-                <a:extLst>
-                  <a:ext uri="{0D108BD9-81ED-4DB2-BD59-A6C34878D82A}">
-                    <a16:rowId xmlns:a16="http://schemas.microsoft.com/office/drawing/2014/main" val="2694302911"/>
-                  </a:ext>
-                </a:extLst>
-              </a:tr>
-              <a:tr h="370840">
-                <a:tc>
-                  <a:txBody>
-                    <a:bodyPr/>
-                    <a:lstStyle/>
-                    <a:p>
-                      <a:pPr algn="ctr"/>
-                      <a:r>
-                        <a:rPr lang="en-US" dirty="0"/>
-                        <a:t>37</a:t>
-                      </a:r>
-                    </a:p>
-                  </a:txBody>
-                  <a:tcPr/>
-                </a:tc>
-                <a:tc>
-                  <a:txBody>
-                    <a:bodyPr/>
-                    <a:lstStyle/>
-                    <a:p>
-                      <a:pPr algn="ctr"/>
-                      <a:r>
-                        <a:rPr lang="en-US" dirty="0"/>
-                        <a:t>7</a:t>
-                      </a:r>
-                    </a:p>
-                  </a:txBody>
-                  <a:tcPr/>
-                </a:tc>
-                <a:extLst>
-                  <a:ext uri="{0D108BD9-81ED-4DB2-BD59-A6C34878D82A}">
-                    <a16:rowId xmlns:a16="http://schemas.microsoft.com/office/drawing/2014/main" val="1633947562"/>
-                  </a:ext>
-                </a:extLst>
-              </a:tr>
-            </a:tbl>
-          </a:graphicData>
-        </a:graphic>
-      </p:graphicFrame>
     </p:spTree>
     <p:extLst>
       <p:ext uri="{BB962C8B-B14F-4D97-AF65-F5344CB8AC3E}">
-        <p14:creationId xmlns:p14="http://schemas.microsoft.com/office/powerpoint/2010/main" val="2415366167"/>
+        <p14:creationId xmlns:p14="http://schemas.microsoft.com/office/powerpoint/2010/main" val="3446700826"/>
       </p:ext>
     </p:extLst>
   </p:cSld>
@@ -5332,7 +6286,7 @@
           <p:cNvPr id="2" name="Title 1">
             <a:extLst>
               <a:ext uri="{FF2B5EF4-FFF2-40B4-BE49-F238E27FC236}">
-                <a16:creationId xmlns:a16="http://schemas.microsoft.com/office/drawing/2014/main" id="{4CE83DD4-D5DF-8D7D-46A3-D39A42EA52B3}"/>
+                <a16:creationId xmlns:a16="http://schemas.microsoft.com/office/drawing/2014/main" id="{C29D4DC7-758E-FDEF-C982-11858125400A}"/>
               </a:ext>
             </a:extLst>
           </p:cNvPr>
@@ -5350,7 +6304,7 @@
           <a:p>
             <a:r>
               <a:rPr lang="en-US" dirty="0"/>
-              <a:t>The Bidding Algorithm</a:t>
+              <a:t>SAYC (Standard American Yellow Card)</a:t>
             </a:r>
           </a:p>
         </p:txBody>
@@ -5360,7 +6314,7 @@
           <p:cNvPr id="3" name="Content Placeholder 2">
             <a:extLst>
               <a:ext uri="{FF2B5EF4-FFF2-40B4-BE49-F238E27FC236}">
-                <a16:creationId xmlns:a16="http://schemas.microsoft.com/office/drawing/2014/main" id="{CBD75E3B-21A7-F2B1-5032-DC0FA9D0A432}"/>
+                <a16:creationId xmlns:a16="http://schemas.microsoft.com/office/drawing/2014/main" id="{851E6554-924F-1073-5B06-AF899464DF85}"/>
               </a:ext>
             </a:extLst>
           </p:cNvPr>
@@ -5373,7 +6327,9 @@
         </p:nvSpPr>
         <p:spPr/>
         <p:txBody>
-          <a:bodyPr/>
+          <a:bodyPr>
+            <a:normAutofit/>
+          </a:bodyPr>
           <a:lstStyle/>
           <a:p>
             <a:pPr marL="514350" indent="-514350">
@@ -5382,8 +6338,13 @@
             </a:pPr>
             <a:r>
               <a:rPr lang="en-US" dirty="0"/>
-              <a:t>Attempt to find an 8-card major match first</a:t>
-            </a:r>
+              <a:t>Strong 2C: 22+ HCP </a:t>
+            </a:r>
+            <a:r>
+              <a:rPr lang="en-US"/>
+              <a:t>(artificial)</a:t>
+            </a:r>
+            <a:endParaRPr lang="en-US" dirty="0"/>
           </a:p>
           <a:p>
             <a:pPr marL="514350" indent="-514350">
@@ -5392,7 +6353,7 @@
             </a:pPr>
             <a:r>
               <a:rPr lang="en-US" dirty="0"/>
-              <a:t>If not, seek 3NT, even maybe minor suit match</a:t>
+              <a:t>Major Opening: 5+ cards, 12+ HCP</a:t>
             </a:r>
           </a:p>
           <a:p>
@@ -5402,14 +6363,14 @@
             </a:pPr>
             <a:r>
               <a:rPr lang="en-US" dirty="0"/>
-              <a:t>If not achievable, see if a minor game is achievable</a:t>
+              <a:t>Strong NT: Balanced hand</a:t>
             </a:r>
           </a:p>
           <a:p>
             <a:pPr lvl="1"/>
             <a:r>
               <a:rPr lang="en-US" dirty="0"/>
-              <a:t>If so, how about slam?  Just 1 more trick.</a:t>
+              <a:t>HCP: 15~17, 20~21, 25~27</a:t>
             </a:r>
           </a:p>
           <a:p>
@@ -5419,7 +6380,14 @@
             </a:pPr>
             <a:r>
               <a:rPr lang="en-US" dirty="0"/>
-              <a:t>Is a slam achievable?  Should we try for it?</a:t>
+              <a:t>Minor Opening (many variation), 12+ HCP</a:t>
+            </a:r>
+          </a:p>
+          <a:p>
+            <a:pPr lvl="1"/>
+            <a:r>
+              <a:rPr lang="en-US" dirty="0"/>
+              <a:t>Guarantee 3 cards</a:t>
             </a:r>
           </a:p>
           <a:p>
@@ -5429,7 +6397,14 @@
             </a:pPr>
             <a:r>
               <a:rPr lang="en-US" dirty="0"/>
-              <a:t>Guess we will settle for a partial contract then.</a:t>
+              <a:t>Preemptive openings 8~11 HCP</a:t>
+            </a:r>
+          </a:p>
+          <a:p>
+            <a:pPr lvl="1"/>
+            <a:r>
+              <a:rPr lang="en-US" dirty="0"/>
+              <a:t>6 or more cards. Prefer two of Ace, King, or Queen</a:t>
             </a:r>
           </a:p>
         </p:txBody>
@@ -5437,7 +6412,7 @@
     </p:spTree>
     <p:extLst>
       <p:ext uri="{BB962C8B-B14F-4D97-AF65-F5344CB8AC3E}">
-        <p14:creationId xmlns:p14="http://schemas.microsoft.com/office/powerpoint/2010/main" val="1384371378"/>
+        <p14:creationId xmlns:p14="http://schemas.microsoft.com/office/powerpoint/2010/main" val="2625422845"/>
       </p:ext>
     </p:extLst>
   </p:cSld>
@@ -5469,7 +6444,7 @@
           <p:cNvPr id="2" name="Title 1">
             <a:extLst>
               <a:ext uri="{FF2B5EF4-FFF2-40B4-BE49-F238E27FC236}">
-                <a16:creationId xmlns:a16="http://schemas.microsoft.com/office/drawing/2014/main" id="{C29D4DC7-758E-FDEF-C982-11858125400A}"/>
+                <a16:creationId xmlns:a16="http://schemas.microsoft.com/office/drawing/2014/main" id="{9E1017D9-B717-367E-5E8B-FB695D9F44E7}"/>
               </a:ext>
             </a:extLst>
           </p:cNvPr>
@@ -5487,7 +6462,7 @@
           <a:p>
             <a:r>
               <a:rPr lang="en-US" dirty="0"/>
-              <a:t>SAYC (Standard American Yellow Card)</a:t>
+              <a:t>Partials win or lose a tournament</a:t>
             </a:r>
           </a:p>
         </p:txBody>
@@ -5497,7 +6472,7 @@
           <p:cNvPr id="3" name="Content Placeholder 2">
             <a:extLst>
               <a:ext uri="{FF2B5EF4-FFF2-40B4-BE49-F238E27FC236}">
-                <a16:creationId xmlns:a16="http://schemas.microsoft.com/office/drawing/2014/main" id="{851E6554-924F-1073-5B06-AF899464DF85}"/>
+                <a16:creationId xmlns:a16="http://schemas.microsoft.com/office/drawing/2014/main" id="{77C94C3A-F925-EE19-9AE5-DF09AEA474EB}"/>
               </a:ext>
             </a:extLst>
           </p:cNvPr>
@@ -5508,91 +6483,73 @@
             <p:ph idx="1"/>
           </p:nvPr>
         </p:nvSpPr>
-        <p:spPr/>
+        <p:spPr>
+          <a:xfrm>
+            <a:off x="838200" y="1825625"/>
+            <a:ext cx="9275618" cy="4351338"/>
+          </a:xfrm>
+        </p:spPr>
         <p:txBody>
-          <a:bodyPr>
-            <a:normAutofit/>
-          </a:bodyPr>
+          <a:bodyPr/>
           <a:lstStyle/>
           <a:p>
             <a:r>
               <a:rPr lang="en-US" dirty="0"/>
-              <a:t>There are many variations, generally:</a:t>
+              <a:t>Be aggressive in competitive bidding</a:t>
             </a:r>
           </a:p>
           <a:p>
             <a:pPr lvl="1"/>
             <a:r>
               <a:rPr lang="en-US" dirty="0"/>
-              <a:t>Strong 2C: 22+ HCP</a:t>
+              <a:t>At least to disturb their flow</a:t>
             </a:r>
           </a:p>
           <a:p>
             <a:pPr lvl="1"/>
             <a:r>
               <a:rPr lang="en-US" dirty="0"/>
-              <a:t>5-card Major, 12+ HCP</a:t>
-            </a:r>
-          </a:p>
-          <a:p>
-            <a:pPr lvl="2"/>
-            <a:r>
-              <a:rPr lang="en-US" dirty="0"/>
-              <a:t>Jacoby 2NT, Limited Raise</a:t>
+              <a:t>Always consider the consequence of getting doubled</a:t>
+            </a:r>
+          </a:p>
+          <a:p>
+            <a:r>
+              <a:rPr lang="en-US" dirty="0"/>
+              <a:t>To bid or not to bid...</a:t>
             </a:r>
           </a:p>
           <a:p>
             <a:pPr lvl="1"/>
             <a:r>
               <a:rPr lang="en-US" dirty="0"/>
-              <a:t>Strong NT</a:t>
-            </a:r>
-          </a:p>
-          <a:p>
-            <a:pPr lvl="2"/>
-            <a:r>
-              <a:rPr lang="en-US" dirty="0"/>
-              <a:t>Balanced hand</a:t>
-            </a:r>
-          </a:p>
-          <a:p>
-            <a:pPr lvl="2"/>
-            <a:r>
-              <a:rPr lang="en-US" dirty="0"/>
-              <a:t>HCP: 15~17, 20~21, 25~27</a:t>
+              <a:t>Bid a contract that we can score positively</a:t>
             </a:r>
           </a:p>
           <a:p>
             <a:pPr lvl="1"/>
             <a:r>
               <a:rPr lang="en-US" dirty="0"/>
-              <a:t>Better minor (many variation), 12+ HCP</a:t>
-            </a:r>
-          </a:p>
-          <a:p>
-            <a:pPr lvl="2"/>
-            <a:r>
-              <a:rPr lang="en-US" dirty="0"/>
-              <a:t>Guarantee 3 cards</a:t>
+              <a:t>Sacrifice by bidding a contract to score least negatively</a:t>
             </a:r>
           </a:p>
           <a:p>
             <a:pPr lvl="1"/>
             <a:r>
               <a:rPr lang="en-US" dirty="0"/>
-              <a:t>Preemptive </a:t>
-            </a:r>
-            <a:r>
-              <a:rPr lang="en-US"/>
-              <a:t>openings 8~11 HCP</a:t>
-            </a:r>
-            <a:endParaRPr lang="en-US" dirty="0"/>
-          </a:p>
-          <a:p>
-            <a:pPr lvl="2"/>
-            <a:r>
-              <a:rPr lang="en-US" dirty="0"/>
-              <a:t>6 or more cards, less than opening strength</a:t>
+              <a:t>Letting opponents play a contract for optimal score for us</a:t>
+            </a:r>
+          </a:p>
+          <a:p>
+            <a:pPr lvl="1"/>
+            <a:r>
+              <a:rPr lang="en-US" dirty="0"/>
+              <a:t>Doubling the stake</a:t>
+            </a:r>
+          </a:p>
+          <a:p>
+            <a:r>
+              <a:rPr lang="en-US" dirty="0"/>
+              <a:t>Consider vulnerability and likelihood of we/they making/failing the contract</a:t>
             </a:r>
           </a:p>
         </p:txBody>
@@ -5600,7 +6557,7 @@
     </p:spTree>
     <p:extLst>
       <p:ext uri="{BB962C8B-B14F-4D97-AF65-F5344CB8AC3E}">
-        <p14:creationId xmlns:p14="http://schemas.microsoft.com/office/powerpoint/2010/main" val="2625422845"/>
+        <p14:creationId xmlns:p14="http://schemas.microsoft.com/office/powerpoint/2010/main" val="2925726469"/>
       </p:ext>
     </p:extLst>
   </p:cSld>
@@ -5766,7 +6723,7 @@
           <p:cNvPr id="2" name="Title 1">
             <a:extLst>
               <a:ext uri="{FF2B5EF4-FFF2-40B4-BE49-F238E27FC236}">
-                <a16:creationId xmlns:a16="http://schemas.microsoft.com/office/drawing/2014/main" id="{9E1017D9-B717-367E-5E8B-FB695D9F44E7}"/>
+                <a16:creationId xmlns:a16="http://schemas.microsoft.com/office/drawing/2014/main" id="{B2514F8E-5416-2AD7-5D14-239626BBB4DB}"/>
               </a:ext>
             </a:extLst>
           </p:cNvPr>
@@ -5784,7 +6741,7 @@
           <a:p>
             <a:r>
               <a:rPr lang="en-US" dirty="0"/>
-              <a:t>Obtain the Optimal Contract</a:t>
+              <a:t>Really Basic Stuffs</a:t>
             </a:r>
           </a:p>
         </p:txBody>
@@ -5794,7 +6751,7 @@
           <p:cNvPr id="3" name="Content Placeholder 2">
             <a:extLst>
               <a:ext uri="{FF2B5EF4-FFF2-40B4-BE49-F238E27FC236}">
-                <a16:creationId xmlns:a16="http://schemas.microsoft.com/office/drawing/2014/main" id="{77C94C3A-F925-EE19-9AE5-DF09AEA474EB}"/>
+                <a16:creationId xmlns:a16="http://schemas.microsoft.com/office/drawing/2014/main" id="{770344AB-58D6-3C1E-5712-70281C352980}"/>
               </a:ext>
             </a:extLst>
           </p:cNvPr>
@@ -5812,21 +6769,59 @@
           <a:p>
             <a:r>
               <a:rPr lang="en-US" dirty="0"/>
-              <a:t>Maximal “points” with minimal risks</a:t>
+              <a:t>Bidding box, board, deck, traveler</a:t>
+            </a:r>
+          </a:p>
+          <a:p>
+            <a:r>
+              <a:rPr lang="en-US" dirty="0"/>
+              <a:t>Suits and ranking</a:t>
+            </a:r>
+          </a:p>
+          <a:p>
+            <a:r>
+              <a:rPr lang="en-US" dirty="0"/>
+              <a:t>Auction</a:t>
             </a:r>
           </a:p>
           <a:p>
             <a:pPr lvl="1"/>
             <a:r>
               <a:rPr lang="en-US" dirty="0"/>
-              <a:t>Maximal points can be either the highest positive or the smallest (closest to zero) negative value.</a:t>
+              <a:t>Bid and call</a:t>
             </a:r>
           </a:p>
           <a:p>
             <a:pPr lvl="1"/>
             <a:r>
               <a:rPr lang="en-US" dirty="0"/>
-              <a:t>Risk = lowest level for the same points for the same outcome</a:t>
+              <a:t>Dealer, Declarer, Dummy, Defenders</a:t>
+            </a:r>
+          </a:p>
+          <a:p>
+            <a:r>
+              <a:rPr lang="en-US" dirty="0"/>
+              <a:t>Tricks and leads</a:t>
+            </a:r>
+          </a:p>
+          <a:p>
+            <a:pPr lvl="1"/>
+            <a:r>
+              <a:rPr lang="en-US" dirty="0"/>
+              <a:t>Open Lead</a:t>
+            </a:r>
+          </a:p>
+          <a:p>
+            <a:pPr lvl="1"/>
+            <a:r>
+              <a:rPr lang="en-US" dirty="0"/>
+              <a:t>Dummy’s works</a:t>
+            </a:r>
+          </a:p>
+          <a:p>
+            <a:r>
+              <a:rPr lang="en-US" dirty="0"/>
+              <a:t>Score and movement</a:t>
             </a:r>
           </a:p>
         </p:txBody>
@@ -5834,7 +6829,7 @@
     </p:spTree>
     <p:extLst>
       <p:ext uri="{BB962C8B-B14F-4D97-AF65-F5344CB8AC3E}">
-        <p14:creationId xmlns:p14="http://schemas.microsoft.com/office/powerpoint/2010/main" val="2925726469"/>
+        <p14:creationId xmlns:p14="http://schemas.microsoft.com/office/powerpoint/2010/main" val="312936600"/>
       </p:ext>
     </p:extLst>
   </p:cSld>
@@ -5866,7 +6861,7 @@
           <p:cNvPr id="2" name="Title 1">
             <a:extLst>
               <a:ext uri="{FF2B5EF4-FFF2-40B4-BE49-F238E27FC236}">
-                <a16:creationId xmlns:a16="http://schemas.microsoft.com/office/drawing/2014/main" id="{1E4D132E-4717-E99D-7285-04B6AACE1D81}"/>
+                <a16:creationId xmlns:a16="http://schemas.microsoft.com/office/drawing/2014/main" id="{8121CBBA-3194-56A2-2B48-E0C6959EA820}"/>
               </a:ext>
             </a:extLst>
           </p:cNvPr>
@@ -5884,7 +6879,663 @@
           <a:p>
             <a:r>
               <a:rPr lang="en-US" dirty="0"/>
-              <a:t>Contract Scores</a:t>
+              <a:t>HCP, DP, and TP</a:t>
+            </a:r>
+          </a:p>
+        </p:txBody>
+      </p:sp>
+      <p:sp>
+        <p:nvSpPr>
+          <p:cNvPr id="3" name="Content Placeholder 2">
+            <a:extLst>
+              <a:ext uri="{FF2B5EF4-FFF2-40B4-BE49-F238E27FC236}">
+                <a16:creationId xmlns:a16="http://schemas.microsoft.com/office/drawing/2014/main" id="{6A52E8E1-DF35-E908-4F19-BB3269BC198A}"/>
+              </a:ext>
+            </a:extLst>
+          </p:cNvPr>
+          <p:cNvSpPr>
+            <a:spLocks noGrp="1"/>
+          </p:cNvSpPr>
+          <p:nvPr>
+            <p:ph idx="1"/>
+          </p:nvPr>
+        </p:nvSpPr>
+        <p:spPr/>
+        <p:txBody>
+          <a:bodyPr/>
+          <a:lstStyle/>
+          <a:p>
+            <a:r>
+              <a:rPr lang="en-US" dirty="0"/>
+              <a:t>High Card Points: Strength</a:t>
+            </a:r>
+          </a:p>
+          <a:p>
+            <a:pPr lvl="1"/>
+            <a:r>
+              <a:rPr lang="en-US" dirty="0"/>
+              <a:t>Ace = 4, King = 3, Queen = 2, Jack = 1</a:t>
+            </a:r>
+          </a:p>
+          <a:p>
+            <a:r>
+              <a:rPr lang="en-US" dirty="0"/>
+              <a:t>Distribution Points: Shape</a:t>
+            </a:r>
+          </a:p>
+          <a:p>
+            <a:pPr lvl="1"/>
+            <a:r>
+              <a:rPr lang="en-US" dirty="0"/>
+              <a:t>Void = 5, Singleton = 3, Doubleton = 1</a:t>
+            </a:r>
+          </a:p>
+          <a:p>
+            <a:pPr lvl="1"/>
+            <a:r>
+              <a:rPr lang="en-US" dirty="0"/>
+              <a:t>1 Point for each of the 5</a:t>
+            </a:r>
+            <a:r>
+              <a:rPr lang="en-US" baseline="30000" dirty="0"/>
+              <a:t>th</a:t>
+            </a:r>
+            <a:r>
+              <a:rPr lang="en-US" dirty="0"/>
+              <a:t>, 6</a:t>
+            </a:r>
+            <a:r>
+              <a:rPr lang="en-US" baseline="30000" dirty="0"/>
+              <a:t>th</a:t>
+            </a:r>
+            <a:r>
+              <a:rPr lang="en-US" dirty="0"/>
+              <a:t>, ..., card</a:t>
+            </a:r>
+          </a:p>
+          <a:p>
+            <a:r>
+              <a:rPr lang="en-US" dirty="0"/>
+              <a:t>Total Points = HCP + DP</a:t>
+            </a:r>
+          </a:p>
+        </p:txBody>
+      </p:sp>
+    </p:spTree>
+    <p:extLst>
+      <p:ext uri="{BB962C8B-B14F-4D97-AF65-F5344CB8AC3E}">
+        <p14:creationId xmlns:p14="http://schemas.microsoft.com/office/powerpoint/2010/main" val="1600599437"/>
+      </p:ext>
+    </p:extLst>
+  </p:cSld>
+  <p:clrMapOvr>
+    <a:masterClrMapping/>
+  </p:clrMapOvr>
+</p:sld>
+</file>
+
+<file path=ppt/slides/slide5.xml><?xml version="1.0" encoding="utf-8"?>
+<p:sld xmlns:a="http://schemas.openxmlformats.org/drawingml/2006/main" xmlns:r="http://schemas.openxmlformats.org/officeDocument/2006/relationships" xmlns:p="http://schemas.openxmlformats.org/presentationml/2006/main">
+  <p:cSld>
+    <p:spTree>
+      <p:nvGrpSpPr>
+        <p:cNvPr id="1" name=""/>
+        <p:cNvGrpSpPr/>
+        <p:nvPr/>
+      </p:nvGrpSpPr>
+      <p:grpSpPr>
+        <a:xfrm>
+          <a:off x="0" y="0"/>
+          <a:ext cx="0" cy="0"/>
+          <a:chOff x="0" y="0"/>
+          <a:chExt cx="0" cy="0"/>
+        </a:xfrm>
+      </p:grpSpPr>
+      <p:sp>
+        <p:nvSpPr>
+          <p:cNvPr id="2" name="Title 1">
+            <a:extLst>
+              <a:ext uri="{FF2B5EF4-FFF2-40B4-BE49-F238E27FC236}">
+                <a16:creationId xmlns:a16="http://schemas.microsoft.com/office/drawing/2014/main" id="{68546065-CAF9-A18C-CCC5-633751220D61}"/>
+              </a:ext>
+            </a:extLst>
+          </p:cNvPr>
+          <p:cNvSpPr>
+            <a:spLocks noGrp="1"/>
+          </p:cNvSpPr>
+          <p:nvPr>
+            <p:ph type="title"/>
+          </p:nvPr>
+        </p:nvSpPr>
+        <p:spPr/>
+        <p:txBody>
+          <a:bodyPr/>
+          <a:lstStyle/>
+          <a:p>
+            <a:r>
+              <a:rPr lang="en-US" dirty="0"/>
+              <a:t>Prioritized Objectives</a:t>
+            </a:r>
+          </a:p>
+        </p:txBody>
+      </p:sp>
+      <p:sp>
+        <p:nvSpPr>
+          <p:cNvPr id="3" name="Content Placeholder 2">
+            <a:extLst>
+              <a:ext uri="{FF2B5EF4-FFF2-40B4-BE49-F238E27FC236}">
+                <a16:creationId xmlns:a16="http://schemas.microsoft.com/office/drawing/2014/main" id="{FAAEC57D-35DB-E53C-9AFA-32A90A339277}"/>
+              </a:ext>
+            </a:extLst>
+          </p:cNvPr>
+          <p:cNvSpPr>
+            <a:spLocks noGrp="1"/>
+          </p:cNvSpPr>
+          <p:nvPr>
+            <p:ph idx="1"/>
+          </p:nvPr>
+        </p:nvSpPr>
+        <p:spPr/>
+        <p:txBody>
+          <a:bodyPr/>
+          <a:lstStyle/>
+          <a:p>
+            <a:r>
+              <a:rPr lang="en-US" dirty="0"/>
+              <a:t>Always seek 4S/4H first, then 3NT, last 5D/5C</a:t>
+            </a:r>
+          </a:p>
+          <a:p>
+            <a:pPr lvl="1"/>
+            <a:r>
+              <a:rPr lang="en-US" dirty="0"/>
+              <a:t>Keep an eye for slam possibilities (12 or 13 tricks)</a:t>
+            </a:r>
+          </a:p>
+          <a:p>
+            <a:r>
+              <a:rPr lang="en-US" dirty="0"/>
+              <a:t>Then a partial contract with no strong trump preference</a:t>
+            </a:r>
+          </a:p>
+          <a:p>
+            <a:r>
+              <a:rPr lang="en-US" dirty="0"/>
+              <a:t>Points needed to make the contract</a:t>
+            </a:r>
+          </a:p>
+        </p:txBody>
+      </p:sp>
+      <p:graphicFrame>
+        <p:nvGraphicFramePr>
+          <p:cNvPr id="4" name="Table 3">
+            <a:extLst>
+              <a:ext uri="{FF2B5EF4-FFF2-40B4-BE49-F238E27FC236}">
+                <a16:creationId xmlns:a16="http://schemas.microsoft.com/office/drawing/2014/main" id="{6189F6A5-ECBE-9A5E-0DC8-9157E65BE2DE}"/>
+              </a:ext>
+            </a:extLst>
+          </p:cNvPr>
+          <p:cNvGraphicFramePr>
+            <a:graphicFrameLocks noGrp="1"/>
+          </p:cNvGraphicFramePr>
+          <p:nvPr>
+            <p:extLst>
+              <p:ext uri="{D42A27DB-BD31-4B8C-83A1-F6EECF244321}">
+                <p14:modId xmlns:p14="http://schemas.microsoft.com/office/powerpoint/2010/main" val="3526725985"/>
+              </p:ext>
+            </p:extLst>
+          </p:nvPr>
+        </p:nvGraphicFramePr>
+        <p:xfrm>
+          <a:off x="2750705" y="3951923"/>
+          <a:ext cx="5383213" cy="2225040"/>
+        </p:xfrm>
+        <a:graphic>
+          <a:graphicData uri="http://schemas.openxmlformats.org/drawingml/2006/table">
+            <a:tbl>
+              <a:tblPr firstRow="1" bandRow="1">
+                <a:tableStyleId>{5C22544A-7EE6-4342-B048-85BDC9FD1C3A}</a:tableStyleId>
+              </a:tblPr>
+              <a:tblGrid>
+                <a:gridCol w="2574101">
+                  <a:extLst>
+                    <a:ext uri="{9D8B030D-6E8A-4147-A177-3AD203B41FA5}">
+                      <a16:colId xmlns:a16="http://schemas.microsoft.com/office/drawing/2014/main" val="1597434591"/>
+                    </a:ext>
+                  </a:extLst>
+                </a:gridCol>
+                <a:gridCol w="2809112">
+                  <a:extLst>
+                    <a:ext uri="{9D8B030D-6E8A-4147-A177-3AD203B41FA5}">
+                      <a16:colId xmlns:a16="http://schemas.microsoft.com/office/drawing/2014/main" val="1652212928"/>
+                    </a:ext>
+                  </a:extLst>
+                </a:gridCol>
+              </a:tblGrid>
+              <a:tr h="370840">
+                <a:tc>
+                  <a:txBody>
+                    <a:bodyPr/>
+                    <a:lstStyle/>
+                    <a:p>
+                      <a:r>
+                        <a:rPr lang="en-US" dirty="0"/>
+                        <a:t>Combined HCP/DP</a:t>
+                      </a:r>
+                    </a:p>
+                  </a:txBody>
+                  <a:tcPr/>
+                </a:tc>
+                <a:tc>
+                  <a:txBody>
+                    <a:bodyPr/>
+                    <a:lstStyle/>
+                    <a:p>
+                      <a:r>
+                        <a:rPr lang="en-US" dirty="0"/>
+                        <a:t>Likely to achieve level</a:t>
+                      </a:r>
+                    </a:p>
+                  </a:txBody>
+                  <a:tcPr/>
+                </a:tc>
+                <a:extLst>
+                  <a:ext uri="{0D108BD9-81ED-4DB2-BD59-A6C34878D82A}">
+                    <a16:rowId xmlns:a16="http://schemas.microsoft.com/office/drawing/2014/main" val="3177569653"/>
+                  </a:ext>
+                </a:extLst>
+              </a:tr>
+              <a:tr h="370840">
+                <a:tc>
+                  <a:txBody>
+                    <a:bodyPr/>
+                    <a:lstStyle/>
+                    <a:p>
+                      <a:pPr algn="ctr"/>
+                      <a:r>
+                        <a:rPr lang="en-US" dirty="0"/>
+                        <a:t>25</a:t>
+                      </a:r>
+                    </a:p>
+                  </a:txBody>
+                  <a:tcPr/>
+                </a:tc>
+                <a:tc>
+                  <a:txBody>
+                    <a:bodyPr/>
+                    <a:lstStyle/>
+                    <a:p>
+                      <a:pPr algn="ctr"/>
+                      <a:r>
+                        <a:rPr lang="en-US" dirty="0"/>
+                        <a:t>3</a:t>
+                      </a:r>
+                    </a:p>
+                  </a:txBody>
+                  <a:tcPr/>
+                </a:tc>
+                <a:extLst>
+                  <a:ext uri="{0D108BD9-81ED-4DB2-BD59-A6C34878D82A}">
+                    <a16:rowId xmlns:a16="http://schemas.microsoft.com/office/drawing/2014/main" val="3897348464"/>
+                  </a:ext>
+                </a:extLst>
+              </a:tr>
+              <a:tr h="370840">
+                <a:tc>
+                  <a:txBody>
+                    <a:bodyPr/>
+                    <a:lstStyle/>
+                    <a:p>
+                      <a:pPr algn="ctr"/>
+                      <a:r>
+                        <a:rPr lang="en-US" dirty="0"/>
+                        <a:t>27</a:t>
+                      </a:r>
+                    </a:p>
+                  </a:txBody>
+                  <a:tcPr/>
+                </a:tc>
+                <a:tc>
+                  <a:txBody>
+                    <a:bodyPr/>
+                    <a:lstStyle/>
+                    <a:p>
+                      <a:pPr algn="ctr"/>
+                      <a:r>
+                        <a:rPr lang="en-US" dirty="0"/>
+                        <a:t>4</a:t>
+                      </a:r>
+                    </a:p>
+                  </a:txBody>
+                  <a:tcPr/>
+                </a:tc>
+                <a:extLst>
+                  <a:ext uri="{0D108BD9-81ED-4DB2-BD59-A6C34878D82A}">
+                    <a16:rowId xmlns:a16="http://schemas.microsoft.com/office/drawing/2014/main" val="2035276624"/>
+                  </a:ext>
+                </a:extLst>
+              </a:tr>
+              <a:tr h="370840">
+                <a:tc>
+                  <a:txBody>
+                    <a:bodyPr/>
+                    <a:lstStyle/>
+                    <a:p>
+                      <a:pPr algn="ctr"/>
+                      <a:r>
+                        <a:rPr lang="en-US" dirty="0"/>
+                        <a:t>29</a:t>
+                      </a:r>
+                    </a:p>
+                  </a:txBody>
+                  <a:tcPr/>
+                </a:tc>
+                <a:tc>
+                  <a:txBody>
+                    <a:bodyPr/>
+                    <a:lstStyle/>
+                    <a:p>
+                      <a:pPr algn="ctr"/>
+                      <a:r>
+                        <a:rPr lang="en-US" dirty="0"/>
+                        <a:t>5</a:t>
+                      </a:r>
+                    </a:p>
+                  </a:txBody>
+                  <a:tcPr/>
+                </a:tc>
+                <a:extLst>
+                  <a:ext uri="{0D108BD9-81ED-4DB2-BD59-A6C34878D82A}">
+                    <a16:rowId xmlns:a16="http://schemas.microsoft.com/office/drawing/2014/main" val="753183109"/>
+                  </a:ext>
+                </a:extLst>
+              </a:tr>
+              <a:tr h="370840">
+                <a:tc>
+                  <a:txBody>
+                    <a:bodyPr/>
+                    <a:lstStyle/>
+                    <a:p>
+                      <a:pPr algn="ctr"/>
+                      <a:r>
+                        <a:rPr lang="en-US" dirty="0"/>
+                        <a:t>33</a:t>
+                      </a:r>
+                    </a:p>
+                  </a:txBody>
+                  <a:tcPr/>
+                </a:tc>
+                <a:tc>
+                  <a:txBody>
+                    <a:bodyPr/>
+                    <a:lstStyle/>
+                    <a:p>
+                      <a:pPr algn="ctr"/>
+                      <a:r>
+                        <a:rPr lang="en-US" dirty="0"/>
+                        <a:t>6</a:t>
+                      </a:r>
+                    </a:p>
+                  </a:txBody>
+                  <a:tcPr/>
+                </a:tc>
+                <a:extLst>
+                  <a:ext uri="{0D108BD9-81ED-4DB2-BD59-A6C34878D82A}">
+                    <a16:rowId xmlns:a16="http://schemas.microsoft.com/office/drawing/2014/main" val="2694302911"/>
+                  </a:ext>
+                </a:extLst>
+              </a:tr>
+              <a:tr h="370840">
+                <a:tc>
+                  <a:txBody>
+                    <a:bodyPr/>
+                    <a:lstStyle/>
+                    <a:p>
+                      <a:pPr algn="ctr"/>
+                      <a:r>
+                        <a:rPr lang="en-US" dirty="0"/>
+                        <a:t>37</a:t>
+                      </a:r>
+                    </a:p>
+                  </a:txBody>
+                  <a:tcPr/>
+                </a:tc>
+                <a:tc>
+                  <a:txBody>
+                    <a:bodyPr/>
+                    <a:lstStyle/>
+                    <a:p>
+                      <a:pPr algn="ctr"/>
+                      <a:r>
+                        <a:rPr lang="en-US" dirty="0"/>
+                        <a:t>7</a:t>
+                      </a:r>
+                    </a:p>
+                  </a:txBody>
+                  <a:tcPr/>
+                </a:tc>
+                <a:extLst>
+                  <a:ext uri="{0D108BD9-81ED-4DB2-BD59-A6C34878D82A}">
+                    <a16:rowId xmlns:a16="http://schemas.microsoft.com/office/drawing/2014/main" val="1633947562"/>
+                  </a:ext>
+                </a:extLst>
+              </a:tr>
+            </a:tbl>
+          </a:graphicData>
+        </a:graphic>
+      </p:graphicFrame>
+    </p:spTree>
+    <p:extLst>
+      <p:ext uri="{BB962C8B-B14F-4D97-AF65-F5344CB8AC3E}">
+        <p14:creationId xmlns:p14="http://schemas.microsoft.com/office/powerpoint/2010/main" val="2415366167"/>
+      </p:ext>
+    </p:extLst>
+  </p:cSld>
+  <p:clrMapOvr>
+    <a:masterClrMapping/>
+  </p:clrMapOvr>
+</p:sld>
+</file>
+
+<file path=ppt/slides/slide6.xml><?xml version="1.0" encoding="utf-8"?>
+<p:sld xmlns:a="http://schemas.openxmlformats.org/drawingml/2006/main" xmlns:r="http://schemas.openxmlformats.org/officeDocument/2006/relationships" xmlns:p="http://schemas.openxmlformats.org/presentationml/2006/main">
+  <p:cSld>
+    <p:spTree>
+      <p:nvGrpSpPr>
+        <p:cNvPr id="1" name=""/>
+        <p:cNvGrpSpPr/>
+        <p:nvPr/>
+      </p:nvGrpSpPr>
+      <p:grpSpPr>
+        <a:xfrm>
+          <a:off x="0" y="0"/>
+          <a:ext cx="0" cy="0"/>
+          <a:chOff x="0" y="0"/>
+          <a:chExt cx="0" cy="0"/>
+        </a:xfrm>
+      </p:grpSpPr>
+      <p:sp>
+        <p:nvSpPr>
+          <p:cNvPr id="2" name="Title 1">
+            <a:extLst>
+              <a:ext uri="{FF2B5EF4-FFF2-40B4-BE49-F238E27FC236}">
+                <a16:creationId xmlns:a16="http://schemas.microsoft.com/office/drawing/2014/main" id="{4CE83DD4-D5DF-8D7D-46A3-D39A42EA52B3}"/>
+              </a:ext>
+            </a:extLst>
+          </p:cNvPr>
+          <p:cNvSpPr>
+            <a:spLocks noGrp="1"/>
+          </p:cNvSpPr>
+          <p:nvPr>
+            <p:ph type="title"/>
+          </p:nvPr>
+        </p:nvSpPr>
+        <p:spPr/>
+        <p:txBody>
+          <a:bodyPr/>
+          <a:lstStyle/>
+          <a:p>
+            <a:r>
+              <a:rPr lang="en-US" dirty="0"/>
+              <a:t>The Bidding Algorithm</a:t>
+            </a:r>
+          </a:p>
+        </p:txBody>
+      </p:sp>
+      <p:sp>
+        <p:nvSpPr>
+          <p:cNvPr id="3" name="Content Placeholder 2">
+            <a:extLst>
+              <a:ext uri="{FF2B5EF4-FFF2-40B4-BE49-F238E27FC236}">
+                <a16:creationId xmlns:a16="http://schemas.microsoft.com/office/drawing/2014/main" id="{CBD75E3B-21A7-F2B1-5032-DC0FA9D0A432}"/>
+              </a:ext>
+            </a:extLst>
+          </p:cNvPr>
+          <p:cNvSpPr>
+            <a:spLocks noGrp="1"/>
+          </p:cNvSpPr>
+          <p:nvPr>
+            <p:ph idx="1"/>
+          </p:nvPr>
+        </p:nvSpPr>
+        <p:spPr/>
+        <p:txBody>
+          <a:bodyPr/>
+          <a:lstStyle/>
+          <a:p>
+            <a:pPr marL="514350" indent="-514350">
+              <a:buFont typeface="+mj-lt"/>
+              <a:buAutoNum type="arabicPeriod"/>
+            </a:pPr>
+            <a:r>
+              <a:rPr lang="en-US" dirty="0"/>
+              <a:t>Find a major game contract first</a:t>
+            </a:r>
+          </a:p>
+          <a:p>
+            <a:pPr lvl="1"/>
+            <a:r>
+              <a:rPr lang="en-US" dirty="0"/>
+              <a:t>Need 8 cards and 27+ TPs.</a:t>
+            </a:r>
+          </a:p>
+          <a:p>
+            <a:pPr marL="514350" indent="-514350">
+              <a:buFont typeface="+mj-lt"/>
+              <a:buAutoNum type="arabicPeriod"/>
+            </a:pPr>
+            <a:r>
+              <a:rPr lang="en-US" dirty="0"/>
+              <a:t>If not, seek 3NT, even maybe minor suit match</a:t>
+            </a:r>
+          </a:p>
+          <a:p>
+            <a:pPr lvl="1"/>
+            <a:r>
+              <a:rPr lang="en-US" dirty="0"/>
+              <a:t>Stoppers in every suits and 25+ HCP (not TP)</a:t>
+            </a:r>
+          </a:p>
+          <a:p>
+            <a:pPr marL="514350" indent="-514350">
+              <a:buFont typeface="+mj-lt"/>
+              <a:buAutoNum type="arabicPeriod"/>
+            </a:pPr>
+            <a:r>
+              <a:rPr lang="en-US" dirty="0"/>
+              <a:t>If not likely, see if a minor game is achievable</a:t>
+            </a:r>
+          </a:p>
+          <a:p>
+            <a:pPr lvl="1"/>
+            <a:r>
+              <a:rPr lang="en-US" dirty="0"/>
+              <a:t>Need 8 cards and 29+ TP</a:t>
+            </a:r>
+          </a:p>
+          <a:p>
+            <a:pPr marL="514350" indent="-514350">
+              <a:buFont typeface="+mj-lt"/>
+              <a:buAutoNum type="arabicPeriod"/>
+            </a:pPr>
+            <a:r>
+              <a:rPr lang="en-US" dirty="0"/>
+              <a:t>Should we consider slams?</a:t>
+            </a:r>
+          </a:p>
+          <a:p>
+            <a:pPr lvl="1"/>
+            <a:r>
+              <a:rPr lang="en-US" dirty="0"/>
+              <a:t>33+ TP?</a:t>
+            </a:r>
+          </a:p>
+          <a:p>
+            <a:pPr marL="514350" indent="-514350">
+              <a:buFont typeface="+mj-lt"/>
+              <a:buAutoNum type="arabicPeriod"/>
+            </a:pPr>
+            <a:r>
+              <a:rPr lang="en-US" dirty="0"/>
+              <a:t>Partial contract</a:t>
+            </a:r>
+          </a:p>
+        </p:txBody>
+      </p:sp>
+    </p:spTree>
+    <p:extLst>
+      <p:ext uri="{BB962C8B-B14F-4D97-AF65-F5344CB8AC3E}">
+        <p14:creationId xmlns:p14="http://schemas.microsoft.com/office/powerpoint/2010/main" val="1384371378"/>
+      </p:ext>
+    </p:extLst>
+  </p:cSld>
+  <p:clrMapOvr>
+    <a:masterClrMapping/>
+  </p:clrMapOvr>
+</p:sld>
+</file>
+
+<file path=ppt/slides/slide7.xml><?xml version="1.0" encoding="utf-8"?>
+<p:sld xmlns:a="http://schemas.openxmlformats.org/drawingml/2006/main" xmlns:r="http://schemas.openxmlformats.org/officeDocument/2006/relationships" xmlns:p="http://schemas.openxmlformats.org/presentationml/2006/main">
+  <p:cSld>
+    <p:spTree>
+      <p:nvGrpSpPr>
+        <p:cNvPr id="1" name=""/>
+        <p:cNvGrpSpPr/>
+        <p:nvPr/>
+      </p:nvGrpSpPr>
+      <p:grpSpPr>
+        <a:xfrm>
+          <a:off x="0" y="0"/>
+          <a:ext cx="0" cy="0"/>
+          <a:chOff x="0" y="0"/>
+          <a:chExt cx="0" cy="0"/>
+        </a:xfrm>
+      </p:grpSpPr>
+      <p:sp>
+        <p:nvSpPr>
+          <p:cNvPr id="2" name="Title 1">
+            <a:extLst>
+              <a:ext uri="{FF2B5EF4-FFF2-40B4-BE49-F238E27FC236}">
+                <a16:creationId xmlns:a16="http://schemas.microsoft.com/office/drawing/2014/main" id="{1E4D132E-4717-E99D-7285-04B6AACE1D81}"/>
+              </a:ext>
+            </a:extLst>
+          </p:cNvPr>
+          <p:cNvSpPr>
+            <a:spLocks noGrp="1"/>
+          </p:cNvSpPr>
+          <p:nvPr>
+            <p:ph type="title"/>
+          </p:nvPr>
+        </p:nvSpPr>
+        <p:spPr/>
+        <p:txBody>
+          <a:bodyPr/>
+          <a:lstStyle/>
+          <a:p>
+            <a:r>
+              <a:rPr lang="en-US" dirty="0"/>
+              <a:t>”Above the Line” scores</a:t>
             </a:r>
           </a:p>
         </p:txBody>
@@ -6468,7 +8119,7 @@
 </p:sld>
 </file>
 
-<file path=ppt/slides/slide5.xml><?xml version="1.0" encoding="utf-8"?>
+<file path=ppt/slides/slide8.xml><?xml version="1.0" encoding="utf-8"?>
 <p:sld xmlns:a="http://schemas.openxmlformats.org/drawingml/2006/main" xmlns:r="http://schemas.openxmlformats.org/officeDocument/2006/relationships" xmlns:p="http://schemas.openxmlformats.org/presentationml/2006/main">
   <p:cSld>
     <p:spTree>
@@ -6508,7 +8159,7 @@
           <a:p>
             <a:r>
               <a:rPr lang="en-US" dirty="0"/>
-              <a:t>Bonuses</a:t>
+              <a:t>Bonuses (below the line)</a:t>
             </a:r>
           </a:p>
         </p:txBody>
@@ -6531,8 +8182,8 @@
         </p:nvSpPr>
         <p:spPr>
           <a:xfrm>
-            <a:off x="838200" y="1524675"/>
-            <a:ext cx="10515600" cy="4351338"/>
+            <a:off x="838200" y="1939635"/>
+            <a:ext cx="10515600" cy="3936377"/>
           </a:xfrm>
         </p:spPr>
         <p:txBody>
@@ -6541,6 +8192,20 @@
           <a:p>
             <a:r>
               <a:rPr lang="en-US" dirty="0"/>
+              <a:t>Overtricks same as the 2</a:t>
+            </a:r>
+            <a:r>
+              <a:rPr lang="en-US" baseline="30000" dirty="0"/>
+              <a:t>nd</a:t>
+            </a:r>
+            <a:r>
+              <a:rPr lang="en-US" dirty="0"/>
+              <a:t> trick</a:t>
+            </a:r>
+          </a:p>
+          <a:p>
+            <a:r>
+              <a:rPr lang="en-US" dirty="0"/>
               <a:t>A contract base score of 100 or more is a “game”</a:t>
             </a:r>
           </a:p>
@@ -6561,694 +8226,6 @@
             <a:r>
               <a:rPr lang="en-US" dirty="0"/>
               <a:t>Game bonus: 300 if not vulnerable, 500 if vulnerable</a:t>
-            </a:r>
-          </a:p>
-        </p:txBody>
-      </p:sp>
-      <p:graphicFrame>
-        <p:nvGraphicFramePr>
-          <p:cNvPr id="5" name="Table 4">
-            <a:extLst>
-              <a:ext uri="{FF2B5EF4-FFF2-40B4-BE49-F238E27FC236}">
-                <a16:creationId xmlns:a16="http://schemas.microsoft.com/office/drawing/2014/main" id="{67D97779-951A-6B63-C57F-F4916E7FB51B}"/>
-              </a:ext>
-            </a:extLst>
-          </p:cNvPr>
-          <p:cNvGraphicFramePr>
-            <a:graphicFrameLocks noGrp="1"/>
-          </p:cNvGraphicFramePr>
-          <p:nvPr>
-            <p:extLst>
-              <p:ext uri="{D42A27DB-BD31-4B8C-83A1-F6EECF244321}">
-                <p14:modId xmlns:p14="http://schemas.microsoft.com/office/powerpoint/2010/main" val="632070519"/>
-              </p:ext>
-            </p:extLst>
-          </p:nvPr>
-        </p:nvGraphicFramePr>
-        <p:xfrm>
-          <a:off x="2357439" y="3615691"/>
-          <a:ext cx="6192200" cy="2877184"/>
-        </p:xfrm>
-        <a:graphic>
-          <a:graphicData uri="http://schemas.openxmlformats.org/drawingml/2006/table">
-            <a:tbl>
-              <a:tblPr firstRow="1" bandRow="1">
-                <a:tableStyleId>{5C22544A-7EE6-4342-B048-85BDC9FD1C3A}</a:tableStyleId>
-              </a:tblPr>
-              <a:tblGrid>
-                <a:gridCol w="889616">
-                  <a:extLst>
-                    <a:ext uri="{9D8B030D-6E8A-4147-A177-3AD203B41FA5}">
-                      <a16:colId xmlns:a16="http://schemas.microsoft.com/office/drawing/2014/main" val="4178760446"/>
-                    </a:ext>
-                  </a:extLst>
-                </a:gridCol>
-                <a:gridCol w="1325646">
-                  <a:extLst>
-                    <a:ext uri="{9D8B030D-6E8A-4147-A177-3AD203B41FA5}">
-                      <a16:colId xmlns:a16="http://schemas.microsoft.com/office/drawing/2014/main" val="1744565940"/>
-                    </a:ext>
-                  </a:extLst>
-                </a:gridCol>
-                <a:gridCol w="1325646">
-                  <a:extLst>
-                    <a:ext uri="{9D8B030D-6E8A-4147-A177-3AD203B41FA5}">
-                      <a16:colId xmlns:a16="http://schemas.microsoft.com/office/drawing/2014/main" val="130454964"/>
-                    </a:ext>
-                  </a:extLst>
-                </a:gridCol>
-                <a:gridCol w="1325646">
-                  <a:extLst>
-                    <a:ext uri="{9D8B030D-6E8A-4147-A177-3AD203B41FA5}">
-                      <a16:colId xmlns:a16="http://schemas.microsoft.com/office/drawing/2014/main" val="2418796973"/>
-                    </a:ext>
-                  </a:extLst>
-                </a:gridCol>
-                <a:gridCol w="1325646">
-                  <a:extLst>
-                    <a:ext uri="{9D8B030D-6E8A-4147-A177-3AD203B41FA5}">
-                      <a16:colId xmlns:a16="http://schemas.microsoft.com/office/drawing/2014/main" val="1307085336"/>
-                    </a:ext>
-                  </a:extLst>
-                </a:gridCol>
-              </a:tblGrid>
-              <a:tr h="652144">
-                <a:tc>
-                  <a:txBody>
-                    <a:bodyPr/>
-                    <a:lstStyle/>
-                    <a:p>
-                      <a:r>
-                        <a:rPr lang="en-US" dirty="0"/>
-                        <a:t>Example</a:t>
-                      </a:r>
-                    </a:p>
-                  </a:txBody>
-                  <a:tcPr/>
-                </a:tc>
-                <a:tc>
-                  <a:txBody>
-                    <a:bodyPr/>
-                    <a:lstStyle/>
-                    <a:p>
-                      <a:r>
-                        <a:rPr lang="en-US" dirty="0"/>
-                        <a:t>Contract Score</a:t>
-                      </a:r>
-                    </a:p>
-                  </a:txBody>
-                  <a:tcPr/>
-                </a:tc>
-                <a:tc>
-                  <a:txBody>
-                    <a:bodyPr/>
-                    <a:lstStyle/>
-                    <a:p>
-                      <a:r>
-                        <a:rPr lang="en-US" dirty="0"/>
-                        <a:t>Overtrick</a:t>
-                      </a:r>
-                    </a:p>
-                  </a:txBody>
-                  <a:tcPr/>
-                </a:tc>
-                <a:tc>
-                  <a:txBody>
-                    <a:bodyPr/>
-                    <a:lstStyle/>
-                    <a:p>
-                      <a:r>
-                        <a:rPr lang="en-US" dirty="0"/>
-                        <a:t>Bonus</a:t>
-                      </a:r>
-                    </a:p>
-                  </a:txBody>
-                  <a:tcPr/>
-                </a:tc>
-                <a:tc>
-                  <a:txBody>
-                    <a:bodyPr/>
-                    <a:lstStyle/>
-                    <a:p>
-                      <a:r>
-                        <a:rPr lang="en-US" dirty="0"/>
-                        <a:t>Total</a:t>
-                      </a:r>
-                    </a:p>
-                  </a:txBody>
-                  <a:tcPr/>
-                </a:tc>
-                <a:extLst>
-                  <a:ext uri="{0D108BD9-81ED-4DB2-BD59-A6C34878D82A}">
-                    <a16:rowId xmlns:a16="http://schemas.microsoft.com/office/drawing/2014/main" val="2704325849"/>
-                  </a:ext>
-                </a:extLst>
-              </a:tr>
-              <a:tr h="370840">
-                <a:tc>
-                  <a:txBody>
-                    <a:bodyPr/>
-                    <a:lstStyle/>
-                    <a:p>
-                      <a:r>
-                        <a:rPr lang="en-US" dirty="0"/>
-                        <a:t>2D+0</a:t>
-                      </a:r>
-                    </a:p>
-                  </a:txBody>
-                  <a:tcPr/>
-                </a:tc>
-                <a:tc>
-                  <a:txBody>
-                    <a:bodyPr/>
-                    <a:lstStyle/>
-                    <a:p>
-                      <a:r>
-                        <a:rPr lang="en-US" dirty="0"/>
-                        <a:t>40</a:t>
-                      </a:r>
-                    </a:p>
-                  </a:txBody>
-                  <a:tcPr/>
-                </a:tc>
-                <a:tc>
-                  <a:txBody>
-                    <a:bodyPr/>
-                    <a:lstStyle/>
-                    <a:p>
-                      <a:r>
-                        <a:rPr lang="en-US" dirty="0"/>
-                        <a:t>0</a:t>
-                      </a:r>
-                    </a:p>
-                  </a:txBody>
-                  <a:tcPr/>
-                </a:tc>
-                <a:tc>
-                  <a:txBody>
-                    <a:bodyPr/>
-                    <a:lstStyle/>
-                    <a:p>
-                      <a:r>
-                        <a:rPr lang="en-US" dirty="0"/>
-                        <a:t>50</a:t>
-                      </a:r>
-                    </a:p>
-                  </a:txBody>
-                  <a:tcPr/>
-                </a:tc>
-                <a:tc>
-                  <a:txBody>
-                    <a:bodyPr/>
-                    <a:lstStyle/>
-                    <a:p>
-                      <a:r>
-                        <a:rPr lang="en-US" dirty="0"/>
-                        <a:t>90</a:t>
-                      </a:r>
-                    </a:p>
-                  </a:txBody>
-                  <a:tcPr/>
-                </a:tc>
-                <a:extLst>
-                  <a:ext uri="{0D108BD9-81ED-4DB2-BD59-A6C34878D82A}">
-                    <a16:rowId xmlns:a16="http://schemas.microsoft.com/office/drawing/2014/main" val="927546614"/>
-                  </a:ext>
-                </a:extLst>
-              </a:tr>
-              <a:tr h="370840">
-                <a:tc>
-                  <a:txBody>
-                    <a:bodyPr/>
-                    <a:lstStyle/>
-                    <a:p>
-                      <a:r>
-                        <a:rPr lang="en-US" dirty="0"/>
-                        <a:t>1NT</a:t>
-                      </a:r>
-                    </a:p>
-                  </a:txBody>
-                  <a:tcPr/>
-                </a:tc>
-                <a:tc>
-                  <a:txBody>
-                    <a:bodyPr/>
-                    <a:lstStyle/>
-                    <a:p>
-                      <a:r>
-                        <a:rPr lang="en-US" dirty="0"/>
-                        <a:t>40</a:t>
-                      </a:r>
-                    </a:p>
-                  </a:txBody>
-                  <a:tcPr/>
-                </a:tc>
-                <a:tc>
-                  <a:txBody>
-                    <a:bodyPr/>
-                    <a:lstStyle/>
-                    <a:p>
-                      <a:r>
-                        <a:rPr lang="en-US" dirty="0"/>
-                        <a:t>0</a:t>
-                      </a:r>
-                    </a:p>
-                  </a:txBody>
-                  <a:tcPr/>
-                </a:tc>
-                <a:tc>
-                  <a:txBody>
-                    <a:bodyPr/>
-                    <a:lstStyle/>
-                    <a:p>
-                      <a:r>
-                        <a:rPr lang="en-US" dirty="0"/>
-                        <a:t>50</a:t>
-                      </a:r>
-                    </a:p>
-                  </a:txBody>
-                  <a:tcPr/>
-                </a:tc>
-                <a:tc>
-                  <a:txBody>
-                    <a:bodyPr/>
-                    <a:lstStyle/>
-                    <a:p>
-                      <a:r>
-                        <a:rPr lang="en-US" dirty="0"/>
-                        <a:t>90</a:t>
-                      </a:r>
-                    </a:p>
-                  </a:txBody>
-                  <a:tcPr/>
-                </a:tc>
-                <a:extLst>
-                  <a:ext uri="{0D108BD9-81ED-4DB2-BD59-A6C34878D82A}">
-                    <a16:rowId xmlns:a16="http://schemas.microsoft.com/office/drawing/2014/main" val="2082163618"/>
-                  </a:ext>
-                </a:extLst>
-              </a:tr>
-              <a:tr h="370840">
-                <a:tc>
-                  <a:txBody>
-                    <a:bodyPr/>
-                    <a:lstStyle/>
-                    <a:p>
-                      <a:r>
-                        <a:rPr lang="en-US" dirty="0"/>
-                        <a:t>3S</a:t>
-                      </a:r>
-                    </a:p>
-                  </a:txBody>
-                  <a:tcPr/>
-                </a:tc>
-                <a:tc>
-                  <a:txBody>
-                    <a:bodyPr/>
-                    <a:lstStyle/>
-                    <a:p>
-                      <a:r>
-                        <a:rPr lang="en-US" dirty="0"/>
-                        <a:t>90</a:t>
-                      </a:r>
-                    </a:p>
-                  </a:txBody>
-                  <a:tcPr/>
-                </a:tc>
-                <a:tc>
-                  <a:txBody>
-                    <a:bodyPr/>
-                    <a:lstStyle/>
-                    <a:p>
-                      <a:r>
-                        <a:rPr lang="en-US" dirty="0"/>
-                        <a:t>0</a:t>
-                      </a:r>
-                    </a:p>
-                  </a:txBody>
-                  <a:tcPr/>
-                </a:tc>
-                <a:tc>
-                  <a:txBody>
-                    <a:bodyPr/>
-                    <a:lstStyle/>
-                    <a:p>
-                      <a:r>
-                        <a:rPr lang="en-US" dirty="0"/>
-                        <a:t>50</a:t>
-                      </a:r>
-                    </a:p>
-                  </a:txBody>
-                  <a:tcPr/>
-                </a:tc>
-                <a:tc>
-                  <a:txBody>
-                    <a:bodyPr/>
-                    <a:lstStyle/>
-                    <a:p>
-                      <a:r>
-                        <a:rPr lang="en-US" dirty="0"/>
-                        <a:t>140</a:t>
-                      </a:r>
-                    </a:p>
-                  </a:txBody>
-                  <a:tcPr/>
-                </a:tc>
-                <a:extLst>
-                  <a:ext uri="{0D108BD9-81ED-4DB2-BD59-A6C34878D82A}">
-                    <a16:rowId xmlns:a16="http://schemas.microsoft.com/office/drawing/2014/main" val="3522478268"/>
-                  </a:ext>
-                </a:extLst>
-              </a:tr>
-              <a:tr h="370840">
-                <a:tc>
-                  <a:txBody>
-                    <a:bodyPr/>
-                    <a:lstStyle/>
-                    <a:p>
-                      <a:r>
-                        <a:rPr lang="en-US" dirty="0"/>
-                        <a:t>5D</a:t>
-                      </a:r>
-                    </a:p>
-                  </a:txBody>
-                  <a:tcPr/>
-                </a:tc>
-                <a:tc>
-                  <a:txBody>
-                    <a:bodyPr/>
-                    <a:lstStyle/>
-                    <a:p>
-                      <a:r>
-                        <a:rPr lang="en-US" dirty="0"/>
-                        <a:t>100</a:t>
-                      </a:r>
-                    </a:p>
-                  </a:txBody>
-                  <a:tcPr/>
-                </a:tc>
-                <a:tc>
-                  <a:txBody>
-                    <a:bodyPr/>
-                    <a:lstStyle/>
-                    <a:p>
-                      <a:r>
-                        <a:rPr lang="en-US" dirty="0"/>
-                        <a:t>0</a:t>
-                      </a:r>
-                    </a:p>
-                  </a:txBody>
-                  <a:tcPr/>
-                </a:tc>
-                <a:tc>
-                  <a:txBody>
-                    <a:bodyPr/>
-                    <a:lstStyle/>
-                    <a:p>
-                      <a:r>
-                        <a:rPr lang="en-US" dirty="0"/>
-                        <a:t>300/500</a:t>
-                      </a:r>
-                    </a:p>
-                  </a:txBody>
-                  <a:tcPr/>
-                </a:tc>
-                <a:tc>
-                  <a:txBody>
-                    <a:bodyPr/>
-                    <a:lstStyle/>
-                    <a:p>
-                      <a:r>
-                        <a:rPr lang="en-US" dirty="0"/>
-                        <a:t>400/600</a:t>
-                      </a:r>
-                    </a:p>
-                  </a:txBody>
-                  <a:tcPr/>
-                </a:tc>
-                <a:extLst>
-                  <a:ext uri="{0D108BD9-81ED-4DB2-BD59-A6C34878D82A}">
-                    <a16:rowId xmlns:a16="http://schemas.microsoft.com/office/drawing/2014/main" val="1036006223"/>
-                  </a:ext>
-                </a:extLst>
-              </a:tr>
-              <a:tr h="370840">
-                <a:tc>
-                  <a:txBody>
-                    <a:bodyPr/>
-                    <a:lstStyle/>
-                    <a:p>
-                      <a:r>
-                        <a:rPr lang="en-US" dirty="0"/>
-                        <a:t>3NT+2</a:t>
-                      </a:r>
-                    </a:p>
-                  </a:txBody>
-                  <a:tcPr/>
-                </a:tc>
-                <a:tc>
-                  <a:txBody>
-                    <a:bodyPr/>
-                    <a:lstStyle/>
-                    <a:p>
-                      <a:r>
-                        <a:rPr lang="en-US" dirty="0"/>
-                        <a:t>100</a:t>
-                      </a:r>
-                    </a:p>
-                  </a:txBody>
-                  <a:tcPr/>
-                </a:tc>
-                <a:tc>
-                  <a:txBody>
-                    <a:bodyPr/>
-                    <a:lstStyle/>
-                    <a:p>
-                      <a:r>
-                        <a:rPr lang="en-US" dirty="0"/>
-                        <a:t>60</a:t>
-                      </a:r>
-                    </a:p>
-                  </a:txBody>
-                  <a:tcPr/>
-                </a:tc>
-                <a:tc>
-                  <a:txBody>
-                    <a:bodyPr/>
-                    <a:lstStyle/>
-                    <a:p>
-                      <a:r>
-                        <a:rPr lang="en-US" dirty="0"/>
-                        <a:t>300/500</a:t>
-                      </a:r>
-                    </a:p>
-                  </a:txBody>
-                  <a:tcPr/>
-                </a:tc>
-                <a:tc>
-                  <a:txBody>
-                    <a:bodyPr/>
-                    <a:lstStyle/>
-                    <a:p>
-                      <a:r>
-                        <a:rPr lang="en-US" dirty="0"/>
-                        <a:t>460/660</a:t>
-                      </a:r>
-                    </a:p>
-                  </a:txBody>
-                  <a:tcPr/>
-                </a:tc>
-                <a:extLst>
-                  <a:ext uri="{0D108BD9-81ED-4DB2-BD59-A6C34878D82A}">
-                    <a16:rowId xmlns:a16="http://schemas.microsoft.com/office/drawing/2014/main" val="1349369722"/>
-                  </a:ext>
-                </a:extLst>
-              </a:tr>
-              <a:tr h="370840">
-                <a:tc>
-                  <a:txBody>
-                    <a:bodyPr/>
-                    <a:lstStyle/>
-                    <a:p>
-                      <a:r>
-                        <a:rPr lang="en-US" dirty="0"/>
-                        <a:t>2H+2</a:t>
-                      </a:r>
-                    </a:p>
-                  </a:txBody>
-                  <a:tcPr/>
-                </a:tc>
-                <a:tc>
-                  <a:txBody>
-                    <a:bodyPr/>
-                    <a:lstStyle/>
-                    <a:p>
-                      <a:r>
-                        <a:rPr lang="en-US" dirty="0"/>
-                        <a:t>60</a:t>
-                      </a:r>
-                    </a:p>
-                  </a:txBody>
-                  <a:tcPr/>
-                </a:tc>
-                <a:tc>
-                  <a:txBody>
-                    <a:bodyPr/>
-                    <a:lstStyle/>
-                    <a:p>
-                      <a:r>
-                        <a:rPr lang="en-US" dirty="0"/>
-                        <a:t>60</a:t>
-                      </a:r>
-                    </a:p>
-                  </a:txBody>
-                  <a:tcPr/>
-                </a:tc>
-                <a:tc>
-                  <a:txBody>
-                    <a:bodyPr/>
-                    <a:lstStyle/>
-                    <a:p>
-                      <a:r>
-                        <a:rPr lang="en-US" dirty="0"/>
-                        <a:t>50</a:t>
-                      </a:r>
-                    </a:p>
-                  </a:txBody>
-                  <a:tcPr/>
-                </a:tc>
-                <a:tc>
-                  <a:txBody>
-                    <a:bodyPr/>
-                    <a:lstStyle/>
-                    <a:p>
-                      <a:r>
-                        <a:rPr lang="en-US" dirty="0"/>
-                        <a:t>170</a:t>
-                      </a:r>
-                    </a:p>
-                  </a:txBody>
-                  <a:tcPr/>
-                </a:tc>
-                <a:extLst>
-                  <a:ext uri="{0D108BD9-81ED-4DB2-BD59-A6C34878D82A}">
-                    <a16:rowId xmlns:a16="http://schemas.microsoft.com/office/drawing/2014/main" val="200046473"/>
-                  </a:ext>
-                </a:extLst>
-              </a:tr>
-            </a:tbl>
-          </a:graphicData>
-        </a:graphic>
-      </p:graphicFrame>
-    </p:spTree>
-    <p:extLst>
-      <p:ext uri="{BB962C8B-B14F-4D97-AF65-F5344CB8AC3E}">
-        <p14:creationId xmlns:p14="http://schemas.microsoft.com/office/powerpoint/2010/main" val="4057146395"/>
-      </p:ext>
-    </p:extLst>
-  </p:cSld>
-  <p:clrMapOvr>
-    <a:masterClrMapping/>
-  </p:clrMapOvr>
-</p:sld>
-</file>
-
-<file path=ppt/slides/slide6.xml><?xml version="1.0" encoding="utf-8"?>
-<p:sld xmlns:a="http://schemas.openxmlformats.org/drawingml/2006/main" xmlns:r="http://schemas.openxmlformats.org/officeDocument/2006/relationships" xmlns:p="http://schemas.openxmlformats.org/presentationml/2006/main">
-  <p:cSld>
-    <p:spTree>
-      <p:nvGrpSpPr>
-        <p:cNvPr id="1" name=""/>
-        <p:cNvGrpSpPr/>
-        <p:nvPr/>
-      </p:nvGrpSpPr>
-      <p:grpSpPr>
-        <a:xfrm>
-          <a:off x="0" y="0"/>
-          <a:ext cx="0" cy="0"/>
-          <a:chOff x="0" y="0"/>
-          <a:chExt cx="0" cy="0"/>
-        </a:xfrm>
-      </p:grpSpPr>
-      <p:sp>
-        <p:nvSpPr>
-          <p:cNvPr id="2" name="Title 1">
-            <a:extLst>
-              <a:ext uri="{FF2B5EF4-FFF2-40B4-BE49-F238E27FC236}">
-                <a16:creationId xmlns:a16="http://schemas.microsoft.com/office/drawing/2014/main" id="{9BB6CC26-FB3B-1908-6485-C504E226AF57}"/>
-              </a:ext>
-            </a:extLst>
-          </p:cNvPr>
-          <p:cNvSpPr>
-            <a:spLocks noGrp="1"/>
-          </p:cNvSpPr>
-          <p:nvPr>
-            <p:ph type="title"/>
-          </p:nvPr>
-        </p:nvSpPr>
-        <p:spPr/>
-        <p:txBody>
-          <a:bodyPr/>
-          <a:lstStyle/>
-          <a:p>
-            <a:r>
-              <a:rPr lang="en-US" dirty="0"/>
-              <a:t>Types of Bridge Games</a:t>
-            </a:r>
-          </a:p>
-        </p:txBody>
-      </p:sp>
-      <p:sp>
-        <p:nvSpPr>
-          <p:cNvPr id="3" name="Content Placeholder 2">
-            <a:extLst>
-              <a:ext uri="{FF2B5EF4-FFF2-40B4-BE49-F238E27FC236}">
-                <a16:creationId xmlns:a16="http://schemas.microsoft.com/office/drawing/2014/main" id="{B67EE4CC-236A-FDAF-4335-99E694BD084F}"/>
-              </a:ext>
-            </a:extLst>
-          </p:cNvPr>
-          <p:cNvSpPr>
-            <a:spLocks noGrp="1"/>
-          </p:cNvSpPr>
-          <p:nvPr>
-            <p:ph idx="1"/>
-          </p:nvPr>
-        </p:nvSpPr>
-        <p:spPr/>
-        <p:txBody>
-          <a:bodyPr/>
-          <a:lstStyle/>
-          <a:p>
-            <a:r>
-              <a:rPr lang="en-US" dirty="0"/>
-              <a:t>Rubber</a:t>
-            </a:r>
-          </a:p>
-          <a:p>
-            <a:pPr lvl="1"/>
-            <a:r>
-              <a:rPr lang="en-US" dirty="0"/>
-              <a:t>Vulnerable when after a pair have accumulated more than 100 points No partial bonus</a:t>
-            </a:r>
-          </a:p>
-          <a:p>
-            <a:pPr lvl="1"/>
-            <a:r>
-              <a:rPr lang="en-US" dirty="0"/>
-              <a:t>Award “rubber bonus” to the pair achieving two “games”.</a:t>
-            </a:r>
-          </a:p>
-          <a:p>
-            <a:r>
-              <a:rPr lang="en-US" dirty="0"/>
-              <a:t>Chicago/Duplicate</a:t>
-            </a:r>
-          </a:p>
-          <a:p>
-            <a:pPr lvl="1"/>
-            <a:r>
-              <a:rPr lang="en-US" dirty="0"/>
-              <a:t>Vulnerability decided by ”board #”</a:t>
             </a:r>
           </a:p>
         </p:txBody>
@@ -7258,7 +8235,7 @@
           <p:cNvPr id="4" name="Table 3">
             <a:extLst>
               <a:ext uri="{FF2B5EF4-FFF2-40B4-BE49-F238E27FC236}">
-                <a16:creationId xmlns:a16="http://schemas.microsoft.com/office/drawing/2014/main" id="{15F1F667-DD0C-1933-94E8-8B5BC18CEAE9}"/>
+                <a16:creationId xmlns:a16="http://schemas.microsoft.com/office/drawing/2014/main" id="{1EC82278-02EC-4361-D9A2-BA63D5972A7A}"/>
               </a:ext>
             </a:extLst>
           </p:cNvPr>
@@ -7268,13 +8245,13 @@
           <p:nvPr>
             <p:extLst>
               <p:ext uri="{D42A27DB-BD31-4B8C-83A1-F6EECF244321}">
-                <p14:modId xmlns:p14="http://schemas.microsoft.com/office/powerpoint/2010/main" val="1366636691"/>
+                <p14:modId xmlns:p14="http://schemas.microsoft.com/office/powerpoint/2010/main" val="1963695975"/>
               </p:ext>
             </p:extLst>
           </p:nvPr>
         </p:nvGraphicFramePr>
         <p:xfrm>
-          <a:off x="1774825" y="4638675"/>
+          <a:off x="1456171" y="4472421"/>
           <a:ext cx="8128000" cy="1854200"/>
         </p:xfrm>
         <a:graphic>
@@ -7631,226 +8608,7 @@
     </p:spTree>
     <p:extLst>
       <p:ext uri="{BB962C8B-B14F-4D97-AF65-F5344CB8AC3E}">
-        <p14:creationId xmlns:p14="http://schemas.microsoft.com/office/powerpoint/2010/main" val="3042336326"/>
-      </p:ext>
-    </p:extLst>
-  </p:cSld>
-  <p:clrMapOvr>
-    <a:masterClrMapping/>
-  </p:clrMapOvr>
-</p:sld>
-</file>
-
-<file path=ppt/slides/slide7.xml><?xml version="1.0" encoding="utf-8"?>
-<p:sld xmlns:a="http://schemas.openxmlformats.org/drawingml/2006/main" xmlns:r="http://schemas.openxmlformats.org/officeDocument/2006/relationships" xmlns:p="http://schemas.openxmlformats.org/presentationml/2006/main">
-  <p:cSld>
-    <p:spTree>
-      <p:nvGrpSpPr>
-        <p:cNvPr id="1" name=""/>
-        <p:cNvGrpSpPr/>
-        <p:nvPr/>
-      </p:nvGrpSpPr>
-      <p:grpSpPr>
-        <a:xfrm>
-          <a:off x="0" y="0"/>
-          <a:ext cx="0" cy="0"/>
-          <a:chOff x="0" y="0"/>
-          <a:chExt cx="0" cy="0"/>
-        </a:xfrm>
-      </p:grpSpPr>
-      <p:sp>
-        <p:nvSpPr>
-          <p:cNvPr id="2" name="Title 1">
-            <a:extLst>
-              <a:ext uri="{FF2B5EF4-FFF2-40B4-BE49-F238E27FC236}">
-                <a16:creationId xmlns:a16="http://schemas.microsoft.com/office/drawing/2014/main" id="{839F6AC2-3FC6-BB8A-8F9B-A3DCD8A78D05}"/>
-              </a:ext>
-            </a:extLst>
-          </p:cNvPr>
-          <p:cNvSpPr>
-            <a:spLocks noGrp="1"/>
-          </p:cNvSpPr>
-          <p:nvPr>
-            <p:ph type="title"/>
-          </p:nvPr>
-        </p:nvSpPr>
-        <p:spPr/>
-        <p:txBody>
-          <a:bodyPr/>
-          <a:lstStyle/>
-          <a:p>
-            <a:r>
-              <a:rPr lang="en-US" dirty="0"/>
-              <a:t>Doubled/Redouble</a:t>
-            </a:r>
-          </a:p>
-        </p:txBody>
-      </p:sp>
-      <p:sp>
-        <p:nvSpPr>
-          <p:cNvPr id="3" name="Content Placeholder 2">
-            <a:extLst>
-              <a:ext uri="{FF2B5EF4-FFF2-40B4-BE49-F238E27FC236}">
-                <a16:creationId xmlns:a16="http://schemas.microsoft.com/office/drawing/2014/main" id="{77F20619-3338-47D2-3F6A-966014B6AF88}"/>
-              </a:ext>
-            </a:extLst>
-          </p:cNvPr>
-          <p:cNvSpPr>
-            <a:spLocks noGrp="1"/>
-          </p:cNvSpPr>
-          <p:nvPr>
-            <p:ph idx="1"/>
-          </p:nvPr>
-        </p:nvSpPr>
-        <p:spPr/>
-        <p:txBody>
-          <a:bodyPr/>
-          <a:lstStyle/>
-          <a:p>
-            <a:r>
-              <a:rPr lang="en-US" dirty="0"/>
-              <a:t>The opponents bid “X” to twice the contract score</a:t>
-            </a:r>
-          </a:p>
-          <a:p>
-            <a:r>
-              <a:rPr lang="en-US" dirty="0"/>
-              <a:t>The receiver may bid “XX” to twice that gain</a:t>
-            </a:r>
-          </a:p>
-          <a:p>
-            <a:endParaRPr lang="en-US" dirty="0"/>
-          </a:p>
-          <a:p>
-            <a:r>
-              <a:rPr lang="en-US" dirty="0"/>
-              <a:t>Achieve “game” if doubled contract score is more than 100.</a:t>
-            </a:r>
-          </a:p>
-          <a:p>
-            <a:r>
-              <a:rPr lang="en-US" dirty="0"/>
-              <a:t>50 points double bonus “for the insult”</a:t>
-            </a:r>
-          </a:p>
-          <a:p>
-            <a:r>
-              <a:rPr lang="en-US" dirty="0"/>
-              <a:t>Overtrick 100/200 each by vulnerability, twice if redoubled</a:t>
-            </a:r>
-          </a:p>
-        </p:txBody>
-      </p:sp>
-    </p:spTree>
-    <p:extLst>
-      <p:ext uri="{BB962C8B-B14F-4D97-AF65-F5344CB8AC3E}">
-        <p14:creationId xmlns:p14="http://schemas.microsoft.com/office/powerpoint/2010/main" val="3466651372"/>
-      </p:ext>
-    </p:extLst>
-  </p:cSld>
-  <p:clrMapOvr>
-    <a:masterClrMapping/>
-  </p:clrMapOvr>
-</p:sld>
-</file>
-
-<file path=ppt/slides/slide8.xml><?xml version="1.0" encoding="utf-8"?>
-<p:sld xmlns:a="http://schemas.openxmlformats.org/drawingml/2006/main" xmlns:r="http://schemas.openxmlformats.org/officeDocument/2006/relationships" xmlns:p="http://schemas.openxmlformats.org/presentationml/2006/main">
-  <p:cSld>
-    <p:spTree>
-      <p:nvGrpSpPr>
-        <p:cNvPr id="1" name=""/>
-        <p:cNvGrpSpPr/>
-        <p:nvPr/>
-      </p:nvGrpSpPr>
-      <p:grpSpPr>
-        <a:xfrm>
-          <a:off x="0" y="0"/>
-          <a:ext cx="0" cy="0"/>
-          <a:chOff x="0" y="0"/>
-          <a:chExt cx="0" cy="0"/>
-        </a:xfrm>
-      </p:grpSpPr>
-      <p:sp>
-        <p:nvSpPr>
-          <p:cNvPr id="2" name="Title 1">
-            <a:extLst>
-              <a:ext uri="{FF2B5EF4-FFF2-40B4-BE49-F238E27FC236}">
-                <a16:creationId xmlns:a16="http://schemas.microsoft.com/office/drawing/2014/main" id="{3468BC93-B4D0-F6C3-6F82-C49A5ED181C9}"/>
-              </a:ext>
-            </a:extLst>
-          </p:cNvPr>
-          <p:cNvSpPr>
-            <a:spLocks noGrp="1"/>
-          </p:cNvSpPr>
-          <p:nvPr>
-            <p:ph type="title"/>
-          </p:nvPr>
-        </p:nvSpPr>
-        <p:spPr/>
-        <p:txBody>
-          <a:bodyPr/>
-          <a:lstStyle/>
-          <a:p>
-            <a:r>
-              <a:rPr lang="en-US" dirty="0"/>
-              <a:t>Slam/Grand Slam Bonuses</a:t>
-            </a:r>
-          </a:p>
-        </p:txBody>
-      </p:sp>
-      <p:sp>
-        <p:nvSpPr>
-          <p:cNvPr id="3" name="Content Placeholder 2">
-            <a:extLst>
-              <a:ext uri="{FF2B5EF4-FFF2-40B4-BE49-F238E27FC236}">
-                <a16:creationId xmlns:a16="http://schemas.microsoft.com/office/drawing/2014/main" id="{DCC99491-784D-FEBB-A09F-376B16D42F60}"/>
-              </a:ext>
-            </a:extLst>
-          </p:cNvPr>
-          <p:cNvSpPr>
-            <a:spLocks noGrp="1"/>
-          </p:cNvSpPr>
-          <p:nvPr>
-            <p:ph idx="1"/>
-          </p:nvPr>
-        </p:nvSpPr>
-        <p:spPr/>
-        <p:txBody>
-          <a:bodyPr/>
-          <a:lstStyle/>
-          <a:p>
-            <a:r>
-              <a:rPr lang="en-US" dirty="0"/>
-              <a:t>Slam: bid and made a contract at 6 level (need 12 tricks)</a:t>
-            </a:r>
-          </a:p>
-          <a:p>
-            <a:pPr lvl="1"/>
-            <a:r>
-              <a:rPr lang="en-US" dirty="0"/>
-              <a:t>500/750 by vulnerability, in addition to game bonuses</a:t>
-            </a:r>
-          </a:p>
-          <a:p>
-            <a:r>
-              <a:rPr lang="en-US" dirty="0"/>
-              <a:t>Grand Slam: bid and made at 7 level (need 13 tricks)</a:t>
-            </a:r>
-          </a:p>
-          <a:p>
-            <a:pPr lvl="1"/>
-            <a:r>
-              <a:rPr lang="en-US" dirty="0"/>
-              <a:t>1000/1500 by vulnerability, in addition the game</a:t>
-            </a:r>
-          </a:p>
-        </p:txBody>
-      </p:sp>
-    </p:spTree>
-    <p:extLst>
-      <p:ext uri="{BB962C8B-B14F-4D97-AF65-F5344CB8AC3E}">
-        <p14:creationId xmlns:p14="http://schemas.microsoft.com/office/powerpoint/2010/main" val="1914994529"/>
+        <p14:creationId xmlns:p14="http://schemas.microsoft.com/office/powerpoint/2010/main" val="4057146395"/>
       </p:ext>
     </p:extLst>
   </p:cSld>
@@ -7882,7 +8640,7 @@
           <p:cNvPr id="2" name="Title 1">
             <a:extLst>
               <a:ext uri="{FF2B5EF4-FFF2-40B4-BE49-F238E27FC236}">
-                <a16:creationId xmlns:a16="http://schemas.microsoft.com/office/drawing/2014/main" id="{4F04A13B-0751-FAF9-6D42-987CB82AFE51}"/>
+                <a16:creationId xmlns:a16="http://schemas.microsoft.com/office/drawing/2014/main" id="{B6AAC253-DBB8-DB0C-EFC3-CC89F509C755}"/>
               </a:ext>
             </a:extLst>
           </p:cNvPr>
@@ -7900,17 +8658,17 @@
           <a:p>
             <a:r>
               <a:rPr lang="en-US" dirty="0"/>
-              <a:t>Penalties (Undertricks)</a:t>
+              <a:t>Examples</a:t>
             </a:r>
           </a:p>
         </p:txBody>
       </p:sp>
       <p:graphicFrame>
         <p:nvGraphicFramePr>
-          <p:cNvPr id="5" name="Table 4">
-            <a:extLst>
-              <a:ext uri="{FF2B5EF4-FFF2-40B4-BE49-F238E27FC236}">
-                <a16:creationId xmlns:a16="http://schemas.microsoft.com/office/drawing/2014/main" id="{B137A763-8DBF-480C-FC0C-6FE68B5040A0}"/>
+          <p:cNvPr id="4" name="Table 3">
+            <a:extLst>
+              <a:ext uri="{FF2B5EF4-FFF2-40B4-BE49-F238E27FC236}">
+                <a16:creationId xmlns:a16="http://schemas.microsoft.com/office/drawing/2014/main" id="{6B3BFAB0-8B4D-BDEE-A1A9-087A15162065}"/>
               </a:ext>
             </a:extLst>
           </p:cNvPr>
@@ -7920,1175 +8678,559 @@
           <p:nvPr>
             <p:extLst>
               <p:ext uri="{D42A27DB-BD31-4B8C-83A1-F6EECF244321}">
-                <p14:modId xmlns:p14="http://schemas.microsoft.com/office/powerpoint/2010/main" val="2265402747"/>
+                <p14:modId xmlns:p14="http://schemas.microsoft.com/office/powerpoint/2010/main" val="3917344620"/>
               </p:ext>
             </p:extLst>
           </p:nvPr>
         </p:nvGraphicFramePr>
         <p:xfrm>
-          <a:off x="838199" y="1710849"/>
-          <a:ext cx="10277478" cy="3723310"/>
+          <a:off x="838199" y="1810299"/>
+          <a:ext cx="9095510" cy="4230283"/>
         </p:xfrm>
         <a:graphic>
           <a:graphicData uri="http://schemas.openxmlformats.org/drawingml/2006/table">
             <a:tbl>
-              <a:tblPr>
+              <a:tblPr firstRow="1" bandRow="1">
                 <a:tableStyleId>{5C22544A-7EE6-4342-B048-85BDC9FD1C3A}</a:tableStyleId>
               </a:tblPr>
               <a:tblGrid>
-                <a:gridCol w="1468211">
+                <a:gridCol w="1306726">
                   <a:extLst>
                     <a:ext uri="{9D8B030D-6E8A-4147-A177-3AD203B41FA5}">
-                      <a16:colId xmlns:a16="http://schemas.microsoft.com/office/drawing/2014/main" val="1883544006"/>
+                      <a16:colId xmlns:a16="http://schemas.microsoft.com/office/drawing/2014/main" val="4178760446"/>
                     </a:ext>
                   </a:extLst>
                 </a:gridCol>
-                <a:gridCol w="1265465">
+                <a:gridCol w="1947196">
                   <a:extLst>
                     <a:ext uri="{9D8B030D-6E8A-4147-A177-3AD203B41FA5}">
-                      <a16:colId xmlns:a16="http://schemas.microsoft.com/office/drawing/2014/main" val="427165422"/>
+                      <a16:colId xmlns:a16="http://schemas.microsoft.com/office/drawing/2014/main" val="1744565940"/>
                     </a:ext>
                   </a:extLst>
                 </a:gridCol>
-                <a:gridCol w="1557338">
+                <a:gridCol w="1947196">
                   <a:extLst>
                     <a:ext uri="{9D8B030D-6E8A-4147-A177-3AD203B41FA5}">
-                      <a16:colId xmlns:a16="http://schemas.microsoft.com/office/drawing/2014/main" val="1800089274"/>
+                      <a16:colId xmlns:a16="http://schemas.microsoft.com/office/drawing/2014/main" val="130454964"/>
                     </a:ext>
                   </a:extLst>
                 </a:gridCol>
-                <a:gridCol w="1581830">
+                <a:gridCol w="1947196">
                   <a:extLst>
                     <a:ext uri="{9D8B030D-6E8A-4147-A177-3AD203B41FA5}">
-                      <a16:colId xmlns:a16="http://schemas.microsoft.com/office/drawing/2014/main" val="1187670247"/>
+                      <a16:colId xmlns:a16="http://schemas.microsoft.com/office/drawing/2014/main" val="2418796973"/>
                     </a:ext>
                   </a:extLst>
                 </a:gridCol>
-                <a:gridCol w="1261382">
+                <a:gridCol w="1947196">
                   <a:extLst>
                     <a:ext uri="{9D8B030D-6E8A-4147-A177-3AD203B41FA5}">
-                      <a16:colId xmlns:a16="http://schemas.microsoft.com/office/drawing/2014/main" val="2250222922"/>
-                    </a:ext>
-                  </a:extLst>
-                </a:gridCol>
-                <a:gridCol w="1385888">
-                  <a:extLst>
-                    <a:ext uri="{9D8B030D-6E8A-4147-A177-3AD203B41FA5}">
-                      <a16:colId xmlns:a16="http://schemas.microsoft.com/office/drawing/2014/main" val="1765295551"/>
-                    </a:ext>
-                  </a:extLst>
-                </a:gridCol>
-                <a:gridCol w="1757364">
-                  <a:extLst>
-                    <a:ext uri="{9D8B030D-6E8A-4147-A177-3AD203B41FA5}">
-                      <a16:colId xmlns:a16="http://schemas.microsoft.com/office/drawing/2014/main" val="3927680432"/>
+                      <a16:colId xmlns:a16="http://schemas.microsoft.com/office/drawing/2014/main" val="1307085336"/>
                     </a:ext>
                   </a:extLst>
                 </a:gridCol>
               </a:tblGrid>
-              <a:tr h="279961">
-                <a:tc>
-                  <a:txBody>
-                    <a:bodyPr/>
-                    <a:lstStyle/>
-                    <a:p>
-                      <a:pPr algn="l" fontAlgn="b"/>
-                      <a:endParaRPr lang="en-US" sz="2400" b="0" i="0" u="none" strike="noStrike" dirty="0">
-                        <a:solidFill>
-                          <a:srgbClr val="000000"/>
-                        </a:solidFill>
-                        <a:effectLst/>
-                        <a:latin typeface="Calibri" panose="020F0502020204030204" pitchFamily="34" charset="0"/>
-                      </a:endParaRPr>
-                    </a:p>
-                  </a:txBody>
-                  <a:tcPr marL="9525" marR="9525" marT="9525" marB="0" anchor="b"/>
-                </a:tc>
-                <a:tc gridSpan="3">
-                  <a:txBody>
-                    <a:bodyPr/>
-                    <a:lstStyle/>
-                    <a:p>
-                      <a:pPr algn="ctr" fontAlgn="b"/>
-                      <a:r>
-                        <a:rPr lang="en-US" sz="2400" u="none" strike="noStrike">
-                          <a:effectLst/>
-                        </a:rPr>
-                        <a:t>Not Vulnerable</a:t>
-                      </a:r>
-                      <a:endParaRPr lang="en-US" sz="2400" b="1" i="0" u="none" strike="noStrike">
-                        <a:solidFill>
-                          <a:srgbClr val="000000"/>
-                        </a:solidFill>
-                        <a:effectLst/>
-                        <a:latin typeface="Calibri" panose="020F0502020204030204" pitchFamily="34" charset="0"/>
-                      </a:endParaRPr>
-                    </a:p>
-                  </a:txBody>
-                  <a:tcPr marL="9525" marR="9525" marT="9525" marB="0" anchor="b"/>
-                </a:tc>
-                <a:tc hMerge="1">
-                  <a:txBody>
-                    <a:bodyPr/>
-                    <a:lstStyle/>
-                    <a:p>
-                      <a:endParaRPr lang="en-US"/>
-                    </a:p>
-                  </a:txBody>
-                  <a:tcPr/>
-                </a:tc>
-                <a:tc hMerge="1">
-                  <a:txBody>
-                    <a:bodyPr/>
-                    <a:lstStyle/>
-                    <a:p>
-                      <a:endParaRPr lang="en-US"/>
-                    </a:p>
-                  </a:txBody>
-                  <a:tcPr/>
-                </a:tc>
-                <a:tc gridSpan="3">
-                  <a:txBody>
-                    <a:bodyPr/>
-                    <a:lstStyle/>
-                    <a:p>
-                      <a:pPr algn="ctr" fontAlgn="b"/>
-                      <a:r>
-                        <a:rPr lang="en-US" sz="2400" u="none" strike="noStrike">
-                          <a:effectLst/>
-                        </a:rPr>
-                        <a:t>Vulnerable</a:t>
-                      </a:r>
-                      <a:endParaRPr lang="en-US" sz="2400" b="1" i="0" u="none" strike="noStrike">
-                        <a:solidFill>
-                          <a:srgbClr val="000000"/>
-                        </a:solidFill>
-                        <a:effectLst/>
-                        <a:latin typeface="Calibri" panose="020F0502020204030204" pitchFamily="34" charset="0"/>
-                      </a:endParaRPr>
-                    </a:p>
-                  </a:txBody>
-                  <a:tcPr marL="9525" marR="9525" marT="9525" marB="0" anchor="b"/>
-                </a:tc>
-                <a:tc hMerge="1">
-                  <a:txBody>
-                    <a:bodyPr/>
-                    <a:lstStyle/>
-                    <a:p>
-                      <a:endParaRPr lang="en-US"/>
-                    </a:p>
-                  </a:txBody>
-                  <a:tcPr/>
-                </a:tc>
-                <a:tc hMerge="1">
-                  <a:txBody>
-                    <a:bodyPr/>
-                    <a:lstStyle/>
-                    <a:p>
-                      <a:endParaRPr lang="en-US"/>
+              <a:tr h="958837">
+                <a:tc>
+                  <a:txBody>
+                    <a:bodyPr/>
+                    <a:lstStyle/>
+                    <a:p>
+                      <a:r>
+                        <a:rPr lang="en-US" dirty="0"/>
+                        <a:t>Example</a:t>
+                      </a:r>
+                    </a:p>
+                  </a:txBody>
+                  <a:tcPr/>
+                </a:tc>
+                <a:tc>
+                  <a:txBody>
+                    <a:bodyPr/>
+                    <a:lstStyle/>
+                    <a:p>
+                      <a:r>
+                        <a:rPr lang="en-US" dirty="0"/>
+                        <a:t>Contract Score</a:t>
+                      </a:r>
+                    </a:p>
+                  </a:txBody>
+                  <a:tcPr/>
+                </a:tc>
+                <a:tc>
+                  <a:txBody>
+                    <a:bodyPr/>
+                    <a:lstStyle/>
+                    <a:p>
+                      <a:r>
+                        <a:rPr lang="en-US" dirty="0"/>
+                        <a:t>Overtrick</a:t>
+                      </a:r>
+                    </a:p>
+                  </a:txBody>
+                  <a:tcPr/>
+                </a:tc>
+                <a:tc>
+                  <a:txBody>
+                    <a:bodyPr/>
+                    <a:lstStyle/>
+                    <a:p>
+                      <a:r>
+                        <a:rPr lang="en-US" dirty="0"/>
+                        <a:t>Bonus</a:t>
+                      </a:r>
+                    </a:p>
+                  </a:txBody>
+                  <a:tcPr/>
+                </a:tc>
+                <a:tc>
+                  <a:txBody>
+                    <a:bodyPr/>
+                    <a:lstStyle/>
+                    <a:p>
+                      <a:r>
+                        <a:rPr lang="en-US" dirty="0"/>
+                        <a:t>Total</a:t>
+                      </a:r>
                     </a:p>
                   </a:txBody>
                   <a:tcPr/>
                 </a:tc>
                 <a:extLst>
                   <a:ext uri="{0D108BD9-81ED-4DB2-BD59-A6C34878D82A}">
-                    <a16:rowId xmlns:a16="http://schemas.microsoft.com/office/drawing/2014/main" val="2045897635"/>
+                    <a16:rowId xmlns:a16="http://schemas.microsoft.com/office/drawing/2014/main" val="2704325849"/>
                   </a:ext>
                 </a:extLst>
               </a:tr>
-              <a:tr h="279961">
-                <a:tc>
-                  <a:txBody>
-                    <a:bodyPr/>
-                    <a:lstStyle/>
-                    <a:p>
-                      <a:pPr algn="ctr" fontAlgn="b"/>
-                      <a:r>
-                        <a:rPr lang="en-US" sz="2400" u="none" strike="noStrike" dirty="0">
-                          <a:effectLst/>
-                        </a:rPr>
-                        <a:t>Down by</a:t>
-                      </a:r>
-                      <a:endParaRPr lang="en-US" sz="2400" b="1" i="0" u="none" strike="noStrike" dirty="0">
-                        <a:solidFill>
-                          <a:srgbClr val="000000"/>
-                        </a:solidFill>
-                        <a:effectLst/>
-                        <a:latin typeface="Calibri" panose="020F0502020204030204" pitchFamily="34" charset="0"/>
-                      </a:endParaRPr>
-                    </a:p>
-                  </a:txBody>
-                  <a:tcPr marL="9525" marR="9525" marT="9525" marB="0" anchor="b"/>
-                </a:tc>
-                <a:tc>
-                  <a:txBody>
-                    <a:bodyPr/>
-                    <a:lstStyle/>
-                    <a:p>
-                      <a:pPr algn="ctr" fontAlgn="b"/>
-                      <a:endParaRPr lang="en-US" sz="2400" b="1" i="0" u="none" strike="noStrike">
-                        <a:solidFill>
-                          <a:srgbClr val="000000"/>
-                        </a:solidFill>
-                        <a:effectLst/>
-                        <a:latin typeface="Calibri" panose="020F0502020204030204" pitchFamily="34" charset="0"/>
-                      </a:endParaRPr>
-                    </a:p>
-                  </a:txBody>
-                  <a:tcPr marL="9525" marR="9525" marT="9525" marB="0" anchor="b"/>
-                </a:tc>
-                <a:tc>
-                  <a:txBody>
-                    <a:bodyPr/>
-                    <a:lstStyle/>
-                    <a:p>
-                      <a:pPr algn="ctr" fontAlgn="b"/>
-                      <a:r>
-                        <a:rPr lang="en-US" sz="2400" u="none" strike="noStrike">
-                          <a:effectLst/>
-                        </a:rPr>
-                        <a:t>X</a:t>
-                      </a:r>
-                      <a:endParaRPr lang="en-US" sz="2400" b="1" i="0" u="none" strike="noStrike">
-                        <a:solidFill>
-                          <a:srgbClr val="000000"/>
-                        </a:solidFill>
-                        <a:effectLst/>
-                        <a:latin typeface="Calibri" panose="020F0502020204030204" pitchFamily="34" charset="0"/>
-                      </a:endParaRPr>
-                    </a:p>
-                  </a:txBody>
-                  <a:tcPr marL="9525" marR="9525" marT="9525" marB="0" anchor="b"/>
-                </a:tc>
-                <a:tc>
-                  <a:txBody>
-                    <a:bodyPr/>
-                    <a:lstStyle/>
-                    <a:p>
-                      <a:pPr algn="ctr" fontAlgn="b"/>
-                      <a:r>
-                        <a:rPr lang="en-US" sz="2400" u="none" strike="noStrike" dirty="0">
-                          <a:effectLst/>
-                        </a:rPr>
-                        <a:t>XX</a:t>
-                      </a:r>
-                      <a:endParaRPr lang="en-US" sz="2400" b="1" i="0" u="none" strike="noStrike" dirty="0">
-                        <a:solidFill>
-                          <a:srgbClr val="000000"/>
-                        </a:solidFill>
-                        <a:effectLst/>
-                        <a:latin typeface="Calibri" panose="020F0502020204030204" pitchFamily="34" charset="0"/>
-                      </a:endParaRPr>
-                    </a:p>
-                  </a:txBody>
-                  <a:tcPr marL="9525" marR="9525" marT="9525" marB="0" anchor="b"/>
-                </a:tc>
-                <a:tc>
-                  <a:txBody>
-                    <a:bodyPr/>
-                    <a:lstStyle/>
-                    <a:p>
-                      <a:pPr algn="ctr" fontAlgn="b"/>
-                      <a:endParaRPr lang="en-US" sz="2400" b="1" i="0" u="none" strike="noStrike">
-                        <a:solidFill>
-                          <a:srgbClr val="000000"/>
-                        </a:solidFill>
-                        <a:effectLst/>
-                        <a:latin typeface="Calibri" panose="020F0502020204030204" pitchFamily="34" charset="0"/>
-                      </a:endParaRPr>
-                    </a:p>
-                  </a:txBody>
-                  <a:tcPr marL="9525" marR="9525" marT="9525" marB="0" anchor="b"/>
-                </a:tc>
-                <a:tc>
-                  <a:txBody>
-                    <a:bodyPr/>
-                    <a:lstStyle/>
-                    <a:p>
-                      <a:pPr algn="ctr" fontAlgn="b"/>
-                      <a:r>
-                        <a:rPr lang="en-US" sz="2400" u="none" strike="noStrike">
-                          <a:effectLst/>
-                        </a:rPr>
-                        <a:t>X</a:t>
-                      </a:r>
-                      <a:endParaRPr lang="en-US" sz="2400" b="1" i="0" u="none" strike="noStrike">
-                        <a:solidFill>
-                          <a:srgbClr val="000000"/>
-                        </a:solidFill>
-                        <a:effectLst/>
-                        <a:latin typeface="Calibri" panose="020F0502020204030204" pitchFamily="34" charset="0"/>
-                      </a:endParaRPr>
-                    </a:p>
-                  </a:txBody>
-                  <a:tcPr marL="9525" marR="9525" marT="9525" marB="0" anchor="b"/>
-                </a:tc>
-                <a:tc>
-                  <a:txBody>
-                    <a:bodyPr/>
-                    <a:lstStyle/>
-                    <a:p>
-                      <a:pPr algn="ctr" fontAlgn="b"/>
-                      <a:r>
-                        <a:rPr lang="en-US" sz="2400" u="none" strike="noStrike">
-                          <a:effectLst/>
-                        </a:rPr>
-                        <a:t>XX</a:t>
-                      </a:r>
-                      <a:endParaRPr lang="en-US" sz="2400" b="1" i="0" u="none" strike="noStrike">
-                        <a:solidFill>
-                          <a:srgbClr val="000000"/>
-                        </a:solidFill>
-                        <a:effectLst/>
-                        <a:latin typeface="Calibri" panose="020F0502020204030204" pitchFamily="34" charset="0"/>
-                      </a:endParaRPr>
-                    </a:p>
-                  </a:txBody>
-                  <a:tcPr marL="9525" marR="9525" marT="9525" marB="0" anchor="b"/>
+              <a:tr h="545241">
+                <a:tc>
+                  <a:txBody>
+                    <a:bodyPr/>
+                    <a:lstStyle/>
+                    <a:p>
+                      <a:r>
+                        <a:rPr lang="en-US" dirty="0"/>
+                        <a:t>2D+0</a:t>
+                      </a:r>
+                    </a:p>
+                  </a:txBody>
+                  <a:tcPr/>
+                </a:tc>
+                <a:tc>
+                  <a:txBody>
+                    <a:bodyPr/>
+                    <a:lstStyle/>
+                    <a:p>
+                      <a:r>
+                        <a:rPr lang="en-US" dirty="0"/>
+                        <a:t>40</a:t>
+                      </a:r>
+                    </a:p>
+                  </a:txBody>
+                  <a:tcPr/>
+                </a:tc>
+                <a:tc>
+                  <a:txBody>
+                    <a:bodyPr/>
+                    <a:lstStyle/>
+                    <a:p>
+                      <a:r>
+                        <a:rPr lang="en-US" dirty="0"/>
+                        <a:t>0</a:t>
+                      </a:r>
+                    </a:p>
+                  </a:txBody>
+                  <a:tcPr/>
+                </a:tc>
+                <a:tc>
+                  <a:txBody>
+                    <a:bodyPr/>
+                    <a:lstStyle/>
+                    <a:p>
+                      <a:r>
+                        <a:rPr lang="en-US" dirty="0"/>
+                        <a:t>50</a:t>
+                      </a:r>
+                    </a:p>
+                  </a:txBody>
+                  <a:tcPr/>
+                </a:tc>
+                <a:tc>
+                  <a:txBody>
+                    <a:bodyPr/>
+                    <a:lstStyle/>
+                    <a:p>
+                      <a:r>
+                        <a:rPr lang="en-US" dirty="0"/>
+                        <a:t>90</a:t>
+                      </a:r>
+                    </a:p>
+                  </a:txBody>
+                  <a:tcPr/>
                 </a:tc>
                 <a:extLst>
                   <a:ext uri="{0D108BD9-81ED-4DB2-BD59-A6C34878D82A}">
-                    <a16:rowId xmlns:a16="http://schemas.microsoft.com/office/drawing/2014/main" val="2747673368"/>
+                    <a16:rowId xmlns:a16="http://schemas.microsoft.com/office/drawing/2014/main" val="927546614"/>
                   </a:ext>
                 </a:extLst>
               </a:tr>
-              <a:tr h="594548">
-                <a:tc>
-                  <a:txBody>
-                    <a:bodyPr/>
-                    <a:lstStyle/>
-                    <a:p>
-                      <a:pPr algn="r" fontAlgn="b"/>
-                      <a:r>
-                        <a:rPr lang="en-US" sz="2400" u="none" strike="noStrike" dirty="0">
-                          <a:effectLst/>
-                        </a:rPr>
-                        <a:t>-1</a:t>
-                      </a:r>
-                      <a:endParaRPr lang="en-US" sz="2400" b="0" i="0" u="none" strike="noStrike" dirty="0">
-                        <a:solidFill>
-                          <a:srgbClr val="000000"/>
-                        </a:solidFill>
-                        <a:effectLst/>
-                        <a:latin typeface="Calibri" panose="020F0502020204030204" pitchFamily="34" charset="0"/>
-                      </a:endParaRPr>
-                    </a:p>
-                  </a:txBody>
-                  <a:tcPr marL="9525" marR="9525" marT="9525" marB="0" anchor="b"/>
-                </a:tc>
-                <a:tc>
-                  <a:txBody>
-                    <a:bodyPr/>
-                    <a:lstStyle/>
-                    <a:p>
-                      <a:pPr algn="r" fontAlgn="b"/>
-                      <a:r>
-                        <a:rPr lang="en-US" sz="2400" u="none" strike="noStrike">
-                          <a:effectLst/>
-                        </a:rPr>
-                        <a:t>-50</a:t>
-                      </a:r>
-                      <a:endParaRPr lang="en-US" sz="2400" b="0" i="0" u="none" strike="noStrike">
-                        <a:solidFill>
-                          <a:srgbClr val="000000"/>
-                        </a:solidFill>
-                        <a:effectLst/>
-                        <a:latin typeface="Calibri" panose="020F0502020204030204" pitchFamily="34" charset="0"/>
-                      </a:endParaRPr>
-                    </a:p>
-                  </a:txBody>
-                  <a:tcPr marL="9525" marR="9525" marT="9525" marB="0" anchor="b"/>
-                </a:tc>
-                <a:tc>
-                  <a:txBody>
-                    <a:bodyPr/>
-                    <a:lstStyle/>
-                    <a:p>
-                      <a:pPr algn="r" fontAlgn="b"/>
-                      <a:r>
-                        <a:rPr lang="en-US" sz="2400" u="none" strike="noStrike">
-                          <a:effectLst/>
-                        </a:rPr>
-                        <a:t>-100</a:t>
-                      </a:r>
-                      <a:endParaRPr lang="en-US" sz="2400" b="0" i="0" u="none" strike="noStrike">
-                        <a:solidFill>
-                          <a:srgbClr val="000000"/>
-                        </a:solidFill>
-                        <a:effectLst/>
-                        <a:latin typeface="Calibri" panose="020F0502020204030204" pitchFamily="34" charset="0"/>
-                      </a:endParaRPr>
-                    </a:p>
-                  </a:txBody>
-                  <a:tcPr marL="9525" marR="9525" marT="9525" marB="0" anchor="b"/>
-                </a:tc>
-                <a:tc>
-                  <a:txBody>
-                    <a:bodyPr/>
-                    <a:lstStyle/>
-                    <a:p>
-                      <a:pPr algn="r" fontAlgn="b"/>
-                      <a:r>
-                        <a:rPr lang="en-US" sz="2400" u="none" strike="noStrike">
-                          <a:effectLst/>
-                        </a:rPr>
-                        <a:t>-200</a:t>
-                      </a:r>
-                      <a:endParaRPr lang="en-US" sz="2400" b="0" i="0" u="none" strike="noStrike">
-                        <a:solidFill>
-                          <a:srgbClr val="000000"/>
-                        </a:solidFill>
-                        <a:effectLst/>
-                        <a:latin typeface="Calibri" panose="020F0502020204030204" pitchFamily="34" charset="0"/>
-                      </a:endParaRPr>
-                    </a:p>
-                  </a:txBody>
-                  <a:tcPr marL="9525" marR="9525" marT="9525" marB="0" anchor="b"/>
-                </a:tc>
-                <a:tc>
-                  <a:txBody>
-                    <a:bodyPr/>
-                    <a:lstStyle/>
-                    <a:p>
-                      <a:pPr algn="r" fontAlgn="b"/>
-                      <a:r>
-                        <a:rPr lang="en-US" sz="2400" u="none" strike="noStrike">
-                          <a:effectLst/>
-                        </a:rPr>
-                        <a:t>-100</a:t>
-                      </a:r>
-                      <a:endParaRPr lang="en-US" sz="2400" b="0" i="0" u="none" strike="noStrike">
-                        <a:solidFill>
-                          <a:srgbClr val="000000"/>
-                        </a:solidFill>
-                        <a:effectLst/>
-                        <a:latin typeface="Calibri" panose="020F0502020204030204" pitchFamily="34" charset="0"/>
-                      </a:endParaRPr>
-                    </a:p>
-                  </a:txBody>
-                  <a:tcPr marL="9525" marR="9525" marT="9525" marB="0" anchor="b"/>
-                </a:tc>
-                <a:tc>
-                  <a:txBody>
-                    <a:bodyPr/>
-                    <a:lstStyle/>
-                    <a:p>
-                      <a:pPr algn="r" fontAlgn="b"/>
-                      <a:r>
-                        <a:rPr lang="en-US" sz="2400" u="none" strike="noStrike">
-                          <a:effectLst/>
-                        </a:rPr>
-                        <a:t>-200</a:t>
-                      </a:r>
-                      <a:endParaRPr lang="en-US" sz="2400" b="0" i="0" u="none" strike="noStrike">
-                        <a:solidFill>
-                          <a:srgbClr val="000000"/>
-                        </a:solidFill>
-                        <a:effectLst/>
-                        <a:latin typeface="Calibri" panose="020F0502020204030204" pitchFamily="34" charset="0"/>
-                      </a:endParaRPr>
-                    </a:p>
-                  </a:txBody>
-                  <a:tcPr marL="9525" marR="9525" marT="9525" marB="0" anchor="b"/>
-                </a:tc>
-                <a:tc>
-                  <a:txBody>
-                    <a:bodyPr/>
-                    <a:lstStyle/>
-                    <a:p>
-                      <a:pPr algn="r" fontAlgn="b"/>
-                      <a:r>
-                        <a:rPr lang="en-US" sz="2400" u="none" strike="noStrike">
-                          <a:effectLst/>
-                        </a:rPr>
-                        <a:t>-400</a:t>
-                      </a:r>
-                      <a:endParaRPr lang="en-US" sz="2400" b="0" i="0" u="none" strike="noStrike">
-                        <a:solidFill>
-                          <a:srgbClr val="000000"/>
-                        </a:solidFill>
-                        <a:effectLst/>
-                        <a:latin typeface="Calibri" panose="020F0502020204030204" pitchFamily="34" charset="0"/>
-                      </a:endParaRPr>
-                    </a:p>
-                  </a:txBody>
-                  <a:tcPr marL="9525" marR="9525" marT="9525" marB="0" anchor="b"/>
+              <a:tr h="545241">
+                <a:tc>
+                  <a:txBody>
+                    <a:bodyPr/>
+                    <a:lstStyle/>
+                    <a:p>
+                      <a:r>
+                        <a:rPr lang="en-US" dirty="0"/>
+                        <a:t>1NT</a:t>
+                      </a:r>
+                    </a:p>
+                  </a:txBody>
+                  <a:tcPr/>
+                </a:tc>
+                <a:tc>
+                  <a:txBody>
+                    <a:bodyPr/>
+                    <a:lstStyle/>
+                    <a:p>
+                      <a:r>
+                        <a:rPr lang="en-US" dirty="0"/>
+                        <a:t>40</a:t>
+                      </a:r>
+                    </a:p>
+                  </a:txBody>
+                  <a:tcPr/>
+                </a:tc>
+                <a:tc>
+                  <a:txBody>
+                    <a:bodyPr/>
+                    <a:lstStyle/>
+                    <a:p>
+                      <a:r>
+                        <a:rPr lang="en-US" dirty="0"/>
+                        <a:t>0</a:t>
+                      </a:r>
+                    </a:p>
+                  </a:txBody>
+                  <a:tcPr/>
+                </a:tc>
+                <a:tc>
+                  <a:txBody>
+                    <a:bodyPr/>
+                    <a:lstStyle/>
+                    <a:p>
+                      <a:r>
+                        <a:rPr lang="en-US" dirty="0"/>
+                        <a:t>50</a:t>
+                      </a:r>
+                    </a:p>
+                  </a:txBody>
+                  <a:tcPr/>
+                </a:tc>
+                <a:tc>
+                  <a:txBody>
+                    <a:bodyPr/>
+                    <a:lstStyle/>
+                    <a:p>
+                      <a:r>
+                        <a:rPr lang="en-US" dirty="0"/>
+                        <a:t>90</a:t>
+                      </a:r>
+                    </a:p>
+                  </a:txBody>
+                  <a:tcPr/>
                 </a:tc>
                 <a:extLst>
                   <a:ext uri="{0D108BD9-81ED-4DB2-BD59-A6C34878D82A}">
-                    <a16:rowId xmlns:a16="http://schemas.microsoft.com/office/drawing/2014/main" val="4098098429"/>
+                    <a16:rowId xmlns:a16="http://schemas.microsoft.com/office/drawing/2014/main" val="2082163618"/>
                   </a:ext>
                 </a:extLst>
               </a:tr>
-              <a:tr h="594548">
-                <a:tc>
-                  <a:txBody>
-                    <a:bodyPr/>
-                    <a:lstStyle/>
-                    <a:p>
-                      <a:pPr algn="r" fontAlgn="b"/>
-                      <a:r>
-                        <a:rPr lang="en-US" sz="2400" u="none" strike="noStrike" dirty="0">
-                          <a:effectLst/>
-                        </a:rPr>
-                        <a:t>-2</a:t>
-                      </a:r>
-                      <a:endParaRPr lang="en-US" sz="2400" b="0" i="0" u="none" strike="noStrike" dirty="0">
-                        <a:solidFill>
-                          <a:srgbClr val="000000"/>
-                        </a:solidFill>
-                        <a:effectLst/>
-                        <a:latin typeface="Calibri" panose="020F0502020204030204" pitchFamily="34" charset="0"/>
-                      </a:endParaRPr>
-                    </a:p>
-                  </a:txBody>
-                  <a:tcPr marL="9525" marR="9525" marT="9525" marB="0" anchor="b"/>
-                </a:tc>
-                <a:tc>
-                  <a:txBody>
-                    <a:bodyPr/>
-                    <a:lstStyle/>
-                    <a:p>
-                      <a:pPr algn="r" fontAlgn="b"/>
-                      <a:r>
-                        <a:rPr lang="en-US" sz="2400" u="none" strike="noStrike">
-                          <a:effectLst/>
-                        </a:rPr>
-                        <a:t>-100</a:t>
-                      </a:r>
-                      <a:endParaRPr lang="en-US" sz="2400" b="0" i="0" u="none" strike="noStrike">
-                        <a:solidFill>
-                          <a:srgbClr val="000000"/>
-                        </a:solidFill>
-                        <a:effectLst/>
-                        <a:latin typeface="Calibri" panose="020F0502020204030204" pitchFamily="34" charset="0"/>
-                      </a:endParaRPr>
-                    </a:p>
-                  </a:txBody>
-                  <a:tcPr marL="9525" marR="9525" marT="9525" marB="0" anchor="b"/>
-                </a:tc>
-                <a:tc>
-                  <a:txBody>
-                    <a:bodyPr/>
-                    <a:lstStyle/>
-                    <a:p>
-                      <a:pPr algn="r" fontAlgn="b"/>
-                      <a:r>
-                        <a:rPr lang="en-US" sz="2400" u="none" strike="noStrike" dirty="0">
-                          <a:effectLst/>
-                        </a:rPr>
-                        <a:t>-300</a:t>
-                      </a:r>
-                      <a:endParaRPr lang="en-US" sz="2400" b="0" i="0" u="none" strike="noStrike" dirty="0">
-                        <a:solidFill>
-                          <a:srgbClr val="000000"/>
-                        </a:solidFill>
-                        <a:effectLst/>
-                        <a:latin typeface="Calibri" panose="020F0502020204030204" pitchFamily="34" charset="0"/>
-                      </a:endParaRPr>
-                    </a:p>
-                  </a:txBody>
-                  <a:tcPr marL="9525" marR="9525" marT="9525" marB="0" anchor="b"/>
-                </a:tc>
-                <a:tc>
-                  <a:txBody>
-                    <a:bodyPr/>
-                    <a:lstStyle/>
-                    <a:p>
-                      <a:pPr algn="r" fontAlgn="b"/>
-                      <a:r>
-                        <a:rPr lang="en-US" sz="2400" u="none" strike="noStrike">
-                          <a:effectLst/>
-                        </a:rPr>
-                        <a:t>-600</a:t>
-                      </a:r>
-                      <a:endParaRPr lang="en-US" sz="2400" b="0" i="0" u="none" strike="noStrike">
-                        <a:solidFill>
-                          <a:srgbClr val="000000"/>
-                        </a:solidFill>
-                        <a:effectLst/>
-                        <a:latin typeface="Calibri" panose="020F0502020204030204" pitchFamily="34" charset="0"/>
-                      </a:endParaRPr>
-                    </a:p>
-                  </a:txBody>
-                  <a:tcPr marL="9525" marR="9525" marT="9525" marB="0" anchor="b"/>
-                </a:tc>
-                <a:tc>
-                  <a:txBody>
-                    <a:bodyPr/>
-                    <a:lstStyle/>
-                    <a:p>
-                      <a:pPr algn="r" fontAlgn="b"/>
-                      <a:r>
-                        <a:rPr lang="en-US" sz="2400" u="none" strike="noStrike">
-                          <a:effectLst/>
-                        </a:rPr>
-                        <a:t>-150</a:t>
-                      </a:r>
-                      <a:endParaRPr lang="en-US" sz="2400" b="0" i="0" u="none" strike="noStrike">
-                        <a:solidFill>
-                          <a:srgbClr val="000000"/>
-                        </a:solidFill>
-                        <a:effectLst/>
-                        <a:latin typeface="Calibri" panose="020F0502020204030204" pitchFamily="34" charset="0"/>
-                      </a:endParaRPr>
-                    </a:p>
-                  </a:txBody>
-                  <a:tcPr marL="9525" marR="9525" marT="9525" marB="0" anchor="b"/>
-                </a:tc>
-                <a:tc>
-                  <a:txBody>
-                    <a:bodyPr/>
-                    <a:lstStyle/>
-                    <a:p>
-                      <a:pPr algn="r" fontAlgn="b"/>
-                      <a:r>
-                        <a:rPr lang="en-US" sz="2400" u="none" strike="noStrike">
-                          <a:effectLst/>
-                        </a:rPr>
-                        <a:t>-400</a:t>
-                      </a:r>
-                      <a:endParaRPr lang="en-US" sz="2400" b="0" i="0" u="none" strike="noStrike">
-                        <a:solidFill>
-                          <a:srgbClr val="000000"/>
-                        </a:solidFill>
-                        <a:effectLst/>
-                        <a:latin typeface="Calibri" panose="020F0502020204030204" pitchFamily="34" charset="0"/>
-                      </a:endParaRPr>
-                    </a:p>
-                  </a:txBody>
-                  <a:tcPr marL="9525" marR="9525" marT="9525" marB="0" anchor="b"/>
-                </a:tc>
-                <a:tc>
-                  <a:txBody>
-                    <a:bodyPr/>
-                    <a:lstStyle/>
-                    <a:p>
-                      <a:pPr algn="r" fontAlgn="b"/>
-                      <a:r>
-                        <a:rPr lang="en-US" sz="2400" u="none" strike="noStrike">
-                          <a:effectLst/>
-                        </a:rPr>
-                        <a:t>-600</a:t>
-                      </a:r>
-                      <a:endParaRPr lang="en-US" sz="2400" b="0" i="0" u="none" strike="noStrike">
-                        <a:solidFill>
-                          <a:srgbClr val="000000"/>
-                        </a:solidFill>
-                        <a:effectLst/>
-                        <a:latin typeface="Calibri" panose="020F0502020204030204" pitchFamily="34" charset="0"/>
-                      </a:endParaRPr>
-                    </a:p>
-                  </a:txBody>
-                  <a:tcPr marL="9525" marR="9525" marT="9525" marB="0" anchor="b"/>
+              <a:tr h="545241">
+                <a:tc>
+                  <a:txBody>
+                    <a:bodyPr/>
+                    <a:lstStyle/>
+                    <a:p>
+                      <a:r>
+                        <a:rPr lang="en-US" dirty="0"/>
+                        <a:t>3S</a:t>
+                      </a:r>
+                    </a:p>
+                  </a:txBody>
+                  <a:tcPr/>
+                </a:tc>
+                <a:tc>
+                  <a:txBody>
+                    <a:bodyPr/>
+                    <a:lstStyle/>
+                    <a:p>
+                      <a:r>
+                        <a:rPr lang="en-US" dirty="0"/>
+                        <a:t>90</a:t>
+                      </a:r>
+                    </a:p>
+                  </a:txBody>
+                  <a:tcPr/>
+                </a:tc>
+                <a:tc>
+                  <a:txBody>
+                    <a:bodyPr/>
+                    <a:lstStyle/>
+                    <a:p>
+                      <a:r>
+                        <a:rPr lang="en-US" dirty="0"/>
+                        <a:t>0</a:t>
+                      </a:r>
+                    </a:p>
+                  </a:txBody>
+                  <a:tcPr/>
+                </a:tc>
+                <a:tc>
+                  <a:txBody>
+                    <a:bodyPr/>
+                    <a:lstStyle/>
+                    <a:p>
+                      <a:r>
+                        <a:rPr lang="en-US" dirty="0"/>
+                        <a:t>50</a:t>
+                      </a:r>
+                    </a:p>
+                  </a:txBody>
+                  <a:tcPr/>
+                </a:tc>
+                <a:tc>
+                  <a:txBody>
+                    <a:bodyPr/>
+                    <a:lstStyle/>
+                    <a:p>
+                      <a:r>
+                        <a:rPr lang="en-US" dirty="0"/>
+                        <a:t>140</a:t>
+                      </a:r>
+                    </a:p>
+                  </a:txBody>
+                  <a:tcPr/>
                 </a:tc>
                 <a:extLst>
                   <a:ext uri="{0D108BD9-81ED-4DB2-BD59-A6C34878D82A}">
-                    <a16:rowId xmlns:a16="http://schemas.microsoft.com/office/drawing/2014/main" val="886555423"/>
+                    <a16:rowId xmlns:a16="http://schemas.microsoft.com/office/drawing/2014/main" val="3522478268"/>
                   </a:ext>
                 </a:extLst>
               </a:tr>
-              <a:tr h="594548">
-                <a:tc>
-                  <a:txBody>
-                    <a:bodyPr/>
-                    <a:lstStyle/>
-                    <a:p>
-                      <a:pPr algn="r" fontAlgn="b"/>
-                      <a:r>
-                        <a:rPr lang="en-US" sz="2400" u="none" strike="noStrike" dirty="0">
-                          <a:effectLst/>
-                        </a:rPr>
-                        <a:t>-3</a:t>
-                      </a:r>
-                      <a:endParaRPr lang="en-US" sz="2400" b="0" i="0" u="none" strike="noStrike" dirty="0">
-                        <a:solidFill>
-                          <a:srgbClr val="000000"/>
-                        </a:solidFill>
-                        <a:effectLst/>
-                        <a:latin typeface="Calibri" panose="020F0502020204030204" pitchFamily="34" charset="0"/>
-                      </a:endParaRPr>
-                    </a:p>
-                  </a:txBody>
-                  <a:tcPr marL="9525" marR="9525" marT="9525" marB="0" anchor="b"/>
-                </a:tc>
-                <a:tc>
-                  <a:txBody>
-                    <a:bodyPr/>
-                    <a:lstStyle/>
-                    <a:p>
-                      <a:pPr algn="r" fontAlgn="b"/>
-                      <a:r>
-                        <a:rPr lang="en-US" sz="2400" u="none" strike="noStrike">
-                          <a:effectLst/>
-                        </a:rPr>
-                        <a:t>-150</a:t>
-                      </a:r>
-                      <a:endParaRPr lang="en-US" sz="2400" b="0" i="0" u="none" strike="noStrike">
-                        <a:solidFill>
-                          <a:srgbClr val="000000"/>
-                        </a:solidFill>
-                        <a:effectLst/>
-                        <a:latin typeface="Calibri" panose="020F0502020204030204" pitchFamily="34" charset="0"/>
-                      </a:endParaRPr>
-                    </a:p>
-                  </a:txBody>
-                  <a:tcPr marL="9525" marR="9525" marT="9525" marB="0" anchor="b"/>
-                </a:tc>
-                <a:tc>
-                  <a:txBody>
-                    <a:bodyPr/>
-                    <a:lstStyle/>
-                    <a:p>
-                      <a:pPr algn="r" fontAlgn="b"/>
-                      <a:r>
-                        <a:rPr lang="en-US" sz="2400" u="none" strike="noStrike">
-                          <a:effectLst/>
-                        </a:rPr>
-                        <a:t>-500</a:t>
-                      </a:r>
-                      <a:endParaRPr lang="en-US" sz="2400" b="0" i="0" u="none" strike="noStrike">
-                        <a:solidFill>
-                          <a:srgbClr val="000000"/>
-                        </a:solidFill>
-                        <a:effectLst/>
-                        <a:latin typeface="Calibri" panose="020F0502020204030204" pitchFamily="34" charset="0"/>
-                      </a:endParaRPr>
-                    </a:p>
-                  </a:txBody>
-                  <a:tcPr marL="9525" marR="9525" marT="9525" marB="0" anchor="b"/>
-                </a:tc>
-                <a:tc>
-                  <a:txBody>
-                    <a:bodyPr/>
-                    <a:lstStyle/>
-                    <a:p>
-                      <a:pPr algn="r" fontAlgn="b"/>
-                      <a:r>
-                        <a:rPr lang="en-US" sz="2400" u="none" strike="noStrike">
-                          <a:effectLst/>
-                        </a:rPr>
-                        <a:t>-1000</a:t>
-                      </a:r>
-                      <a:endParaRPr lang="en-US" sz="2400" b="0" i="0" u="none" strike="noStrike">
-                        <a:solidFill>
-                          <a:srgbClr val="000000"/>
-                        </a:solidFill>
-                        <a:effectLst/>
-                        <a:latin typeface="Calibri" panose="020F0502020204030204" pitchFamily="34" charset="0"/>
-                      </a:endParaRPr>
-                    </a:p>
-                  </a:txBody>
-                  <a:tcPr marL="9525" marR="9525" marT="9525" marB="0" anchor="b"/>
-                </a:tc>
-                <a:tc>
-                  <a:txBody>
-                    <a:bodyPr/>
-                    <a:lstStyle/>
-                    <a:p>
-                      <a:pPr algn="r" fontAlgn="b"/>
-                      <a:r>
-                        <a:rPr lang="en-US" sz="2400" u="none" strike="noStrike">
-                          <a:effectLst/>
-                        </a:rPr>
-                        <a:t>-200</a:t>
-                      </a:r>
-                      <a:endParaRPr lang="en-US" sz="2400" b="0" i="0" u="none" strike="noStrike">
-                        <a:solidFill>
-                          <a:srgbClr val="000000"/>
-                        </a:solidFill>
-                        <a:effectLst/>
-                        <a:latin typeface="Calibri" panose="020F0502020204030204" pitchFamily="34" charset="0"/>
-                      </a:endParaRPr>
-                    </a:p>
-                  </a:txBody>
-                  <a:tcPr marL="9525" marR="9525" marT="9525" marB="0" anchor="b"/>
-                </a:tc>
-                <a:tc>
-                  <a:txBody>
-                    <a:bodyPr/>
-                    <a:lstStyle/>
-                    <a:p>
-                      <a:pPr algn="r" fontAlgn="b"/>
-                      <a:r>
-                        <a:rPr lang="en-US" sz="2400" u="none" strike="noStrike">
-                          <a:effectLst/>
-                        </a:rPr>
-                        <a:t>-600</a:t>
-                      </a:r>
-                      <a:endParaRPr lang="en-US" sz="2400" b="0" i="0" u="none" strike="noStrike">
-                        <a:solidFill>
-                          <a:srgbClr val="000000"/>
-                        </a:solidFill>
-                        <a:effectLst/>
-                        <a:latin typeface="Calibri" panose="020F0502020204030204" pitchFamily="34" charset="0"/>
-                      </a:endParaRPr>
-                    </a:p>
-                  </a:txBody>
-                  <a:tcPr marL="9525" marR="9525" marT="9525" marB="0" anchor="b"/>
-                </a:tc>
-                <a:tc>
-                  <a:txBody>
-                    <a:bodyPr/>
-                    <a:lstStyle/>
-                    <a:p>
-                      <a:pPr algn="r" fontAlgn="b"/>
-                      <a:r>
-                        <a:rPr lang="en-US" sz="2400" u="none" strike="noStrike">
-                          <a:effectLst/>
-                        </a:rPr>
-                        <a:t>-1000</a:t>
-                      </a:r>
-                      <a:endParaRPr lang="en-US" sz="2400" b="0" i="0" u="none" strike="noStrike">
-                        <a:solidFill>
-                          <a:srgbClr val="000000"/>
-                        </a:solidFill>
-                        <a:effectLst/>
-                        <a:latin typeface="Calibri" panose="020F0502020204030204" pitchFamily="34" charset="0"/>
-                      </a:endParaRPr>
-                    </a:p>
-                  </a:txBody>
-                  <a:tcPr marL="9525" marR="9525" marT="9525" marB="0" anchor="b"/>
+              <a:tr h="545241">
+                <a:tc>
+                  <a:txBody>
+                    <a:bodyPr/>
+                    <a:lstStyle/>
+                    <a:p>
+                      <a:r>
+                        <a:rPr lang="en-US" dirty="0"/>
+                        <a:t>5D</a:t>
+                      </a:r>
+                    </a:p>
+                  </a:txBody>
+                  <a:tcPr/>
+                </a:tc>
+                <a:tc>
+                  <a:txBody>
+                    <a:bodyPr/>
+                    <a:lstStyle/>
+                    <a:p>
+                      <a:r>
+                        <a:rPr lang="en-US" dirty="0"/>
+                        <a:t>100</a:t>
+                      </a:r>
+                    </a:p>
+                  </a:txBody>
+                  <a:tcPr/>
+                </a:tc>
+                <a:tc>
+                  <a:txBody>
+                    <a:bodyPr/>
+                    <a:lstStyle/>
+                    <a:p>
+                      <a:r>
+                        <a:rPr lang="en-US" dirty="0"/>
+                        <a:t>0</a:t>
+                      </a:r>
+                    </a:p>
+                  </a:txBody>
+                  <a:tcPr/>
+                </a:tc>
+                <a:tc>
+                  <a:txBody>
+                    <a:bodyPr/>
+                    <a:lstStyle/>
+                    <a:p>
+                      <a:r>
+                        <a:rPr lang="en-US" dirty="0"/>
+                        <a:t>300/500</a:t>
+                      </a:r>
+                    </a:p>
+                  </a:txBody>
+                  <a:tcPr/>
+                </a:tc>
+                <a:tc>
+                  <a:txBody>
+                    <a:bodyPr/>
+                    <a:lstStyle/>
+                    <a:p>
+                      <a:r>
+                        <a:rPr lang="en-US" dirty="0"/>
+                        <a:t>400/600</a:t>
+                      </a:r>
+                    </a:p>
+                  </a:txBody>
+                  <a:tcPr/>
                 </a:tc>
                 <a:extLst>
                   <a:ext uri="{0D108BD9-81ED-4DB2-BD59-A6C34878D82A}">
-                    <a16:rowId xmlns:a16="http://schemas.microsoft.com/office/drawing/2014/main" val="2568742028"/>
+                    <a16:rowId xmlns:a16="http://schemas.microsoft.com/office/drawing/2014/main" val="1036006223"/>
                   </a:ext>
                 </a:extLst>
               </a:tr>
-              <a:tr h="594548">
-                <a:tc>
-                  <a:txBody>
-                    <a:bodyPr/>
-                    <a:lstStyle/>
-                    <a:p>
-                      <a:pPr algn="r" fontAlgn="b"/>
-                      <a:r>
-                        <a:rPr lang="en-US" sz="2400" u="none" strike="noStrike" dirty="0">
-                          <a:effectLst/>
-                        </a:rPr>
-                        <a:t>-4</a:t>
-                      </a:r>
-                      <a:endParaRPr lang="en-US" sz="2400" b="0" i="0" u="none" strike="noStrike" dirty="0">
-                        <a:solidFill>
-                          <a:srgbClr val="000000"/>
-                        </a:solidFill>
-                        <a:effectLst/>
-                        <a:latin typeface="Calibri" panose="020F0502020204030204" pitchFamily="34" charset="0"/>
-                      </a:endParaRPr>
-                    </a:p>
-                  </a:txBody>
-                  <a:tcPr marL="9525" marR="9525" marT="9525" marB="0" anchor="b"/>
-                </a:tc>
-                <a:tc>
-                  <a:txBody>
-                    <a:bodyPr/>
-                    <a:lstStyle/>
-                    <a:p>
-                      <a:pPr algn="r" fontAlgn="b"/>
-                      <a:r>
-                        <a:rPr lang="en-US" sz="2400" u="none" strike="noStrike">
-                          <a:effectLst/>
-                        </a:rPr>
-                        <a:t>-200</a:t>
-                      </a:r>
-                      <a:endParaRPr lang="en-US" sz="2400" b="0" i="0" u="none" strike="noStrike">
-                        <a:solidFill>
-                          <a:srgbClr val="000000"/>
-                        </a:solidFill>
-                        <a:effectLst/>
-                        <a:latin typeface="Calibri" panose="020F0502020204030204" pitchFamily="34" charset="0"/>
-                      </a:endParaRPr>
-                    </a:p>
-                  </a:txBody>
-                  <a:tcPr marL="9525" marR="9525" marT="9525" marB="0" anchor="b"/>
-                </a:tc>
-                <a:tc>
-                  <a:txBody>
-                    <a:bodyPr/>
-                    <a:lstStyle/>
-                    <a:p>
-                      <a:pPr algn="r" fontAlgn="b"/>
-                      <a:r>
-                        <a:rPr lang="en-US" sz="2400" u="none" strike="noStrike">
-                          <a:effectLst/>
-                        </a:rPr>
-                        <a:t>-800</a:t>
-                      </a:r>
-                      <a:endParaRPr lang="en-US" sz="2400" b="0" i="0" u="none" strike="noStrike">
-                        <a:solidFill>
-                          <a:srgbClr val="000000"/>
-                        </a:solidFill>
-                        <a:effectLst/>
-                        <a:latin typeface="Calibri" panose="020F0502020204030204" pitchFamily="34" charset="0"/>
-                      </a:endParaRPr>
-                    </a:p>
-                  </a:txBody>
-                  <a:tcPr marL="9525" marR="9525" marT="9525" marB="0" anchor="b"/>
-                </a:tc>
-                <a:tc>
-                  <a:txBody>
-                    <a:bodyPr/>
-                    <a:lstStyle/>
-                    <a:p>
-                      <a:pPr algn="r" fontAlgn="b"/>
-                      <a:r>
-                        <a:rPr lang="en-US" sz="2400" u="none" strike="noStrike">
-                          <a:effectLst/>
-                        </a:rPr>
-                        <a:t>-1600</a:t>
-                      </a:r>
-                      <a:endParaRPr lang="en-US" sz="2400" b="0" i="0" u="none" strike="noStrike">
-                        <a:solidFill>
-                          <a:srgbClr val="000000"/>
-                        </a:solidFill>
-                        <a:effectLst/>
-                        <a:latin typeface="Calibri" panose="020F0502020204030204" pitchFamily="34" charset="0"/>
-                      </a:endParaRPr>
-                    </a:p>
-                  </a:txBody>
-                  <a:tcPr marL="9525" marR="9525" marT="9525" marB="0" anchor="b"/>
-                </a:tc>
-                <a:tc>
-                  <a:txBody>
-                    <a:bodyPr/>
-                    <a:lstStyle/>
-                    <a:p>
-                      <a:pPr algn="r" fontAlgn="b"/>
-                      <a:r>
-                        <a:rPr lang="en-US" sz="2400" u="none" strike="noStrike">
-                          <a:effectLst/>
-                        </a:rPr>
-                        <a:t>-250</a:t>
-                      </a:r>
-                      <a:endParaRPr lang="en-US" sz="2400" b="0" i="0" u="none" strike="noStrike">
-                        <a:solidFill>
-                          <a:srgbClr val="000000"/>
-                        </a:solidFill>
-                        <a:effectLst/>
-                        <a:latin typeface="Calibri" panose="020F0502020204030204" pitchFamily="34" charset="0"/>
-                      </a:endParaRPr>
-                    </a:p>
-                  </a:txBody>
-                  <a:tcPr marL="9525" marR="9525" marT="9525" marB="0" anchor="b"/>
-                </a:tc>
-                <a:tc>
-                  <a:txBody>
-                    <a:bodyPr/>
-                    <a:lstStyle/>
-                    <a:p>
-                      <a:pPr algn="r" fontAlgn="b"/>
-                      <a:r>
-                        <a:rPr lang="en-US" sz="2400" u="none" strike="noStrike">
-                          <a:effectLst/>
-                        </a:rPr>
-                        <a:t>-800</a:t>
-                      </a:r>
-                      <a:endParaRPr lang="en-US" sz="2400" b="0" i="0" u="none" strike="noStrike">
-                        <a:solidFill>
-                          <a:srgbClr val="000000"/>
-                        </a:solidFill>
-                        <a:effectLst/>
-                        <a:latin typeface="Calibri" panose="020F0502020204030204" pitchFamily="34" charset="0"/>
-                      </a:endParaRPr>
-                    </a:p>
-                  </a:txBody>
-                  <a:tcPr marL="9525" marR="9525" marT="9525" marB="0" anchor="b"/>
-                </a:tc>
-                <a:tc>
-                  <a:txBody>
-                    <a:bodyPr/>
-                    <a:lstStyle/>
-                    <a:p>
-                      <a:pPr algn="r" fontAlgn="b"/>
-                      <a:r>
-                        <a:rPr lang="en-US" sz="2400" u="none" strike="noStrike">
-                          <a:effectLst/>
-                        </a:rPr>
-                        <a:t>-1600</a:t>
-                      </a:r>
-                      <a:endParaRPr lang="en-US" sz="2400" b="0" i="0" u="none" strike="noStrike">
-                        <a:solidFill>
-                          <a:srgbClr val="000000"/>
-                        </a:solidFill>
-                        <a:effectLst/>
-                        <a:latin typeface="Calibri" panose="020F0502020204030204" pitchFamily="34" charset="0"/>
-                      </a:endParaRPr>
-                    </a:p>
-                  </a:txBody>
-                  <a:tcPr marL="9525" marR="9525" marT="9525" marB="0" anchor="b"/>
+              <a:tr h="545241">
+                <a:tc>
+                  <a:txBody>
+                    <a:bodyPr/>
+                    <a:lstStyle/>
+                    <a:p>
+                      <a:r>
+                        <a:rPr lang="en-US" dirty="0"/>
+                        <a:t>3NT+2</a:t>
+                      </a:r>
+                    </a:p>
+                  </a:txBody>
+                  <a:tcPr/>
+                </a:tc>
+                <a:tc>
+                  <a:txBody>
+                    <a:bodyPr/>
+                    <a:lstStyle/>
+                    <a:p>
+                      <a:r>
+                        <a:rPr lang="en-US" dirty="0"/>
+                        <a:t>100</a:t>
+                      </a:r>
+                    </a:p>
+                  </a:txBody>
+                  <a:tcPr/>
+                </a:tc>
+                <a:tc>
+                  <a:txBody>
+                    <a:bodyPr/>
+                    <a:lstStyle/>
+                    <a:p>
+                      <a:r>
+                        <a:rPr lang="en-US" dirty="0"/>
+                        <a:t>60</a:t>
+                      </a:r>
+                    </a:p>
+                  </a:txBody>
+                  <a:tcPr/>
+                </a:tc>
+                <a:tc>
+                  <a:txBody>
+                    <a:bodyPr/>
+                    <a:lstStyle/>
+                    <a:p>
+                      <a:r>
+                        <a:rPr lang="en-US" dirty="0"/>
+                        <a:t>300/500</a:t>
+                      </a:r>
+                    </a:p>
+                  </a:txBody>
+                  <a:tcPr/>
+                </a:tc>
+                <a:tc>
+                  <a:txBody>
+                    <a:bodyPr/>
+                    <a:lstStyle/>
+                    <a:p>
+                      <a:r>
+                        <a:rPr lang="en-US" dirty="0"/>
+                        <a:t>460/660</a:t>
+                      </a:r>
+                    </a:p>
+                  </a:txBody>
+                  <a:tcPr/>
                 </a:tc>
                 <a:extLst>
                   <a:ext uri="{0D108BD9-81ED-4DB2-BD59-A6C34878D82A}">
-                    <a16:rowId xmlns:a16="http://schemas.microsoft.com/office/drawing/2014/main" val="52928896"/>
+                    <a16:rowId xmlns:a16="http://schemas.microsoft.com/office/drawing/2014/main" val="1349369722"/>
                   </a:ext>
                 </a:extLst>
               </a:tr>
-              <a:tr h="594548">
-                <a:tc>
-                  <a:txBody>
-                    <a:bodyPr/>
-                    <a:lstStyle/>
-                    <a:p>
-                      <a:pPr algn="r" fontAlgn="b"/>
-                      <a:r>
-                        <a:rPr lang="en-US" sz="2400" u="none" strike="noStrike" dirty="0">
-                          <a:effectLst/>
-                        </a:rPr>
-                        <a:t>-5</a:t>
-                      </a:r>
-                      <a:endParaRPr lang="en-US" sz="2400" b="0" i="0" u="none" strike="noStrike" dirty="0">
-                        <a:solidFill>
-                          <a:srgbClr val="000000"/>
-                        </a:solidFill>
-                        <a:effectLst/>
-                        <a:latin typeface="Calibri" panose="020F0502020204030204" pitchFamily="34" charset="0"/>
-                      </a:endParaRPr>
-                    </a:p>
-                  </a:txBody>
-                  <a:tcPr marL="9525" marR="9525" marT="9525" marB="0" anchor="b"/>
-                </a:tc>
-                <a:tc>
-                  <a:txBody>
-                    <a:bodyPr/>
-                    <a:lstStyle/>
-                    <a:p>
-                      <a:pPr algn="r" fontAlgn="b"/>
-                      <a:r>
-                        <a:rPr lang="en-US" sz="2400" u="none" strike="noStrike" dirty="0">
-                          <a:effectLst/>
-                        </a:rPr>
-                        <a:t>-250</a:t>
-                      </a:r>
-                      <a:endParaRPr lang="en-US" sz="2400" b="0" i="0" u="none" strike="noStrike" dirty="0">
-                        <a:solidFill>
-                          <a:srgbClr val="000000"/>
-                        </a:solidFill>
-                        <a:effectLst/>
-                        <a:latin typeface="Calibri" panose="020F0502020204030204" pitchFamily="34" charset="0"/>
-                      </a:endParaRPr>
-                    </a:p>
-                  </a:txBody>
-                  <a:tcPr marL="9525" marR="9525" marT="9525" marB="0" anchor="b"/>
-                </a:tc>
-                <a:tc>
-                  <a:txBody>
-                    <a:bodyPr/>
-                    <a:lstStyle/>
-                    <a:p>
-                      <a:pPr algn="r" fontAlgn="b"/>
-                      <a:r>
-                        <a:rPr lang="en-US" sz="2400" u="none" strike="noStrike" dirty="0">
-                          <a:effectLst/>
-                        </a:rPr>
-                        <a:t>-1100</a:t>
-                      </a:r>
-                      <a:endParaRPr lang="en-US" sz="2400" b="0" i="0" u="none" strike="noStrike" dirty="0">
-                        <a:solidFill>
-                          <a:srgbClr val="000000"/>
-                        </a:solidFill>
-                        <a:effectLst/>
-                        <a:latin typeface="Calibri" panose="020F0502020204030204" pitchFamily="34" charset="0"/>
-                      </a:endParaRPr>
-                    </a:p>
-                  </a:txBody>
-                  <a:tcPr marL="9525" marR="9525" marT="9525" marB="0" anchor="b"/>
-                </a:tc>
-                <a:tc>
-                  <a:txBody>
-                    <a:bodyPr/>
-                    <a:lstStyle/>
-                    <a:p>
-                      <a:pPr algn="r" fontAlgn="b"/>
-                      <a:r>
-                        <a:rPr lang="en-US" sz="2400" u="none" strike="noStrike" dirty="0">
-                          <a:effectLst/>
-                        </a:rPr>
-                        <a:t>-2200</a:t>
-                      </a:r>
-                      <a:endParaRPr lang="en-US" sz="2400" b="0" i="0" u="none" strike="noStrike" dirty="0">
-                        <a:solidFill>
-                          <a:srgbClr val="000000"/>
-                        </a:solidFill>
-                        <a:effectLst/>
-                        <a:latin typeface="Calibri" panose="020F0502020204030204" pitchFamily="34" charset="0"/>
-                      </a:endParaRPr>
-                    </a:p>
-                  </a:txBody>
-                  <a:tcPr marL="9525" marR="9525" marT="9525" marB="0" anchor="b"/>
-                </a:tc>
-                <a:tc>
-                  <a:txBody>
-                    <a:bodyPr/>
-                    <a:lstStyle/>
-                    <a:p>
-                      <a:pPr algn="r" fontAlgn="b"/>
-                      <a:r>
-                        <a:rPr lang="en-US" sz="2400" u="none" strike="noStrike" dirty="0">
-                          <a:effectLst/>
-                        </a:rPr>
-                        <a:t>-300</a:t>
-                      </a:r>
-                      <a:endParaRPr lang="en-US" sz="2400" b="0" i="0" u="none" strike="noStrike" dirty="0">
-                        <a:solidFill>
-                          <a:srgbClr val="000000"/>
-                        </a:solidFill>
-                        <a:effectLst/>
-                        <a:latin typeface="Calibri" panose="020F0502020204030204" pitchFamily="34" charset="0"/>
-                      </a:endParaRPr>
-                    </a:p>
-                  </a:txBody>
-                  <a:tcPr marL="9525" marR="9525" marT="9525" marB="0" anchor="b"/>
-                </a:tc>
-                <a:tc>
-                  <a:txBody>
-                    <a:bodyPr/>
-                    <a:lstStyle/>
-                    <a:p>
-                      <a:pPr algn="r" fontAlgn="b"/>
-                      <a:r>
-                        <a:rPr lang="en-US" sz="2400" u="none" strike="noStrike" dirty="0">
-                          <a:effectLst/>
-                        </a:rPr>
-                        <a:t>-1100</a:t>
-                      </a:r>
-                      <a:endParaRPr lang="en-US" sz="2400" b="0" i="0" u="none" strike="noStrike" dirty="0">
-                        <a:solidFill>
-                          <a:srgbClr val="000000"/>
-                        </a:solidFill>
-                        <a:effectLst/>
-                        <a:latin typeface="Calibri" panose="020F0502020204030204" pitchFamily="34" charset="0"/>
-                      </a:endParaRPr>
-                    </a:p>
-                  </a:txBody>
-                  <a:tcPr marL="9525" marR="9525" marT="9525" marB="0" anchor="b"/>
-                </a:tc>
-                <a:tc>
-                  <a:txBody>
-                    <a:bodyPr/>
-                    <a:lstStyle/>
-                    <a:p>
-                      <a:pPr algn="r" fontAlgn="b"/>
-                      <a:r>
-                        <a:rPr lang="en-US" sz="2400" u="none" strike="noStrike" dirty="0">
-                          <a:effectLst/>
-                        </a:rPr>
-                        <a:t>-2200</a:t>
-                      </a:r>
-                      <a:endParaRPr lang="en-US" sz="2400" b="0" i="0" u="none" strike="noStrike" dirty="0">
-                        <a:solidFill>
-                          <a:srgbClr val="000000"/>
-                        </a:solidFill>
-                        <a:effectLst/>
-                        <a:latin typeface="Calibri" panose="020F0502020204030204" pitchFamily="34" charset="0"/>
-                      </a:endParaRPr>
-                    </a:p>
-                  </a:txBody>
-                  <a:tcPr marL="9525" marR="9525" marT="9525" marB="0" anchor="b"/>
+              <a:tr h="545241">
+                <a:tc>
+                  <a:txBody>
+                    <a:bodyPr/>
+                    <a:lstStyle/>
+                    <a:p>
+                      <a:r>
+                        <a:rPr lang="en-US" dirty="0"/>
+                        <a:t>2H+2</a:t>
+                      </a:r>
+                    </a:p>
+                  </a:txBody>
+                  <a:tcPr/>
+                </a:tc>
+                <a:tc>
+                  <a:txBody>
+                    <a:bodyPr/>
+                    <a:lstStyle/>
+                    <a:p>
+                      <a:r>
+                        <a:rPr lang="en-US" dirty="0"/>
+                        <a:t>60</a:t>
+                      </a:r>
+                    </a:p>
+                  </a:txBody>
+                  <a:tcPr/>
+                </a:tc>
+                <a:tc>
+                  <a:txBody>
+                    <a:bodyPr/>
+                    <a:lstStyle/>
+                    <a:p>
+                      <a:r>
+                        <a:rPr lang="en-US" dirty="0"/>
+                        <a:t>60</a:t>
+                      </a:r>
+                    </a:p>
+                  </a:txBody>
+                  <a:tcPr/>
+                </a:tc>
+                <a:tc>
+                  <a:txBody>
+                    <a:bodyPr/>
+                    <a:lstStyle/>
+                    <a:p>
+                      <a:r>
+                        <a:rPr lang="en-US" dirty="0"/>
+                        <a:t>50</a:t>
+                      </a:r>
+                    </a:p>
+                  </a:txBody>
+                  <a:tcPr/>
+                </a:tc>
+                <a:tc>
+                  <a:txBody>
+                    <a:bodyPr/>
+                    <a:lstStyle/>
+                    <a:p>
+                      <a:r>
+                        <a:rPr lang="en-US" dirty="0"/>
+                        <a:t>170</a:t>
+                      </a:r>
+                    </a:p>
+                  </a:txBody>
+                  <a:tcPr/>
                 </a:tc>
                 <a:extLst>
                   <a:ext uri="{0D108BD9-81ED-4DB2-BD59-A6C34878D82A}">
-                    <a16:rowId xmlns:a16="http://schemas.microsoft.com/office/drawing/2014/main" val="3464215766"/>
+                    <a16:rowId xmlns:a16="http://schemas.microsoft.com/office/drawing/2014/main" val="200046473"/>
                   </a:ext>
                 </a:extLst>
               </a:tr>
@@ -9099,7 +9241,7 @@
     </p:spTree>
     <p:extLst>
       <p:ext uri="{BB962C8B-B14F-4D97-AF65-F5344CB8AC3E}">
-        <p14:creationId xmlns:p14="http://schemas.microsoft.com/office/powerpoint/2010/main" val="623107434"/>
+        <p14:creationId xmlns:p14="http://schemas.microsoft.com/office/powerpoint/2010/main" val="3698080680"/>
       </p:ext>
     </p:extLst>
   </p:cSld>
